--- a/Presentation.pptx
+++ b/Presentation.pptx
@@ -1,37 +1,46 @@
 
 <file path=ppt/presentation.xml><?xml version="1.0" encoding="utf-8"?>
-<p:presentation xmlns:a="http://schemas.openxmlformats.org/drawingml/2006/main" xmlns:r="http://schemas.openxmlformats.org/officeDocument/2006/relationships" xmlns:mc="http://schemas.openxmlformats.org/markup-compatibility/2006" xmlns:mv="urn:schemas-microsoft-com:mac:vml" xmlns:p="http://schemas.openxmlformats.org/presentationml/2006/main" xmlns:c="http://schemas.openxmlformats.org/drawingml/2006/chart" xmlns:dgm="http://schemas.openxmlformats.org/drawingml/2006/diagram" xmlns:o="urn:schemas-microsoft-com:office:office" xmlns:v="urn:schemas-microsoft-com:vml" xmlns:pvml="urn:schemas-microsoft-com:office:powerpoint" xmlns:com="http://schemas.openxmlformats.org/drawingml/2006/compatibility" xmlns:p14="http://schemas.microsoft.com/office/powerpoint/2010/main" xmlns:p15="http://schemas.microsoft.com/office/powerpoint/2012/main" autoCompressPictures="0" embedTrueTypeFonts="1" strictFirstAndLastChars="0" saveSubsetFonts="1">
+<p:presentation xmlns:a="http://schemas.openxmlformats.org/drawingml/2006/main" xmlns:r="http://schemas.openxmlformats.org/officeDocument/2006/relationships" xmlns:p="http://schemas.openxmlformats.org/presentationml/2006/main" strictFirstAndLastChars="0" embedTrueTypeFonts="1" saveSubsetFonts="1" autoCompressPictures="0">
   <p:sldMasterIdLst>
-    <p:sldMasterId id="2147483649" r:id="rId4"/>
+    <p:sldMasterId id="2147483649" r:id="rId1"/>
   </p:sldMasterIdLst>
   <p:notesMasterIdLst>
-    <p:notesMasterId r:id="rId5"/>
+    <p:notesMasterId r:id="rId15"/>
   </p:notesMasterIdLst>
   <p:sldIdLst>
-    <p:sldId id="256" r:id="rId6"/>
-    <p:sldId id="257" r:id="rId7"/>
-    <p:sldId id="258" r:id="rId8"/>
-    <p:sldId id="259" r:id="rId9"/>
-    <p:sldId id="260" r:id="rId10"/>
-    <p:sldId id="261" r:id="rId11"/>
-    <p:sldId id="262" r:id="rId12"/>
-    <p:sldId id="263" r:id="rId13"/>
-    <p:sldId id="264" r:id="rId14"/>
-    <p:sldId id="265" r:id="rId15"/>
-    <p:sldId id="266" r:id="rId16"/>
-    <p:sldId id="267" r:id="rId17"/>
-    <p:sldId id="268" r:id="rId18"/>
-    <p:sldId id="269" r:id="rId19"/>
-    <p:sldId id="270" r:id="rId20"/>
-    <p:sldId id="271" r:id="rId21"/>
-    <p:sldId id="272" r:id="rId22"/>
-    <p:sldId id="273" r:id="rId23"/>
+    <p:sldId id="256" r:id="rId2"/>
+    <p:sldId id="257" r:id="rId3"/>
+    <p:sldId id="258" r:id="rId4"/>
+    <p:sldId id="259" r:id="rId5"/>
+    <p:sldId id="260" r:id="rId6"/>
+    <p:sldId id="261" r:id="rId7"/>
+    <p:sldId id="262" r:id="rId8"/>
+    <p:sldId id="268" r:id="rId9"/>
+    <p:sldId id="269" r:id="rId10"/>
+    <p:sldId id="270" r:id="rId11"/>
+    <p:sldId id="271" r:id="rId12"/>
+    <p:sldId id="272" r:id="rId13"/>
+    <p:sldId id="273" r:id="rId14"/>
   </p:sldIdLst>
-  <p:sldSz cy="5143500" cx="9144000"/>
+  <p:sldSz cx="9144000" cy="5143500" type="screen16x9"/>
   <p:notesSz cx="9144000" cy="5143500"/>
   <p:embeddedFontLst>
     <p:embeddedFont>
-      <p:font typeface="Roboto"/>
+      <p:font typeface="Georgia" panose="02040502050405020303" pitchFamily="18" charset="0"/>
+      <p:regular r:id="rId16"/>
+      <p:bold r:id="rId17"/>
+      <p:italic r:id="rId18"/>
+      <p:boldItalic r:id="rId19"/>
+    </p:embeddedFont>
+    <p:embeddedFont>
+      <p:font typeface="Roboto" panose="020B0604020202020204" charset="0"/>
+      <p:regular r:id="rId20"/>
+      <p:bold r:id="rId21"/>
+      <p:italic r:id="rId22"/>
+      <p:boldItalic r:id="rId23"/>
+    </p:embeddedFont>
+    <p:embeddedFont>
+      <p:font typeface="Calibri" panose="020F0502020204030204" pitchFamily="34" charset="0"/>
       <p:regular r:id="rId24"/>
       <p:bold r:id="rId25"/>
       <p:italic r:id="rId26"/>
@@ -39,7 +48,7 @@
     </p:embeddedFont>
   </p:embeddedFontLst>
   <p:defaultTextStyle>
-    <a:defPPr lvl="0" marR="0" rtl="0" algn="l">
+    <a:defPPr marR="0" lvl="0" algn="l" rtl="0">
       <a:lnSpc>
         <a:spcPct val="100000"/>
       </a:lnSpc>
@@ -50,7 +59,7 @@
         <a:spcPts val="0"/>
       </a:spcAft>
     </a:defPPr>
-    <a:lvl1pPr lvl="0" marR="0" rtl="0" algn="l">
+    <a:lvl1pPr marR="0" lvl="0" algn="l" rtl="0">
       <a:lnSpc>
         <a:spcPct val="100000"/>
       </a:lnSpc>
@@ -64,7 +73,7 @@
         <a:srgbClr val="000000"/>
       </a:buClr>
       <a:buFont typeface="Arial"/>
-      <a:defRPr b="0" i="0" sz="1400" u="none" cap="none" strike="noStrike">
+      <a:defRPr sz="1400" b="0" i="0" u="none" strike="noStrike" cap="none">
         <a:solidFill>
           <a:srgbClr val="000000"/>
         </a:solidFill>
@@ -74,7 +83,7 @@
         <a:sym typeface="Arial"/>
       </a:defRPr>
     </a:lvl1pPr>
-    <a:lvl2pPr lvl="1" marR="0" rtl="0" algn="l">
+    <a:lvl2pPr marR="0" lvl="1" algn="l" rtl="0">
       <a:lnSpc>
         <a:spcPct val="100000"/>
       </a:lnSpc>
@@ -88,7 +97,7 @@
         <a:srgbClr val="000000"/>
       </a:buClr>
       <a:buFont typeface="Arial"/>
-      <a:defRPr b="0" i="0" sz="1400" u="none" cap="none" strike="noStrike">
+      <a:defRPr sz="1400" b="0" i="0" u="none" strike="noStrike" cap="none">
         <a:solidFill>
           <a:srgbClr val="000000"/>
         </a:solidFill>
@@ -98,7 +107,7 @@
         <a:sym typeface="Arial"/>
       </a:defRPr>
     </a:lvl2pPr>
-    <a:lvl3pPr lvl="2" marR="0" rtl="0" algn="l">
+    <a:lvl3pPr marR="0" lvl="2" algn="l" rtl="0">
       <a:lnSpc>
         <a:spcPct val="100000"/>
       </a:lnSpc>
@@ -112,7 +121,7 @@
         <a:srgbClr val="000000"/>
       </a:buClr>
       <a:buFont typeface="Arial"/>
-      <a:defRPr b="0" i="0" sz="1400" u="none" cap="none" strike="noStrike">
+      <a:defRPr sz="1400" b="0" i="0" u="none" strike="noStrike" cap="none">
         <a:solidFill>
           <a:srgbClr val="000000"/>
         </a:solidFill>
@@ -122,7 +131,7 @@
         <a:sym typeface="Arial"/>
       </a:defRPr>
     </a:lvl3pPr>
-    <a:lvl4pPr lvl="3" marR="0" rtl="0" algn="l">
+    <a:lvl4pPr marR="0" lvl="3" algn="l" rtl="0">
       <a:lnSpc>
         <a:spcPct val="100000"/>
       </a:lnSpc>
@@ -136,7 +145,7 @@
         <a:srgbClr val="000000"/>
       </a:buClr>
       <a:buFont typeface="Arial"/>
-      <a:defRPr b="0" i="0" sz="1400" u="none" cap="none" strike="noStrike">
+      <a:defRPr sz="1400" b="0" i="0" u="none" strike="noStrike" cap="none">
         <a:solidFill>
           <a:srgbClr val="000000"/>
         </a:solidFill>
@@ -146,7 +155,7 @@
         <a:sym typeface="Arial"/>
       </a:defRPr>
     </a:lvl4pPr>
-    <a:lvl5pPr lvl="4" marR="0" rtl="0" algn="l">
+    <a:lvl5pPr marR="0" lvl="4" algn="l" rtl="0">
       <a:lnSpc>
         <a:spcPct val="100000"/>
       </a:lnSpc>
@@ -160,7 +169,7 @@
         <a:srgbClr val="000000"/>
       </a:buClr>
       <a:buFont typeface="Arial"/>
-      <a:defRPr b="0" i="0" sz="1400" u="none" cap="none" strike="noStrike">
+      <a:defRPr sz="1400" b="0" i="0" u="none" strike="noStrike" cap="none">
         <a:solidFill>
           <a:srgbClr val="000000"/>
         </a:solidFill>
@@ -170,7 +179,7 @@
         <a:sym typeface="Arial"/>
       </a:defRPr>
     </a:lvl5pPr>
-    <a:lvl6pPr lvl="5" marR="0" rtl="0" algn="l">
+    <a:lvl6pPr marR="0" lvl="5" algn="l" rtl="0">
       <a:lnSpc>
         <a:spcPct val="100000"/>
       </a:lnSpc>
@@ -184,7 +193,7 @@
         <a:srgbClr val="000000"/>
       </a:buClr>
       <a:buFont typeface="Arial"/>
-      <a:defRPr b="0" i="0" sz="1400" u="none" cap="none" strike="noStrike">
+      <a:defRPr sz="1400" b="0" i="0" u="none" strike="noStrike" cap="none">
         <a:solidFill>
           <a:srgbClr val="000000"/>
         </a:solidFill>
@@ -194,7 +203,7 @@
         <a:sym typeface="Arial"/>
       </a:defRPr>
     </a:lvl6pPr>
-    <a:lvl7pPr lvl="6" marR="0" rtl="0" algn="l">
+    <a:lvl7pPr marR="0" lvl="6" algn="l" rtl="0">
       <a:lnSpc>
         <a:spcPct val="100000"/>
       </a:lnSpc>
@@ -208,7 +217,7 @@
         <a:srgbClr val="000000"/>
       </a:buClr>
       <a:buFont typeface="Arial"/>
-      <a:defRPr b="0" i="0" sz="1400" u="none" cap="none" strike="noStrike">
+      <a:defRPr sz="1400" b="0" i="0" u="none" strike="noStrike" cap="none">
         <a:solidFill>
           <a:srgbClr val="000000"/>
         </a:solidFill>
@@ -218,7 +227,7 @@
         <a:sym typeface="Arial"/>
       </a:defRPr>
     </a:lvl7pPr>
-    <a:lvl8pPr lvl="7" marR="0" rtl="0" algn="l">
+    <a:lvl8pPr marR="0" lvl="7" algn="l" rtl="0">
       <a:lnSpc>
         <a:spcPct val="100000"/>
       </a:lnSpc>
@@ -232,7 +241,7 @@
         <a:srgbClr val="000000"/>
       </a:buClr>
       <a:buFont typeface="Arial"/>
-      <a:defRPr b="0" i="0" sz="1400" u="none" cap="none" strike="noStrike">
+      <a:defRPr sz="1400" b="0" i="0" u="none" strike="noStrike" cap="none">
         <a:solidFill>
           <a:srgbClr val="000000"/>
         </a:solidFill>
@@ -242,7 +251,7 @@
         <a:sym typeface="Arial"/>
       </a:defRPr>
     </a:lvl8pPr>
-    <a:lvl9pPr lvl="8" marR="0" rtl="0" algn="l">
+    <a:lvl9pPr marR="0" lvl="8" algn="l" rtl="0">
       <a:lnSpc>
         <a:spcPct val="100000"/>
       </a:lnSpc>
@@ -256,7 +265,7 @@
         <a:srgbClr val="000000"/>
       </a:buClr>
       <a:buFont typeface="Arial"/>
-      <a:defRPr b="0" i="0" sz="1400" u="none" cap="none" strike="noStrike">
+      <a:defRPr sz="1400" b="0" i="0" u="none" strike="noStrike" cap="none">
         <a:solidFill>
           <a:srgbClr val="000000"/>
         </a:solidFill>
@@ -269,7 +278,7 @@
   </p:defaultTextStyle>
   <p:extLst>
     <p:ext uri="{EFAFB233-063F-42B5-8137-9DF3F51BA10A}">
-      <p15:sldGuideLst>
+      <p15:sldGuideLst xmlns:p15="http://schemas.microsoft.com/office/powerpoint/2012/main">
         <p15:guide id="1" orient="horz" pos="3168">
           <p15:clr>
             <a:srgbClr val="000000"/>
@@ -287,11 +296,16 @@
 </file>
 
 <file path=ppt/notesMasters/notesMaster1.xml><?xml version="1.0" encoding="utf-8"?>
-<p:notesMaster xmlns:a="http://schemas.openxmlformats.org/drawingml/2006/main" xmlns:r="http://schemas.openxmlformats.org/officeDocument/2006/relationships" xmlns:mc="http://schemas.openxmlformats.org/markup-compatibility/2006" xmlns:mv="urn:schemas-microsoft-com:mac:vml" xmlns:p="http://schemas.openxmlformats.org/presentationml/2006/main" xmlns:c="http://schemas.openxmlformats.org/drawingml/2006/chart" xmlns:dgm="http://schemas.openxmlformats.org/drawingml/2006/diagram" xmlns:o="urn:schemas-microsoft-com:office:office" xmlns:v="urn:schemas-microsoft-com:vml" xmlns:pvml="urn:schemas-microsoft-com:office:powerpoint" xmlns:com="http://schemas.openxmlformats.org/drawingml/2006/compatibility" xmlns:p14="http://schemas.microsoft.com/office/powerpoint/2010/main" xmlns:p15="http://schemas.microsoft.com/office/powerpoint/2012/main">
+<p:notesMaster xmlns:a="http://schemas.openxmlformats.org/drawingml/2006/main" xmlns:r="http://schemas.openxmlformats.org/officeDocument/2006/relationships" xmlns:p="http://schemas.openxmlformats.org/presentationml/2006/main">
   <p:cSld>
+    <p:bg>
+      <p:bgRef idx="1001">
+        <a:schemeClr val="bg1"/>
+      </p:bgRef>
+    </p:bg>
     <p:spTree>
       <p:nvGrpSpPr>
-        <p:cNvPr id="2" name="Shape 2"/>
+        <p:cNvPr id="1" name="Shape 2"/>
         <p:cNvGrpSpPr/>
         <p:nvPr/>
       </p:nvGrpSpPr>
@@ -306,9 +320,11 @@
       <p:sp>
         <p:nvSpPr>
           <p:cNvPr id="3" name="Google Shape;3;n"/>
-          <p:cNvSpPr/>
+          <p:cNvSpPr>
+            <a:spLocks noGrp="1" noRot="1" noChangeAspect="1"/>
+          </p:cNvSpPr>
           <p:nvPr>
-            <p:ph idx="2" type="sldImg"/>
+            <p:ph type="sldImg" idx="2"/>
           </p:nvPr>
         </p:nvSpPr>
         <p:spPr>
@@ -317,9 +333,13 @@
             <a:ext cx="6096300" cy="1928800"/>
           </a:xfrm>
           <a:custGeom>
-            <a:rect b="b" l="l" r="r" t="t"/>
+            <a:avLst/>
+            <a:gdLst/>
+            <a:ahLst/>
+            <a:cxnLst/>
+            <a:rect l="l" t="t" r="r" b="b"/>
             <a:pathLst>
-              <a:path extrusionOk="0" h="120000" w="120000">
+              <a:path w="120000" h="120000" extrusionOk="0">
                 <a:moveTo>
                   <a:pt x="0" y="0"/>
                 </a:moveTo>
@@ -337,23 +357,25 @@
             </a:pathLst>
           </a:custGeom>
           <a:noFill/>
-          <a:ln cap="flat" cmpd="sng" w="9525">
+          <a:ln w="9525" cap="flat" cmpd="sng">
             <a:solidFill>
               <a:srgbClr val="000000"/>
             </a:solidFill>
             <a:prstDash val="solid"/>
             <a:round/>
-            <a:headEnd len="sm" w="sm" type="none"/>
-            <a:tailEnd len="sm" w="sm" type="none"/>
+            <a:headEnd type="none" w="sm" len="sm"/>
+            <a:tailEnd type="none" w="sm" len="sm"/>
           </a:ln>
         </p:spPr>
       </p:sp>
       <p:sp>
         <p:nvSpPr>
           <p:cNvPr id="4" name="Google Shape;4;n"/>
-          <p:cNvSpPr txBox="1"/>
+          <p:cNvSpPr txBox="1">
+            <a:spLocks noGrp="1"/>
+          </p:cNvSpPr>
           <p:nvPr>
-            <p:ph idx="1" type="body"/>
+            <p:ph type="body" idx="1"/>
           </p:nvPr>
         </p:nvSpPr>
         <p:spPr>
@@ -370,11 +392,11 @@
           </a:ln>
         </p:spPr>
         <p:txBody>
-          <a:bodyPr anchorCtr="0" anchor="t" bIns="91425" lIns="91425" spcFirstLastPara="1" rIns="91425" wrap="square" tIns="91425">
+          <a:bodyPr spcFirstLastPara="1" wrap="square" lIns="91425" tIns="91425" rIns="91425" bIns="91425" anchor="t" anchorCtr="0">
             <a:noAutofit/>
           </a:bodyPr>
           <a:lstStyle>
-            <a:lvl1pPr indent="-298450" lvl="0" marL="457200">
+            <a:lvl1pPr marL="457200" lvl="0" indent="-298450">
               <a:spcBef>
                 <a:spcPts val="0"/>
               </a:spcBef>
@@ -385,7 +407,7 @@
               <a:buChar char="●"/>
               <a:defRPr sz="1100"/>
             </a:lvl1pPr>
-            <a:lvl2pPr indent="-298450" lvl="1" marL="914400">
+            <a:lvl2pPr marL="914400" lvl="1" indent="-298450">
               <a:spcBef>
                 <a:spcPts val="0"/>
               </a:spcBef>
@@ -396,7 +418,7 @@
               <a:buChar char="○"/>
               <a:defRPr sz="1100"/>
             </a:lvl2pPr>
-            <a:lvl3pPr indent="-298450" lvl="2" marL="1371600">
+            <a:lvl3pPr marL="1371600" lvl="2" indent="-298450">
               <a:spcBef>
                 <a:spcPts val="0"/>
               </a:spcBef>
@@ -407,7 +429,7 @@
               <a:buChar char="■"/>
               <a:defRPr sz="1100"/>
             </a:lvl3pPr>
-            <a:lvl4pPr indent="-298450" lvl="3" marL="1828800">
+            <a:lvl4pPr marL="1828800" lvl="3" indent="-298450">
               <a:spcBef>
                 <a:spcPts val="0"/>
               </a:spcBef>
@@ -418,7 +440,7 @@
               <a:buChar char="●"/>
               <a:defRPr sz="1100"/>
             </a:lvl4pPr>
-            <a:lvl5pPr indent="-298450" lvl="4" marL="2286000">
+            <a:lvl5pPr marL="2286000" lvl="4" indent="-298450">
               <a:spcBef>
                 <a:spcPts val="0"/>
               </a:spcBef>
@@ -429,7 +451,7 @@
               <a:buChar char="○"/>
               <a:defRPr sz="1100"/>
             </a:lvl5pPr>
-            <a:lvl6pPr indent="-298450" lvl="5" marL="2743200">
+            <a:lvl6pPr marL="2743200" lvl="5" indent="-298450">
               <a:spcBef>
                 <a:spcPts val="0"/>
               </a:spcBef>
@@ -440,7 +462,7 @@
               <a:buChar char="■"/>
               <a:defRPr sz="1100"/>
             </a:lvl6pPr>
-            <a:lvl7pPr indent="-298450" lvl="6" marL="3200400">
+            <a:lvl7pPr marL="3200400" lvl="6" indent="-298450">
               <a:spcBef>
                 <a:spcPts val="0"/>
               </a:spcBef>
@@ -451,7 +473,7 @@
               <a:buChar char="●"/>
               <a:defRPr sz="1100"/>
             </a:lvl7pPr>
-            <a:lvl8pPr indent="-298450" lvl="7" marL="3657600">
+            <a:lvl8pPr marL="3657600" lvl="7" indent="-298450">
               <a:spcBef>
                 <a:spcPts val="0"/>
               </a:spcBef>
@@ -462,7 +484,7 @@
               <a:buChar char="○"/>
               <a:defRPr sz="1100"/>
             </a:lvl8pPr>
-            <a:lvl9pPr indent="-298450" lvl="8" marL="4114800">
+            <a:lvl9pPr marL="4114800" lvl="8" indent="-298450">
               <a:spcBef>
                 <a:spcPts val="0"/>
               </a:spcBef>
@@ -474,14 +496,16 @@
               <a:defRPr sz="1100"/>
             </a:lvl9pPr>
           </a:lstStyle>
-          <a:p/>
+          <a:p>
+            <a:endParaRPr/>
+          </a:p>
         </p:txBody>
       </p:sp>
     </p:spTree>
   </p:cSld>
-  <p:clrMap accent1="accent1" accent2="accent2" accent3="accent3" accent4="accent4" accent5="accent5" accent6="accent6" bg1="lt1" bg2="dk2" tx1="dk1" tx2="lt2" folHlink="folHlink" hlink="hlink"/>
+  <p:clrMap bg1="lt1" tx1="dk1" bg2="dk2" tx2="lt2" accent1="accent1" accent2="accent2" accent3="accent3" accent4="accent4" accent5="accent5" accent6="accent6" hlink="hlink" folHlink="folHlink"/>
   <p:notesStyle>
-    <a:defPPr lvl="0" marR="0" rtl="0" algn="l">
+    <a:defPPr marR="0" lvl="0" algn="l" rtl="0">
       <a:lnSpc>
         <a:spcPct val="100000"/>
       </a:lnSpc>
@@ -492,7 +516,7 @@
         <a:spcPts val="0"/>
       </a:spcAft>
     </a:defPPr>
-    <a:lvl1pPr lvl="0" marR="0" rtl="0" algn="l">
+    <a:lvl1pPr marR="0" lvl="0" algn="l" rtl="0">
       <a:lnSpc>
         <a:spcPct val="100000"/>
       </a:lnSpc>
@@ -506,7 +530,7 @@
         <a:srgbClr val="000000"/>
       </a:buClr>
       <a:buFont typeface="Arial"/>
-      <a:defRPr b="0" i="0" sz="1400" u="none" cap="none" strike="noStrike">
+      <a:defRPr sz="1400" b="0" i="0" u="none" strike="noStrike" cap="none">
         <a:solidFill>
           <a:srgbClr val="000000"/>
         </a:solidFill>
@@ -516,7 +540,7 @@
         <a:sym typeface="Arial"/>
       </a:defRPr>
     </a:lvl1pPr>
-    <a:lvl2pPr lvl="1" marR="0" rtl="0" algn="l">
+    <a:lvl2pPr marR="0" lvl="1" algn="l" rtl="0">
       <a:lnSpc>
         <a:spcPct val="100000"/>
       </a:lnSpc>
@@ -530,7 +554,7 @@
         <a:srgbClr val="000000"/>
       </a:buClr>
       <a:buFont typeface="Arial"/>
-      <a:defRPr b="0" i="0" sz="1400" u="none" cap="none" strike="noStrike">
+      <a:defRPr sz="1400" b="0" i="0" u="none" strike="noStrike" cap="none">
         <a:solidFill>
           <a:srgbClr val="000000"/>
         </a:solidFill>
@@ -540,7 +564,7 @@
         <a:sym typeface="Arial"/>
       </a:defRPr>
     </a:lvl2pPr>
-    <a:lvl3pPr lvl="2" marR="0" rtl="0" algn="l">
+    <a:lvl3pPr marR="0" lvl="2" algn="l" rtl="0">
       <a:lnSpc>
         <a:spcPct val="100000"/>
       </a:lnSpc>
@@ -554,7 +578,7 @@
         <a:srgbClr val="000000"/>
       </a:buClr>
       <a:buFont typeface="Arial"/>
-      <a:defRPr b="0" i="0" sz="1400" u="none" cap="none" strike="noStrike">
+      <a:defRPr sz="1400" b="0" i="0" u="none" strike="noStrike" cap="none">
         <a:solidFill>
           <a:srgbClr val="000000"/>
         </a:solidFill>
@@ -564,7 +588,7 @@
         <a:sym typeface="Arial"/>
       </a:defRPr>
     </a:lvl3pPr>
-    <a:lvl4pPr lvl="3" marR="0" rtl="0" algn="l">
+    <a:lvl4pPr marR="0" lvl="3" algn="l" rtl="0">
       <a:lnSpc>
         <a:spcPct val="100000"/>
       </a:lnSpc>
@@ -578,7 +602,7 @@
         <a:srgbClr val="000000"/>
       </a:buClr>
       <a:buFont typeface="Arial"/>
-      <a:defRPr b="0" i="0" sz="1400" u="none" cap="none" strike="noStrike">
+      <a:defRPr sz="1400" b="0" i="0" u="none" strike="noStrike" cap="none">
         <a:solidFill>
           <a:srgbClr val="000000"/>
         </a:solidFill>
@@ -588,7 +612,7 @@
         <a:sym typeface="Arial"/>
       </a:defRPr>
     </a:lvl4pPr>
-    <a:lvl5pPr lvl="4" marR="0" rtl="0" algn="l">
+    <a:lvl5pPr marR="0" lvl="4" algn="l" rtl="0">
       <a:lnSpc>
         <a:spcPct val="100000"/>
       </a:lnSpc>
@@ -602,7 +626,7 @@
         <a:srgbClr val="000000"/>
       </a:buClr>
       <a:buFont typeface="Arial"/>
-      <a:defRPr b="0" i="0" sz="1400" u="none" cap="none" strike="noStrike">
+      <a:defRPr sz="1400" b="0" i="0" u="none" strike="noStrike" cap="none">
         <a:solidFill>
           <a:srgbClr val="000000"/>
         </a:solidFill>
@@ -612,7 +636,7 @@
         <a:sym typeface="Arial"/>
       </a:defRPr>
     </a:lvl5pPr>
-    <a:lvl6pPr lvl="5" marR="0" rtl="0" algn="l">
+    <a:lvl6pPr marR="0" lvl="5" algn="l" rtl="0">
       <a:lnSpc>
         <a:spcPct val="100000"/>
       </a:lnSpc>
@@ -626,7 +650,7 @@
         <a:srgbClr val="000000"/>
       </a:buClr>
       <a:buFont typeface="Arial"/>
-      <a:defRPr b="0" i="0" sz="1400" u="none" cap="none" strike="noStrike">
+      <a:defRPr sz="1400" b="0" i="0" u="none" strike="noStrike" cap="none">
         <a:solidFill>
           <a:srgbClr val="000000"/>
         </a:solidFill>
@@ -636,7 +660,7 @@
         <a:sym typeface="Arial"/>
       </a:defRPr>
     </a:lvl6pPr>
-    <a:lvl7pPr lvl="6" marR="0" rtl="0" algn="l">
+    <a:lvl7pPr marR="0" lvl="6" algn="l" rtl="0">
       <a:lnSpc>
         <a:spcPct val="100000"/>
       </a:lnSpc>
@@ -650,7 +674,7 @@
         <a:srgbClr val="000000"/>
       </a:buClr>
       <a:buFont typeface="Arial"/>
-      <a:defRPr b="0" i="0" sz="1400" u="none" cap="none" strike="noStrike">
+      <a:defRPr sz="1400" b="0" i="0" u="none" strike="noStrike" cap="none">
         <a:solidFill>
           <a:srgbClr val="000000"/>
         </a:solidFill>
@@ -660,7 +684,7 @@
         <a:sym typeface="Arial"/>
       </a:defRPr>
     </a:lvl7pPr>
-    <a:lvl8pPr lvl="7" marR="0" rtl="0" algn="l">
+    <a:lvl8pPr marR="0" lvl="7" algn="l" rtl="0">
       <a:lnSpc>
         <a:spcPct val="100000"/>
       </a:lnSpc>
@@ -674,7 +698,7 @@
         <a:srgbClr val="000000"/>
       </a:buClr>
       <a:buFont typeface="Arial"/>
-      <a:defRPr b="0" i="0" sz="1400" u="none" cap="none" strike="noStrike">
+      <a:defRPr sz="1400" b="0" i="0" u="none" strike="noStrike" cap="none">
         <a:solidFill>
           <a:srgbClr val="000000"/>
         </a:solidFill>
@@ -684,7 +708,7 @@
         <a:sym typeface="Arial"/>
       </a:defRPr>
     </a:lvl8pPr>
-    <a:lvl9pPr lvl="8" marR="0" rtl="0" algn="l">
+    <a:lvl9pPr marR="0" lvl="8" algn="l" rtl="0">
       <a:lnSpc>
         <a:spcPct val="100000"/>
       </a:lnSpc>
@@ -698,7 +722,7 @@
         <a:srgbClr val="000000"/>
       </a:buClr>
       <a:buFont typeface="Arial"/>
-      <a:defRPr b="0" i="0" sz="1400" u="none" cap="none" strike="noStrike">
+      <a:defRPr sz="1400" b="0" i="0" u="none" strike="noStrike" cap="none">
         <a:solidFill>
           <a:srgbClr val="000000"/>
         </a:solidFill>
@@ -713,11 +737,11 @@
 </file>
 
 <file path=ppt/notesSlides/notesSlide1.xml><?xml version="1.0" encoding="utf-8"?>
-<p:notes xmlns:a="http://schemas.openxmlformats.org/drawingml/2006/main" xmlns:r="http://schemas.openxmlformats.org/officeDocument/2006/relationships" xmlns:mc="http://schemas.openxmlformats.org/markup-compatibility/2006" xmlns:mv="urn:schemas-microsoft-com:mac:vml" xmlns:p="http://schemas.openxmlformats.org/presentationml/2006/main" xmlns:c="http://schemas.openxmlformats.org/drawingml/2006/chart" xmlns:dgm="http://schemas.openxmlformats.org/drawingml/2006/diagram" xmlns:o="urn:schemas-microsoft-com:office:office" xmlns:v="urn:schemas-microsoft-com:vml" xmlns:pvml="urn:schemas-microsoft-com:office:powerpoint" xmlns:com="http://schemas.openxmlformats.org/drawingml/2006/compatibility" xmlns:p14="http://schemas.microsoft.com/office/powerpoint/2010/main" xmlns:p15="http://schemas.microsoft.com/office/powerpoint/2012/main" showMasterPhAnim="0" showMasterSp="0">
+<p:notes xmlns:a="http://schemas.openxmlformats.org/drawingml/2006/main" xmlns:r="http://schemas.openxmlformats.org/officeDocument/2006/relationships" xmlns:p="http://schemas.openxmlformats.org/presentationml/2006/main" showMasterSp="0" showMasterPhAnim="0">
   <p:cSld>
     <p:spTree>
       <p:nvGrpSpPr>
-        <p:cNvPr id="17" name="Shape 17"/>
+        <p:cNvPr id="1" name="Shape 17"/>
         <p:cNvGrpSpPr/>
         <p:nvPr/>
       </p:nvGrpSpPr>
@@ -732,9 +756,11 @@
       <p:sp>
         <p:nvSpPr>
           <p:cNvPr id="18" name="Google Shape;18;p1:notes"/>
-          <p:cNvSpPr txBox="1"/>
+          <p:cNvSpPr txBox="1">
+            <a:spLocks noGrp="1"/>
+          </p:cNvSpPr>
           <p:nvPr>
-            <p:ph idx="1" type="body"/>
+            <p:ph type="body" idx="1"/>
           </p:nvPr>
         </p:nvSpPr>
         <p:spPr>
@@ -747,12 +773,12 @@
           </a:prstGeom>
         </p:spPr>
         <p:txBody>
-          <a:bodyPr anchorCtr="0" anchor="t" bIns="91425" lIns="91425" spcFirstLastPara="1" rIns="91425" wrap="square" tIns="91425">
+          <a:bodyPr spcFirstLastPara="1" wrap="square" lIns="91425" tIns="91425" rIns="91425" bIns="91425" anchor="t" anchorCtr="0">
             <a:noAutofit/>
           </a:bodyPr>
           <a:lstStyle/>
           <a:p>
-            <a:pPr indent="0" lvl="0" marL="0" rtl="0" algn="l">
+            <a:pPr marL="0" lvl="0" indent="0" algn="l" rtl="0">
               <a:spcBef>
                 <a:spcPts val="0"/>
               </a:spcBef>
@@ -761,9 +787,6 @@
               </a:spcAft>
               <a:buNone/>
             </a:pPr>
-            <a:r>
-              <a:t/>
-            </a:r>
             <a:endParaRPr/>
           </a:p>
         </p:txBody>
@@ -771,20 +794,26 @@
       <p:sp>
         <p:nvSpPr>
           <p:cNvPr id="19" name="Google Shape;19;p1:notes"/>
-          <p:cNvSpPr/>
+          <p:cNvSpPr>
+            <a:spLocks noGrp="1" noRot="1" noChangeAspect="1"/>
+          </p:cNvSpPr>
           <p:nvPr>
-            <p:ph idx="2" type="sldImg"/>
+            <p:ph type="sldImg" idx="2"/>
           </p:nvPr>
         </p:nvSpPr>
         <p:spPr>
           <a:xfrm>
-            <a:off x="1524300" y="385750"/>
-            <a:ext cx="6096300" cy="1928800"/>
+            <a:off x="2857500" y="385763"/>
+            <a:ext cx="3429000" cy="1928812"/>
           </a:xfrm>
           <a:custGeom>
-            <a:rect b="b" l="l" r="r" t="t"/>
+            <a:avLst/>
+            <a:gdLst/>
+            <a:ahLst/>
+            <a:cxnLst/>
+            <a:rect l="l" t="t" r="r" b="b"/>
             <a:pathLst>
-              <a:path extrusionOk="0" h="120000" w="120000">
+              <a:path w="120000" h="120000" extrusionOk="0">
                 <a:moveTo>
                   <a:pt x="0" y="0"/>
                 </a:moveTo>
@@ -812,11 +841,11 @@
 </file>
 
 <file path=ppt/notesSlides/notesSlide10.xml><?xml version="1.0" encoding="utf-8"?>
-<p:notes xmlns:a="http://schemas.openxmlformats.org/drawingml/2006/main" xmlns:r="http://schemas.openxmlformats.org/officeDocument/2006/relationships" xmlns:mc="http://schemas.openxmlformats.org/markup-compatibility/2006" xmlns:mv="urn:schemas-microsoft-com:mac:vml" xmlns:p="http://schemas.openxmlformats.org/presentationml/2006/main" xmlns:c="http://schemas.openxmlformats.org/drawingml/2006/chart" xmlns:dgm="http://schemas.openxmlformats.org/drawingml/2006/diagram" xmlns:o="urn:schemas-microsoft-com:office:office" xmlns:v="urn:schemas-microsoft-com:vml" xmlns:pvml="urn:schemas-microsoft-com:office:powerpoint" xmlns:com="http://schemas.openxmlformats.org/drawingml/2006/compatibility" xmlns:p14="http://schemas.microsoft.com/office/powerpoint/2010/main" xmlns:p15="http://schemas.microsoft.com/office/powerpoint/2012/main" showMasterPhAnim="0" showMasterSp="0">
+<p:notes xmlns:a="http://schemas.openxmlformats.org/drawingml/2006/main" xmlns:r="http://schemas.openxmlformats.org/officeDocument/2006/relationships" xmlns:p="http://schemas.openxmlformats.org/presentationml/2006/main" showMasterSp="0" showMasterPhAnim="0">
   <p:cSld>
     <p:spTree>
       <p:nvGrpSpPr>
-        <p:cNvPr id="67" name="Shape 67"/>
+        <p:cNvPr id="1" name="Shape 96"/>
         <p:cNvGrpSpPr/>
         <p:nvPr/>
       </p:nvGrpSpPr>
@@ -830,45 +859,12 @@
       </p:grpSpPr>
       <p:sp>
         <p:nvSpPr>
-          <p:cNvPr id="68" name="Google Shape;68;g7a6d7b17f3_0_58:notes"/>
-          <p:cNvSpPr/>
+          <p:cNvPr id="97" name="Google Shape;97;g7a6d7b17f3_0_108:notes"/>
+          <p:cNvSpPr txBox="1">
+            <a:spLocks noGrp="1"/>
+          </p:cNvSpPr>
           <p:nvPr>
-            <p:ph idx="2" type="sldImg"/>
-          </p:nvPr>
-        </p:nvSpPr>
-        <p:spPr>
-          <a:xfrm>
-            <a:off x="1524300" y="385750"/>
-            <a:ext cx="6096300" cy="1928700"/>
-          </a:xfrm>
-          <a:custGeom>
-            <a:rect b="b" l="l" r="r" t="t"/>
-            <a:pathLst>
-              <a:path extrusionOk="0" h="120000" w="120000">
-                <a:moveTo>
-                  <a:pt x="0" y="0"/>
-                </a:moveTo>
-                <a:lnTo>
-                  <a:pt x="120000" y="0"/>
-                </a:lnTo>
-                <a:lnTo>
-                  <a:pt x="120000" y="120000"/>
-                </a:lnTo>
-                <a:lnTo>
-                  <a:pt x="0" y="120000"/>
-                </a:lnTo>
-                <a:close/>
-              </a:path>
-            </a:pathLst>
-          </a:custGeom>
-        </p:spPr>
-      </p:sp>
-      <p:sp>
-        <p:nvSpPr>
-          <p:cNvPr id="69" name="Google Shape;69;g7a6d7b17f3_0_58:notes"/>
-          <p:cNvSpPr txBox="1"/>
-          <p:nvPr>
-            <p:ph idx="1" type="body"/>
+            <p:ph type="body" idx="1"/>
           </p:nvPr>
         </p:nvSpPr>
         <p:spPr>
@@ -881,12 +877,12 @@
           </a:prstGeom>
         </p:spPr>
         <p:txBody>
-          <a:bodyPr anchorCtr="0" anchor="t" bIns="91425" lIns="91425" spcFirstLastPara="1" rIns="91425" wrap="square" tIns="91425">
+          <a:bodyPr spcFirstLastPara="1" wrap="square" lIns="91425" tIns="91425" rIns="91425" bIns="91425" anchor="t" anchorCtr="0">
             <a:noAutofit/>
           </a:bodyPr>
           <a:lstStyle/>
           <a:p>
-            <a:pPr indent="0" lvl="0" marL="0" rtl="0" algn="l">
+            <a:pPr marL="0" lvl="0" indent="0" algn="l" rtl="0">
               <a:spcBef>
                 <a:spcPts val="0"/>
               </a:spcBef>
@@ -895,292 +891,33 @@
               </a:spcAft>
               <a:buNone/>
             </a:pPr>
-            <a:r>
-              <a:t/>
-            </a:r>
-            <a:endParaRPr/>
-          </a:p>
-        </p:txBody>
-      </p:sp>
-    </p:spTree>
-  </p:cSld>
-  <p:clrMapOvr>
-    <a:masterClrMapping/>
-  </p:clrMapOvr>
-</p:notes>
-</file>
-
-<file path=ppt/notesSlides/notesSlide11.xml><?xml version="1.0" encoding="utf-8"?>
-<p:notes xmlns:a="http://schemas.openxmlformats.org/drawingml/2006/main" xmlns:r="http://schemas.openxmlformats.org/officeDocument/2006/relationships" xmlns:mc="http://schemas.openxmlformats.org/markup-compatibility/2006" xmlns:mv="urn:schemas-microsoft-com:mac:vml" xmlns:p="http://schemas.openxmlformats.org/presentationml/2006/main" xmlns:c="http://schemas.openxmlformats.org/drawingml/2006/chart" xmlns:dgm="http://schemas.openxmlformats.org/drawingml/2006/diagram" xmlns:o="urn:schemas-microsoft-com:office:office" xmlns:v="urn:schemas-microsoft-com:vml" xmlns:pvml="urn:schemas-microsoft-com:office:powerpoint" xmlns:com="http://schemas.openxmlformats.org/drawingml/2006/compatibility" xmlns:p14="http://schemas.microsoft.com/office/powerpoint/2010/main" xmlns:p15="http://schemas.microsoft.com/office/powerpoint/2012/main" showMasterPhAnim="0" showMasterSp="0">
-  <p:cSld>
-    <p:spTree>
-      <p:nvGrpSpPr>
-        <p:cNvPr id="72" name="Shape 72"/>
-        <p:cNvGrpSpPr/>
-        <p:nvPr/>
-      </p:nvGrpSpPr>
-      <p:grpSpPr>
-        <a:xfrm>
-          <a:off x="0" y="0"/>
-          <a:ext cx="0" cy="0"/>
-          <a:chOff x="0" y="0"/>
-          <a:chExt cx="0" cy="0"/>
-        </a:xfrm>
-      </p:grpSpPr>
-      <p:sp>
-        <p:nvSpPr>
-          <p:cNvPr id="73" name="Google Shape;73;g7a6d7b17f3_0_63:notes"/>
-          <p:cNvSpPr/>
-          <p:nvPr>
-            <p:ph idx="2" type="sldImg"/>
-          </p:nvPr>
-        </p:nvSpPr>
-        <p:spPr>
-          <a:xfrm>
-            <a:off x="1524300" y="385750"/>
-            <a:ext cx="6096300" cy="1928700"/>
-          </a:xfrm>
-          <a:custGeom>
-            <a:rect b="b" l="l" r="r" t="t"/>
-            <a:pathLst>
-              <a:path extrusionOk="0" h="120000" w="120000">
-                <a:moveTo>
-                  <a:pt x="0" y="0"/>
-                </a:moveTo>
-                <a:lnTo>
-                  <a:pt x="120000" y="0"/>
-                </a:lnTo>
-                <a:lnTo>
-                  <a:pt x="120000" y="120000"/>
-                </a:lnTo>
-                <a:lnTo>
-                  <a:pt x="0" y="120000"/>
-                </a:lnTo>
-                <a:close/>
-              </a:path>
-            </a:pathLst>
-          </a:custGeom>
-        </p:spPr>
-      </p:sp>
-      <p:sp>
-        <p:nvSpPr>
-          <p:cNvPr id="74" name="Google Shape;74;g7a6d7b17f3_0_63:notes"/>
-          <p:cNvSpPr txBox="1"/>
-          <p:nvPr>
-            <p:ph idx="1" type="body"/>
-          </p:nvPr>
-        </p:nvSpPr>
-        <p:spPr>
-          <a:xfrm>
-            <a:off x="914400" y="2443150"/>
-            <a:ext cx="7315200" cy="2314500"/>
-          </a:xfrm>
-          <a:prstGeom prst="rect">
-            <a:avLst/>
-          </a:prstGeom>
-        </p:spPr>
-        <p:txBody>
-          <a:bodyPr anchorCtr="0" anchor="t" bIns="91425" lIns="91425" spcFirstLastPara="1" rIns="91425" wrap="square" tIns="91425">
-            <a:noAutofit/>
-          </a:bodyPr>
-          <a:lstStyle/>
-          <a:p>
-            <a:pPr indent="0" lvl="0" marL="0" rtl="0" algn="l">
-              <a:spcBef>
-                <a:spcPts val="0"/>
-              </a:spcBef>
-              <a:spcAft>
-                <a:spcPts val="0"/>
-              </a:spcAft>
-              <a:buNone/>
-            </a:pPr>
-            <a:r>
-              <a:t/>
-            </a:r>
-            <a:endParaRPr/>
-          </a:p>
-        </p:txBody>
-      </p:sp>
-    </p:spTree>
-  </p:cSld>
-  <p:clrMapOvr>
-    <a:masterClrMapping/>
-  </p:clrMapOvr>
-</p:notes>
-</file>
-
-<file path=ppt/notesSlides/notesSlide12.xml><?xml version="1.0" encoding="utf-8"?>
-<p:notes xmlns:a="http://schemas.openxmlformats.org/drawingml/2006/main" xmlns:r="http://schemas.openxmlformats.org/officeDocument/2006/relationships" xmlns:mc="http://schemas.openxmlformats.org/markup-compatibility/2006" xmlns:mv="urn:schemas-microsoft-com:mac:vml" xmlns:p="http://schemas.openxmlformats.org/presentationml/2006/main" xmlns:c="http://schemas.openxmlformats.org/drawingml/2006/chart" xmlns:dgm="http://schemas.openxmlformats.org/drawingml/2006/diagram" xmlns:o="urn:schemas-microsoft-com:office:office" xmlns:v="urn:schemas-microsoft-com:vml" xmlns:pvml="urn:schemas-microsoft-com:office:powerpoint" xmlns:com="http://schemas.openxmlformats.org/drawingml/2006/compatibility" xmlns:p14="http://schemas.microsoft.com/office/powerpoint/2010/main" xmlns:p15="http://schemas.microsoft.com/office/powerpoint/2012/main" showMasterPhAnim="0" showMasterSp="0">
-  <p:cSld>
-    <p:spTree>
-      <p:nvGrpSpPr>
-        <p:cNvPr id="77" name="Shape 77"/>
-        <p:cNvGrpSpPr/>
-        <p:nvPr/>
-      </p:nvGrpSpPr>
-      <p:grpSpPr>
-        <a:xfrm>
-          <a:off x="0" y="0"/>
-          <a:ext cx="0" cy="0"/>
-          <a:chOff x="0" y="0"/>
-          <a:chExt cx="0" cy="0"/>
-        </a:xfrm>
-      </p:grpSpPr>
-      <p:sp>
-        <p:nvSpPr>
-          <p:cNvPr id="78" name="Google Shape;78;g7a6d7b17f3_0_73:notes"/>
-          <p:cNvSpPr/>
-          <p:nvPr>
-            <p:ph idx="2" type="sldImg"/>
-          </p:nvPr>
-        </p:nvSpPr>
-        <p:spPr>
-          <a:xfrm>
-            <a:off x="1524300" y="385750"/>
-            <a:ext cx="6096300" cy="1928700"/>
-          </a:xfrm>
-          <a:custGeom>
-            <a:rect b="b" l="l" r="r" t="t"/>
-            <a:pathLst>
-              <a:path extrusionOk="0" h="120000" w="120000">
-                <a:moveTo>
-                  <a:pt x="0" y="0"/>
-                </a:moveTo>
-                <a:lnTo>
-                  <a:pt x="120000" y="0"/>
-                </a:lnTo>
-                <a:lnTo>
-                  <a:pt x="120000" y="120000"/>
-                </a:lnTo>
-                <a:lnTo>
-                  <a:pt x="0" y="120000"/>
-                </a:lnTo>
-                <a:close/>
-              </a:path>
-            </a:pathLst>
-          </a:custGeom>
-        </p:spPr>
-      </p:sp>
-      <p:sp>
-        <p:nvSpPr>
-          <p:cNvPr id="79" name="Google Shape;79;g7a6d7b17f3_0_73:notes"/>
-          <p:cNvSpPr txBox="1"/>
-          <p:nvPr>
-            <p:ph idx="1" type="body"/>
-          </p:nvPr>
-        </p:nvSpPr>
-        <p:spPr>
-          <a:xfrm>
-            <a:off x="914400" y="2443150"/>
-            <a:ext cx="7315200" cy="2314500"/>
-          </a:xfrm>
-          <a:prstGeom prst="rect">
-            <a:avLst/>
-          </a:prstGeom>
-        </p:spPr>
-        <p:txBody>
-          <a:bodyPr anchorCtr="0" anchor="t" bIns="91425" lIns="91425" spcFirstLastPara="1" rIns="91425" wrap="square" tIns="91425">
-            <a:noAutofit/>
-          </a:bodyPr>
-          <a:lstStyle/>
-          <a:p>
-            <a:pPr indent="0" lvl="0" marL="0" rtl="0" algn="l">
-              <a:spcBef>
-                <a:spcPts val="0"/>
-              </a:spcBef>
-              <a:spcAft>
-                <a:spcPts val="0"/>
-              </a:spcAft>
-              <a:buNone/>
-            </a:pPr>
-            <a:r>
-              <a:t/>
-            </a:r>
-            <a:endParaRPr/>
-          </a:p>
-        </p:txBody>
-      </p:sp>
-    </p:spTree>
-  </p:cSld>
-  <p:clrMapOvr>
-    <a:masterClrMapping/>
-  </p:clrMapOvr>
-</p:notes>
-</file>
-
-<file path=ppt/notesSlides/notesSlide13.xml><?xml version="1.0" encoding="utf-8"?>
-<p:notes xmlns:a="http://schemas.openxmlformats.org/drawingml/2006/main" xmlns:r="http://schemas.openxmlformats.org/officeDocument/2006/relationships" xmlns:mc="http://schemas.openxmlformats.org/markup-compatibility/2006" xmlns:mv="urn:schemas-microsoft-com:mac:vml" xmlns:p="http://schemas.openxmlformats.org/presentationml/2006/main" xmlns:c="http://schemas.openxmlformats.org/drawingml/2006/chart" xmlns:dgm="http://schemas.openxmlformats.org/drawingml/2006/diagram" xmlns:o="urn:schemas-microsoft-com:office:office" xmlns:v="urn:schemas-microsoft-com:vml" xmlns:pvml="urn:schemas-microsoft-com:office:powerpoint" xmlns:com="http://schemas.openxmlformats.org/drawingml/2006/compatibility" xmlns:p14="http://schemas.microsoft.com/office/powerpoint/2010/main" xmlns:p15="http://schemas.microsoft.com/office/powerpoint/2012/main" showMasterPhAnim="0" showMasterSp="0">
-  <p:cSld>
-    <p:spTree>
-      <p:nvGrpSpPr>
-        <p:cNvPr id="82" name="Shape 82"/>
-        <p:cNvGrpSpPr/>
-        <p:nvPr/>
-      </p:nvGrpSpPr>
-      <p:grpSpPr>
-        <a:xfrm>
-          <a:off x="0" y="0"/>
-          <a:ext cx="0" cy="0"/>
-          <a:chOff x="0" y="0"/>
-          <a:chExt cx="0" cy="0"/>
-        </a:xfrm>
-      </p:grpSpPr>
-      <p:sp>
-        <p:nvSpPr>
-          <p:cNvPr id="83" name="Google Shape;83;g7a6d7b17f3_0_83:notes"/>
-          <p:cNvSpPr txBox="1"/>
-          <p:nvPr>
-            <p:ph idx="1" type="body"/>
-          </p:nvPr>
-        </p:nvSpPr>
-        <p:spPr>
-          <a:xfrm>
-            <a:off x="914400" y="2443150"/>
-            <a:ext cx="7315200" cy="2314500"/>
-          </a:xfrm>
-          <a:prstGeom prst="rect">
-            <a:avLst/>
-          </a:prstGeom>
-        </p:spPr>
-        <p:txBody>
-          <a:bodyPr anchorCtr="0" anchor="t" bIns="91425" lIns="91425" spcFirstLastPara="1" rIns="91425" wrap="square" tIns="91425">
-            <a:noAutofit/>
-          </a:bodyPr>
-          <a:lstStyle/>
-          <a:p>
-            <a:pPr indent="0" lvl="0" marL="0" rtl="0" algn="l">
-              <a:spcBef>
-                <a:spcPts val="0"/>
-              </a:spcBef>
-              <a:spcAft>
-                <a:spcPts val="0"/>
-              </a:spcAft>
-              <a:buNone/>
-            </a:pPr>
-            <a:r>
-              <a:t/>
-            </a:r>
             <a:endParaRPr/>
           </a:p>
         </p:txBody>
       </p:sp>
       <p:sp>
         <p:nvSpPr>
-          <p:cNvPr id="84" name="Google Shape;84;g7a6d7b17f3_0_83:notes"/>
-          <p:cNvSpPr/>
+          <p:cNvPr id="98" name="Google Shape;98;g7a6d7b17f3_0_108:notes"/>
+          <p:cNvSpPr>
+            <a:spLocks noGrp="1" noRot="1" noChangeAspect="1"/>
+          </p:cNvSpPr>
           <p:nvPr>
-            <p:ph idx="2" type="sldImg"/>
+            <p:ph type="sldImg" idx="2"/>
           </p:nvPr>
         </p:nvSpPr>
         <p:spPr>
           <a:xfrm>
-            <a:off x="1524300" y="385750"/>
-            <a:ext cx="6096300" cy="1928700"/>
+            <a:off x="2857500" y="385763"/>
+            <a:ext cx="3429000" cy="1928812"/>
           </a:xfrm>
           <a:custGeom>
-            <a:rect b="b" l="l" r="r" t="t"/>
+            <a:avLst/>
+            <a:gdLst/>
+            <a:ahLst/>
+            <a:cxnLst/>
+            <a:rect l="l" t="t" r="r" b="b"/>
             <a:pathLst>
-              <a:path extrusionOk="0" h="120000" w="120000">
+              <a:path w="120000" h="120000" extrusionOk="0">
                 <a:moveTo>
                   <a:pt x="0" y="0"/>
                 </a:moveTo>
@@ -1207,12 +944,12 @@
 </p:notes>
 </file>
 
-<file path=ppt/notesSlides/notesSlide14.xml><?xml version="1.0" encoding="utf-8"?>
-<p:notes xmlns:a="http://schemas.openxmlformats.org/drawingml/2006/main" xmlns:r="http://schemas.openxmlformats.org/officeDocument/2006/relationships" xmlns:mc="http://schemas.openxmlformats.org/markup-compatibility/2006" xmlns:mv="urn:schemas-microsoft-com:mac:vml" xmlns:p="http://schemas.openxmlformats.org/presentationml/2006/main" xmlns:c="http://schemas.openxmlformats.org/drawingml/2006/chart" xmlns:dgm="http://schemas.openxmlformats.org/drawingml/2006/diagram" xmlns:o="urn:schemas-microsoft-com:office:office" xmlns:v="urn:schemas-microsoft-com:vml" xmlns:pvml="urn:schemas-microsoft-com:office:powerpoint" xmlns:com="http://schemas.openxmlformats.org/drawingml/2006/compatibility" xmlns:p14="http://schemas.microsoft.com/office/powerpoint/2010/main" xmlns:p15="http://schemas.microsoft.com/office/powerpoint/2012/main" showMasterPhAnim="0" showMasterSp="0">
+<file path=ppt/notesSlides/notesSlide11.xml><?xml version="1.0" encoding="utf-8"?>
+<p:notes xmlns:a="http://schemas.openxmlformats.org/drawingml/2006/main" xmlns:r="http://schemas.openxmlformats.org/officeDocument/2006/relationships" xmlns:p="http://schemas.openxmlformats.org/presentationml/2006/main" showMasterSp="0" showMasterPhAnim="0">
   <p:cSld>
     <p:spTree>
       <p:nvGrpSpPr>
-        <p:cNvPr id="89" name="Shape 89"/>
+        <p:cNvPr id="1" name="Shape 103"/>
         <p:cNvGrpSpPr/>
         <p:nvPr/>
       </p:nvGrpSpPr>
@@ -1226,10 +963,12 @@
       </p:grpSpPr>
       <p:sp>
         <p:nvSpPr>
-          <p:cNvPr id="90" name="Google Shape;90;g7a6d7b17f3_0_100:notes"/>
-          <p:cNvSpPr txBox="1"/>
+          <p:cNvPr id="104" name="Google Shape;104;g7a6d7b17f3_0_116:notes"/>
+          <p:cNvSpPr txBox="1">
+            <a:spLocks noGrp="1"/>
+          </p:cNvSpPr>
           <p:nvPr>
-            <p:ph idx="1" type="body"/>
+            <p:ph type="body" idx="1"/>
           </p:nvPr>
         </p:nvSpPr>
         <p:spPr>
@@ -1242,12 +981,12 @@
           </a:prstGeom>
         </p:spPr>
         <p:txBody>
-          <a:bodyPr anchorCtr="0" anchor="t" bIns="91425" lIns="91425" spcFirstLastPara="1" rIns="91425" wrap="square" tIns="91425">
+          <a:bodyPr spcFirstLastPara="1" wrap="square" lIns="91425" tIns="91425" rIns="91425" bIns="91425" anchor="t" anchorCtr="0">
             <a:noAutofit/>
           </a:bodyPr>
           <a:lstStyle/>
           <a:p>
-            <a:pPr indent="0" lvl="0" marL="0" rtl="0" algn="l">
+            <a:pPr marL="0" lvl="0" indent="0" algn="l" rtl="0">
               <a:spcBef>
                 <a:spcPts val="0"/>
               </a:spcBef>
@@ -1256,30 +995,33 @@
               </a:spcAft>
               <a:buNone/>
             </a:pPr>
-            <a:r>
-              <a:t/>
-            </a:r>
             <a:endParaRPr/>
           </a:p>
         </p:txBody>
       </p:sp>
       <p:sp>
         <p:nvSpPr>
-          <p:cNvPr id="91" name="Google Shape;91;g7a6d7b17f3_0_100:notes"/>
-          <p:cNvSpPr/>
+          <p:cNvPr id="105" name="Google Shape;105;g7a6d7b17f3_0_116:notes"/>
+          <p:cNvSpPr>
+            <a:spLocks noGrp="1" noRot="1" noChangeAspect="1"/>
+          </p:cNvSpPr>
           <p:nvPr>
-            <p:ph idx="2" type="sldImg"/>
+            <p:ph type="sldImg" idx="2"/>
           </p:nvPr>
         </p:nvSpPr>
         <p:spPr>
           <a:xfrm>
-            <a:off x="1524300" y="385750"/>
-            <a:ext cx="6096300" cy="1928700"/>
+            <a:off x="2857500" y="385763"/>
+            <a:ext cx="3429000" cy="1928812"/>
           </a:xfrm>
           <a:custGeom>
-            <a:rect b="b" l="l" r="r" t="t"/>
+            <a:avLst/>
+            <a:gdLst/>
+            <a:ahLst/>
+            <a:cxnLst/>
+            <a:rect l="l" t="t" r="r" b="b"/>
             <a:pathLst>
-              <a:path extrusionOk="0" h="120000" w="120000">
+              <a:path w="120000" h="120000" extrusionOk="0">
                 <a:moveTo>
                   <a:pt x="0" y="0"/>
                 </a:moveTo>
@@ -1306,12 +1048,12 @@
 </p:notes>
 </file>
 
-<file path=ppt/notesSlides/notesSlide15.xml><?xml version="1.0" encoding="utf-8"?>
-<p:notes xmlns:a="http://schemas.openxmlformats.org/drawingml/2006/main" xmlns:r="http://schemas.openxmlformats.org/officeDocument/2006/relationships" xmlns:mc="http://schemas.openxmlformats.org/markup-compatibility/2006" xmlns:mv="urn:schemas-microsoft-com:mac:vml" xmlns:p="http://schemas.openxmlformats.org/presentationml/2006/main" xmlns:c="http://schemas.openxmlformats.org/drawingml/2006/chart" xmlns:dgm="http://schemas.openxmlformats.org/drawingml/2006/diagram" xmlns:o="urn:schemas-microsoft-com:office:office" xmlns:v="urn:schemas-microsoft-com:vml" xmlns:pvml="urn:schemas-microsoft-com:office:powerpoint" xmlns:com="http://schemas.openxmlformats.org/drawingml/2006/compatibility" xmlns:p14="http://schemas.microsoft.com/office/powerpoint/2010/main" xmlns:p15="http://schemas.microsoft.com/office/powerpoint/2012/main" showMasterPhAnim="0" showMasterSp="0">
+<file path=ppt/notesSlides/notesSlide12.xml><?xml version="1.0" encoding="utf-8"?>
+<p:notes xmlns:a="http://schemas.openxmlformats.org/drawingml/2006/main" xmlns:r="http://schemas.openxmlformats.org/officeDocument/2006/relationships" xmlns:p="http://schemas.openxmlformats.org/presentationml/2006/main" showMasterSp="0" showMasterPhAnim="0">
   <p:cSld>
     <p:spTree>
       <p:nvGrpSpPr>
-        <p:cNvPr id="96" name="Shape 96"/>
+        <p:cNvPr id="1" name="Shape 110"/>
         <p:cNvGrpSpPr/>
         <p:nvPr/>
       </p:nvGrpSpPr>
@@ -1325,10 +1067,12 @@
       </p:grpSpPr>
       <p:sp>
         <p:nvSpPr>
-          <p:cNvPr id="97" name="Google Shape;97;g7a6d7b17f3_0_108:notes"/>
-          <p:cNvSpPr txBox="1"/>
+          <p:cNvPr id="111" name="Google Shape;111;g7a6d7b17f3_0_124:notes"/>
+          <p:cNvSpPr txBox="1">
+            <a:spLocks noGrp="1"/>
+          </p:cNvSpPr>
           <p:nvPr>
-            <p:ph idx="1" type="body"/>
+            <p:ph type="body" idx="1"/>
           </p:nvPr>
         </p:nvSpPr>
         <p:spPr>
@@ -1341,12 +1085,12 @@
           </a:prstGeom>
         </p:spPr>
         <p:txBody>
-          <a:bodyPr anchorCtr="0" anchor="t" bIns="91425" lIns="91425" spcFirstLastPara="1" rIns="91425" wrap="square" tIns="91425">
+          <a:bodyPr spcFirstLastPara="1" wrap="square" lIns="91425" tIns="91425" rIns="91425" bIns="91425" anchor="t" anchorCtr="0">
             <a:noAutofit/>
           </a:bodyPr>
           <a:lstStyle/>
           <a:p>
-            <a:pPr indent="0" lvl="0" marL="0" rtl="0" algn="l">
+            <a:pPr marL="0" lvl="0" indent="0" algn="l" rtl="0">
               <a:spcBef>
                 <a:spcPts val="0"/>
               </a:spcBef>
@@ -1355,30 +1099,33 @@
               </a:spcAft>
               <a:buNone/>
             </a:pPr>
-            <a:r>
-              <a:t/>
-            </a:r>
             <a:endParaRPr/>
           </a:p>
         </p:txBody>
       </p:sp>
       <p:sp>
         <p:nvSpPr>
-          <p:cNvPr id="98" name="Google Shape;98;g7a6d7b17f3_0_108:notes"/>
-          <p:cNvSpPr/>
+          <p:cNvPr id="112" name="Google Shape;112;g7a6d7b17f3_0_124:notes"/>
+          <p:cNvSpPr>
+            <a:spLocks noGrp="1" noRot="1" noChangeAspect="1"/>
+          </p:cNvSpPr>
           <p:nvPr>
-            <p:ph idx="2" type="sldImg"/>
+            <p:ph type="sldImg" idx="2"/>
           </p:nvPr>
         </p:nvSpPr>
         <p:spPr>
           <a:xfrm>
-            <a:off x="1524300" y="385750"/>
-            <a:ext cx="6096300" cy="1928700"/>
+            <a:off x="2857500" y="385763"/>
+            <a:ext cx="3429000" cy="1928812"/>
           </a:xfrm>
           <a:custGeom>
-            <a:rect b="b" l="l" r="r" t="t"/>
+            <a:avLst/>
+            <a:gdLst/>
+            <a:ahLst/>
+            <a:cxnLst/>
+            <a:rect l="l" t="t" r="r" b="b"/>
             <a:pathLst>
-              <a:path extrusionOk="0" h="120000" w="120000">
+              <a:path w="120000" h="120000" extrusionOk="0">
                 <a:moveTo>
                   <a:pt x="0" y="0"/>
                 </a:moveTo>
@@ -1405,210 +1152,12 @@
 </p:notes>
 </file>
 
-<file path=ppt/notesSlides/notesSlide16.xml><?xml version="1.0" encoding="utf-8"?>
-<p:notes xmlns:a="http://schemas.openxmlformats.org/drawingml/2006/main" xmlns:r="http://schemas.openxmlformats.org/officeDocument/2006/relationships" xmlns:mc="http://schemas.openxmlformats.org/markup-compatibility/2006" xmlns:mv="urn:schemas-microsoft-com:mac:vml" xmlns:p="http://schemas.openxmlformats.org/presentationml/2006/main" xmlns:c="http://schemas.openxmlformats.org/drawingml/2006/chart" xmlns:dgm="http://schemas.openxmlformats.org/drawingml/2006/diagram" xmlns:o="urn:schemas-microsoft-com:office:office" xmlns:v="urn:schemas-microsoft-com:vml" xmlns:pvml="urn:schemas-microsoft-com:office:powerpoint" xmlns:com="http://schemas.openxmlformats.org/drawingml/2006/compatibility" xmlns:p14="http://schemas.microsoft.com/office/powerpoint/2010/main" xmlns:p15="http://schemas.microsoft.com/office/powerpoint/2012/main" showMasterPhAnim="0" showMasterSp="0">
+<file path=ppt/notesSlides/notesSlide13.xml><?xml version="1.0" encoding="utf-8"?>
+<p:notes xmlns:a="http://schemas.openxmlformats.org/drawingml/2006/main" xmlns:r="http://schemas.openxmlformats.org/officeDocument/2006/relationships" xmlns:p="http://schemas.openxmlformats.org/presentationml/2006/main" showMasterSp="0" showMasterPhAnim="0">
   <p:cSld>
     <p:spTree>
       <p:nvGrpSpPr>
-        <p:cNvPr id="103" name="Shape 103"/>
-        <p:cNvGrpSpPr/>
-        <p:nvPr/>
-      </p:nvGrpSpPr>
-      <p:grpSpPr>
-        <a:xfrm>
-          <a:off x="0" y="0"/>
-          <a:ext cx="0" cy="0"/>
-          <a:chOff x="0" y="0"/>
-          <a:chExt cx="0" cy="0"/>
-        </a:xfrm>
-      </p:grpSpPr>
-      <p:sp>
-        <p:nvSpPr>
-          <p:cNvPr id="104" name="Google Shape;104;g7a6d7b17f3_0_116:notes"/>
-          <p:cNvSpPr txBox="1"/>
-          <p:nvPr>
-            <p:ph idx="1" type="body"/>
-          </p:nvPr>
-        </p:nvSpPr>
-        <p:spPr>
-          <a:xfrm>
-            <a:off x="914400" y="2443150"/>
-            <a:ext cx="7315200" cy="2314500"/>
-          </a:xfrm>
-          <a:prstGeom prst="rect">
-            <a:avLst/>
-          </a:prstGeom>
-        </p:spPr>
-        <p:txBody>
-          <a:bodyPr anchorCtr="0" anchor="t" bIns="91425" lIns="91425" spcFirstLastPara="1" rIns="91425" wrap="square" tIns="91425">
-            <a:noAutofit/>
-          </a:bodyPr>
-          <a:lstStyle/>
-          <a:p>
-            <a:pPr indent="0" lvl="0" marL="0" rtl="0" algn="l">
-              <a:spcBef>
-                <a:spcPts val="0"/>
-              </a:spcBef>
-              <a:spcAft>
-                <a:spcPts val="0"/>
-              </a:spcAft>
-              <a:buNone/>
-            </a:pPr>
-            <a:r>
-              <a:t/>
-            </a:r>
-            <a:endParaRPr/>
-          </a:p>
-        </p:txBody>
-      </p:sp>
-      <p:sp>
-        <p:nvSpPr>
-          <p:cNvPr id="105" name="Google Shape;105;g7a6d7b17f3_0_116:notes"/>
-          <p:cNvSpPr/>
-          <p:nvPr>
-            <p:ph idx="2" type="sldImg"/>
-          </p:nvPr>
-        </p:nvSpPr>
-        <p:spPr>
-          <a:xfrm>
-            <a:off x="1524300" y="385750"/>
-            <a:ext cx="6096300" cy="1928700"/>
-          </a:xfrm>
-          <a:custGeom>
-            <a:rect b="b" l="l" r="r" t="t"/>
-            <a:pathLst>
-              <a:path extrusionOk="0" h="120000" w="120000">
-                <a:moveTo>
-                  <a:pt x="0" y="0"/>
-                </a:moveTo>
-                <a:lnTo>
-                  <a:pt x="120000" y="0"/>
-                </a:lnTo>
-                <a:lnTo>
-                  <a:pt x="120000" y="120000"/>
-                </a:lnTo>
-                <a:lnTo>
-                  <a:pt x="0" y="120000"/>
-                </a:lnTo>
-                <a:close/>
-              </a:path>
-            </a:pathLst>
-          </a:custGeom>
-        </p:spPr>
-      </p:sp>
-    </p:spTree>
-  </p:cSld>
-  <p:clrMapOvr>
-    <a:masterClrMapping/>
-  </p:clrMapOvr>
-</p:notes>
-</file>
-
-<file path=ppt/notesSlides/notesSlide17.xml><?xml version="1.0" encoding="utf-8"?>
-<p:notes xmlns:a="http://schemas.openxmlformats.org/drawingml/2006/main" xmlns:r="http://schemas.openxmlformats.org/officeDocument/2006/relationships" xmlns:mc="http://schemas.openxmlformats.org/markup-compatibility/2006" xmlns:mv="urn:schemas-microsoft-com:mac:vml" xmlns:p="http://schemas.openxmlformats.org/presentationml/2006/main" xmlns:c="http://schemas.openxmlformats.org/drawingml/2006/chart" xmlns:dgm="http://schemas.openxmlformats.org/drawingml/2006/diagram" xmlns:o="urn:schemas-microsoft-com:office:office" xmlns:v="urn:schemas-microsoft-com:vml" xmlns:pvml="urn:schemas-microsoft-com:office:powerpoint" xmlns:com="http://schemas.openxmlformats.org/drawingml/2006/compatibility" xmlns:p14="http://schemas.microsoft.com/office/powerpoint/2010/main" xmlns:p15="http://schemas.microsoft.com/office/powerpoint/2012/main" showMasterPhAnim="0" showMasterSp="0">
-  <p:cSld>
-    <p:spTree>
-      <p:nvGrpSpPr>
-        <p:cNvPr id="110" name="Shape 110"/>
-        <p:cNvGrpSpPr/>
-        <p:nvPr/>
-      </p:nvGrpSpPr>
-      <p:grpSpPr>
-        <a:xfrm>
-          <a:off x="0" y="0"/>
-          <a:ext cx="0" cy="0"/>
-          <a:chOff x="0" y="0"/>
-          <a:chExt cx="0" cy="0"/>
-        </a:xfrm>
-      </p:grpSpPr>
-      <p:sp>
-        <p:nvSpPr>
-          <p:cNvPr id="111" name="Google Shape;111;g7a6d7b17f3_0_124:notes"/>
-          <p:cNvSpPr txBox="1"/>
-          <p:nvPr>
-            <p:ph idx="1" type="body"/>
-          </p:nvPr>
-        </p:nvSpPr>
-        <p:spPr>
-          <a:xfrm>
-            <a:off x="914400" y="2443150"/>
-            <a:ext cx="7315200" cy="2314500"/>
-          </a:xfrm>
-          <a:prstGeom prst="rect">
-            <a:avLst/>
-          </a:prstGeom>
-        </p:spPr>
-        <p:txBody>
-          <a:bodyPr anchorCtr="0" anchor="t" bIns="91425" lIns="91425" spcFirstLastPara="1" rIns="91425" wrap="square" tIns="91425">
-            <a:noAutofit/>
-          </a:bodyPr>
-          <a:lstStyle/>
-          <a:p>
-            <a:pPr indent="0" lvl="0" marL="0" rtl="0" algn="l">
-              <a:spcBef>
-                <a:spcPts val="0"/>
-              </a:spcBef>
-              <a:spcAft>
-                <a:spcPts val="0"/>
-              </a:spcAft>
-              <a:buNone/>
-            </a:pPr>
-            <a:r>
-              <a:t/>
-            </a:r>
-            <a:endParaRPr/>
-          </a:p>
-        </p:txBody>
-      </p:sp>
-      <p:sp>
-        <p:nvSpPr>
-          <p:cNvPr id="112" name="Google Shape;112;g7a6d7b17f3_0_124:notes"/>
-          <p:cNvSpPr/>
-          <p:nvPr>
-            <p:ph idx="2" type="sldImg"/>
-          </p:nvPr>
-        </p:nvSpPr>
-        <p:spPr>
-          <a:xfrm>
-            <a:off x="1524300" y="385750"/>
-            <a:ext cx="6096300" cy="1928700"/>
-          </a:xfrm>
-          <a:custGeom>
-            <a:rect b="b" l="l" r="r" t="t"/>
-            <a:pathLst>
-              <a:path extrusionOk="0" h="120000" w="120000">
-                <a:moveTo>
-                  <a:pt x="0" y="0"/>
-                </a:moveTo>
-                <a:lnTo>
-                  <a:pt x="120000" y="0"/>
-                </a:lnTo>
-                <a:lnTo>
-                  <a:pt x="120000" y="120000"/>
-                </a:lnTo>
-                <a:lnTo>
-                  <a:pt x="0" y="120000"/>
-                </a:lnTo>
-                <a:close/>
-              </a:path>
-            </a:pathLst>
-          </a:custGeom>
-        </p:spPr>
-      </p:sp>
-    </p:spTree>
-  </p:cSld>
-  <p:clrMapOvr>
-    <a:masterClrMapping/>
-  </p:clrMapOvr>
-</p:notes>
-</file>
-
-<file path=ppt/notesSlides/notesSlide18.xml><?xml version="1.0" encoding="utf-8"?>
-<p:notes xmlns:a="http://schemas.openxmlformats.org/drawingml/2006/main" xmlns:r="http://schemas.openxmlformats.org/officeDocument/2006/relationships" xmlns:mc="http://schemas.openxmlformats.org/markup-compatibility/2006" xmlns:mv="urn:schemas-microsoft-com:mac:vml" xmlns:p="http://schemas.openxmlformats.org/presentationml/2006/main" xmlns:c="http://schemas.openxmlformats.org/drawingml/2006/chart" xmlns:dgm="http://schemas.openxmlformats.org/drawingml/2006/diagram" xmlns:o="urn:schemas-microsoft-com:office:office" xmlns:v="urn:schemas-microsoft-com:vml" xmlns:pvml="urn:schemas-microsoft-com:office:powerpoint" xmlns:com="http://schemas.openxmlformats.org/drawingml/2006/compatibility" xmlns:p14="http://schemas.microsoft.com/office/powerpoint/2010/main" xmlns:p15="http://schemas.microsoft.com/office/powerpoint/2012/main" showMasterPhAnim="0" showMasterSp="0">
-  <p:cSld>
-    <p:spTree>
-      <p:nvGrpSpPr>
-        <p:cNvPr id="117" name="Shape 117"/>
+        <p:cNvPr id="1" name="Shape 117"/>
         <p:cNvGrpSpPr/>
         <p:nvPr/>
       </p:nvGrpSpPr>
@@ -1623,9 +1172,11 @@
       <p:sp>
         <p:nvSpPr>
           <p:cNvPr id="118" name="Google Shape;118;g7a6d7b17f3_0_136:notes"/>
-          <p:cNvSpPr txBox="1"/>
+          <p:cNvSpPr txBox="1">
+            <a:spLocks noGrp="1"/>
+          </p:cNvSpPr>
           <p:nvPr>
-            <p:ph idx="1" type="body"/>
+            <p:ph type="body" idx="1"/>
           </p:nvPr>
         </p:nvSpPr>
         <p:spPr>
@@ -1638,12 +1189,12 @@
           </a:prstGeom>
         </p:spPr>
         <p:txBody>
-          <a:bodyPr anchorCtr="0" anchor="t" bIns="91425" lIns="91425" spcFirstLastPara="1" rIns="91425" wrap="square" tIns="91425">
+          <a:bodyPr spcFirstLastPara="1" wrap="square" lIns="91425" tIns="91425" rIns="91425" bIns="91425" anchor="t" anchorCtr="0">
             <a:noAutofit/>
           </a:bodyPr>
           <a:lstStyle/>
           <a:p>
-            <a:pPr indent="0" lvl="0" marL="0" rtl="0" algn="l">
+            <a:pPr marL="0" lvl="0" indent="0" algn="l" rtl="0">
               <a:spcBef>
                 <a:spcPts val="0"/>
               </a:spcBef>
@@ -1652,9 +1203,6 @@
               </a:spcAft>
               <a:buNone/>
             </a:pPr>
-            <a:r>
-              <a:t/>
-            </a:r>
             <a:endParaRPr/>
           </a:p>
         </p:txBody>
@@ -1662,20 +1210,26 @@
       <p:sp>
         <p:nvSpPr>
           <p:cNvPr id="119" name="Google Shape;119;g7a6d7b17f3_0_136:notes"/>
-          <p:cNvSpPr/>
+          <p:cNvSpPr>
+            <a:spLocks noGrp="1" noRot="1" noChangeAspect="1"/>
+          </p:cNvSpPr>
           <p:nvPr>
-            <p:ph idx="2" type="sldImg"/>
+            <p:ph type="sldImg" idx="2"/>
           </p:nvPr>
         </p:nvSpPr>
         <p:spPr>
           <a:xfrm>
-            <a:off x="1524300" y="385750"/>
-            <a:ext cx="6096300" cy="1928700"/>
+            <a:off x="2857500" y="385763"/>
+            <a:ext cx="3429000" cy="1928812"/>
           </a:xfrm>
           <a:custGeom>
-            <a:rect b="b" l="l" r="r" t="t"/>
+            <a:avLst/>
+            <a:gdLst/>
+            <a:ahLst/>
+            <a:cxnLst/>
+            <a:rect l="l" t="t" r="r" b="b"/>
             <a:pathLst>
-              <a:path extrusionOk="0" h="120000" w="120000">
+              <a:path w="120000" h="120000" extrusionOk="0">
                 <a:moveTo>
                   <a:pt x="0" y="0"/>
                 </a:moveTo>
@@ -1703,11 +1257,11 @@
 </file>
 
 <file path=ppt/notesSlides/notesSlide2.xml><?xml version="1.0" encoding="utf-8"?>
-<p:notes xmlns:a="http://schemas.openxmlformats.org/drawingml/2006/main" xmlns:r="http://schemas.openxmlformats.org/officeDocument/2006/relationships" xmlns:mc="http://schemas.openxmlformats.org/markup-compatibility/2006" xmlns:mv="urn:schemas-microsoft-com:mac:vml" xmlns:p="http://schemas.openxmlformats.org/presentationml/2006/main" xmlns:c="http://schemas.openxmlformats.org/drawingml/2006/chart" xmlns:dgm="http://schemas.openxmlformats.org/drawingml/2006/diagram" xmlns:o="urn:schemas-microsoft-com:office:office" xmlns:v="urn:schemas-microsoft-com:vml" xmlns:pvml="urn:schemas-microsoft-com:office:powerpoint" xmlns:com="http://schemas.openxmlformats.org/drawingml/2006/compatibility" xmlns:p14="http://schemas.microsoft.com/office/powerpoint/2010/main" xmlns:p15="http://schemas.microsoft.com/office/powerpoint/2012/main" showMasterPhAnim="0" showMasterSp="0">
+<p:notes xmlns:a="http://schemas.openxmlformats.org/drawingml/2006/main" xmlns:r="http://schemas.openxmlformats.org/officeDocument/2006/relationships" xmlns:p="http://schemas.openxmlformats.org/presentationml/2006/main" showMasterSp="0" showMasterPhAnim="0">
   <p:cSld>
     <p:spTree>
       <p:nvGrpSpPr>
-        <p:cNvPr id="23" name="Shape 23"/>
+        <p:cNvPr id="1" name="Shape 23"/>
         <p:cNvGrpSpPr/>
         <p:nvPr/>
       </p:nvGrpSpPr>
@@ -1722,9 +1276,11 @@
       <p:sp>
         <p:nvSpPr>
           <p:cNvPr id="24" name="Google Shape;24;p2:notes"/>
-          <p:cNvSpPr txBox="1"/>
+          <p:cNvSpPr txBox="1">
+            <a:spLocks noGrp="1"/>
+          </p:cNvSpPr>
           <p:nvPr>
-            <p:ph idx="1" type="body"/>
+            <p:ph type="body" idx="1"/>
           </p:nvPr>
         </p:nvSpPr>
         <p:spPr>
@@ -1737,12 +1293,12 @@
           </a:prstGeom>
         </p:spPr>
         <p:txBody>
-          <a:bodyPr anchorCtr="0" anchor="t" bIns="91425" lIns="91425" spcFirstLastPara="1" rIns="91425" wrap="square" tIns="91425">
+          <a:bodyPr spcFirstLastPara="1" wrap="square" lIns="91425" tIns="91425" rIns="91425" bIns="91425" anchor="t" anchorCtr="0">
             <a:noAutofit/>
           </a:bodyPr>
           <a:lstStyle/>
           <a:p>
-            <a:pPr indent="0" lvl="0" marL="0" rtl="0" algn="l">
+            <a:pPr marL="0" lvl="0" indent="0" algn="l" rtl="0">
               <a:spcBef>
                 <a:spcPts val="0"/>
               </a:spcBef>
@@ -1751,9 +1307,6 @@
               </a:spcAft>
               <a:buNone/>
             </a:pPr>
-            <a:r>
-              <a:t/>
-            </a:r>
             <a:endParaRPr/>
           </a:p>
         </p:txBody>
@@ -1761,20 +1314,26 @@
       <p:sp>
         <p:nvSpPr>
           <p:cNvPr id="25" name="Google Shape;25;p2:notes"/>
-          <p:cNvSpPr/>
+          <p:cNvSpPr>
+            <a:spLocks noGrp="1" noRot="1" noChangeAspect="1"/>
+          </p:cNvSpPr>
           <p:nvPr>
-            <p:ph idx="2" type="sldImg"/>
+            <p:ph type="sldImg" idx="2"/>
           </p:nvPr>
         </p:nvSpPr>
         <p:spPr>
           <a:xfrm>
-            <a:off x="1524300" y="385750"/>
-            <a:ext cx="6096300" cy="1928800"/>
+            <a:off x="2857500" y="385763"/>
+            <a:ext cx="3429000" cy="1928812"/>
           </a:xfrm>
           <a:custGeom>
-            <a:rect b="b" l="l" r="r" t="t"/>
+            <a:avLst/>
+            <a:gdLst/>
+            <a:ahLst/>
+            <a:cxnLst/>
+            <a:rect l="l" t="t" r="r" b="b"/>
             <a:pathLst>
-              <a:path extrusionOk="0" h="120000" w="120000">
+              <a:path w="120000" h="120000" extrusionOk="0">
                 <a:moveTo>
                   <a:pt x="0" y="0"/>
                 </a:moveTo>
@@ -1802,11 +1361,11 @@
 </file>
 
 <file path=ppt/notesSlides/notesSlide3.xml><?xml version="1.0" encoding="utf-8"?>
-<p:notes xmlns:a="http://schemas.openxmlformats.org/drawingml/2006/main" xmlns:r="http://schemas.openxmlformats.org/officeDocument/2006/relationships" xmlns:mc="http://schemas.openxmlformats.org/markup-compatibility/2006" xmlns:mv="urn:schemas-microsoft-com:mac:vml" xmlns:p="http://schemas.openxmlformats.org/presentationml/2006/main" xmlns:c="http://schemas.openxmlformats.org/drawingml/2006/chart" xmlns:dgm="http://schemas.openxmlformats.org/drawingml/2006/diagram" xmlns:o="urn:schemas-microsoft-com:office:office" xmlns:v="urn:schemas-microsoft-com:vml" xmlns:pvml="urn:schemas-microsoft-com:office:powerpoint" xmlns:com="http://schemas.openxmlformats.org/drawingml/2006/compatibility" xmlns:p14="http://schemas.microsoft.com/office/powerpoint/2010/main" xmlns:p15="http://schemas.microsoft.com/office/powerpoint/2012/main" showMasterPhAnim="0" showMasterSp="0">
+<p:notes xmlns:a="http://schemas.openxmlformats.org/drawingml/2006/main" xmlns:r="http://schemas.openxmlformats.org/officeDocument/2006/relationships" xmlns:p="http://schemas.openxmlformats.org/presentationml/2006/main" showMasterSp="0" showMasterPhAnim="0">
   <p:cSld>
     <p:spTree>
       <p:nvGrpSpPr>
-        <p:cNvPr id="29" name="Shape 29"/>
+        <p:cNvPr id="1" name="Shape 29"/>
         <p:cNvGrpSpPr/>
         <p:nvPr/>
       </p:nvGrpSpPr>
@@ -1821,9 +1380,11 @@
       <p:sp>
         <p:nvSpPr>
           <p:cNvPr id="30" name="Google Shape;30;g7a6d7b17f3_0_12:notes"/>
-          <p:cNvSpPr txBox="1"/>
+          <p:cNvSpPr txBox="1">
+            <a:spLocks noGrp="1"/>
+          </p:cNvSpPr>
           <p:nvPr>
-            <p:ph idx="1" type="body"/>
+            <p:ph type="body" idx="1"/>
           </p:nvPr>
         </p:nvSpPr>
         <p:spPr>
@@ -1836,12 +1397,12 @@
           </a:prstGeom>
         </p:spPr>
         <p:txBody>
-          <a:bodyPr anchorCtr="0" anchor="t" bIns="91425" lIns="91425" spcFirstLastPara="1" rIns="91425" wrap="square" tIns="91425">
+          <a:bodyPr spcFirstLastPara="1" wrap="square" lIns="91425" tIns="91425" rIns="91425" bIns="91425" anchor="t" anchorCtr="0">
             <a:noAutofit/>
           </a:bodyPr>
           <a:lstStyle/>
           <a:p>
-            <a:pPr indent="0" lvl="0" marL="0" rtl="0" algn="l">
+            <a:pPr marL="0" lvl="0" indent="0" algn="l" rtl="0">
               <a:spcBef>
                 <a:spcPts val="0"/>
               </a:spcBef>
@@ -1850,9 +1411,6 @@
               </a:spcAft>
               <a:buNone/>
             </a:pPr>
-            <a:r>
-              <a:t/>
-            </a:r>
             <a:endParaRPr/>
           </a:p>
         </p:txBody>
@@ -1860,20 +1418,26 @@
       <p:sp>
         <p:nvSpPr>
           <p:cNvPr id="31" name="Google Shape;31;g7a6d7b17f3_0_12:notes"/>
-          <p:cNvSpPr/>
+          <p:cNvSpPr>
+            <a:spLocks noGrp="1" noRot="1" noChangeAspect="1"/>
+          </p:cNvSpPr>
           <p:nvPr>
-            <p:ph idx="2" type="sldImg"/>
+            <p:ph type="sldImg" idx="2"/>
           </p:nvPr>
         </p:nvSpPr>
         <p:spPr>
           <a:xfrm>
-            <a:off x="1524300" y="385750"/>
-            <a:ext cx="6096300" cy="1928700"/>
+            <a:off x="2857500" y="385763"/>
+            <a:ext cx="3429000" cy="1928812"/>
           </a:xfrm>
           <a:custGeom>
-            <a:rect b="b" l="l" r="r" t="t"/>
+            <a:avLst/>
+            <a:gdLst/>
+            <a:ahLst/>
+            <a:cxnLst/>
+            <a:rect l="l" t="t" r="r" b="b"/>
             <a:pathLst>
-              <a:path extrusionOk="0" h="120000" w="120000">
+              <a:path w="120000" h="120000" extrusionOk="0">
                 <a:moveTo>
                   <a:pt x="0" y="0"/>
                 </a:moveTo>
@@ -1901,11 +1465,11 @@
 </file>
 
 <file path=ppt/notesSlides/notesSlide4.xml><?xml version="1.0" encoding="utf-8"?>
-<p:notes xmlns:a="http://schemas.openxmlformats.org/drawingml/2006/main" xmlns:r="http://schemas.openxmlformats.org/officeDocument/2006/relationships" xmlns:mc="http://schemas.openxmlformats.org/markup-compatibility/2006" xmlns:mv="urn:schemas-microsoft-com:mac:vml" xmlns:p="http://schemas.openxmlformats.org/presentationml/2006/main" xmlns:c="http://schemas.openxmlformats.org/drawingml/2006/chart" xmlns:dgm="http://schemas.openxmlformats.org/drawingml/2006/diagram" xmlns:o="urn:schemas-microsoft-com:office:office" xmlns:v="urn:schemas-microsoft-com:vml" xmlns:pvml="urn:schemas-microsoft-com:office:powerpoint" xmlns:com="http://schemas.openxmlformats.org/drawingml/2006/compatibility" xmlns:p14="http://schemas.microsoft.com/office/powerpoint/2010/main" xmlns:p15="http://schemas.microsoft.com/office/powerpoint/2012/main" showMasterPhAnim="0" showMasterSp="0">
+<p:notes xmlns:a="http://schemas.openxmlformats.org/drawingml/2006/main" xmlns:r="http://schemas.openxmlformats.org/officeDocument/2006/relationships" xmlns:p="http://schemas.openxmlformats.org/presentationml/2006/main" showMasterSp="0" showMasterPhAnim="0">
   <p:cSld>
     <p:spTree>
       <p:nvGrpSpPr>
-        <p:cNvPr id="35" name="Shape 35"/>
+        <p:cNvPr id="1" name="Shape 35"/>
         <p:cNvGrpSpPr/>
         <p:nvPr/>
       </p:nvGrpSpPr>
@@ -1920,9 +1484,11 @@
       <p:sp>
         <p:nvSpPr>
           <p:cNvPr id="36" name="Google Shape;36;p3:notes"/>
-          <p:cNvSpPr txBox="1"/>
+          <p:cNvSpPr txBox="1">
+            <a:spLocks noGrp="1"/>
+          </p:cNvSpPr>
           <p:nvPr>
-            <p:ph idx="1" type="body"/>
+            <p:ph type="body" idx="1"/>
           </p:nvPr>
         </p:nvSpPr>
         <p:spPr>
@@ -1935,12 +1501,12 @@
           </a:prstGeom>
         </p:spPr>
         <p:txBody>
-          <a:bodyPr anchorCtr="0" anchor="t" bIns="91425" lIns="91425" spcFirstLastPara="1" rIns="91425" wrap="square" tIns="91425">
+          <a:bodyPr spcFirstLastPara="1" wrap="square" lIns="91425" tIns="91425" rIns="91425" bIns="91425" anchor="t" anchorCtr="0">
             <a:noAutofit/>
           </a:bodyPr>
           <a:lstStyle/>
           <a:p>
-            <a:pPr indent="0" lvl="0" marL="0" rtl="0" algn="l">
+            <a:pPr marL="0" lvl="0" indent="0" algn="l" rtl="0">
               <a:spcBef>
                 <a:spcPts val="0"/>
               </a:spcBef>
@@ -1949,9 +1515,6 @@
               </a:spcAft>
               <a:buNone/>
             </a:pPr>
-            <a:r>
-              <a:t/>
-            </a:r>
             <a:endParaRPr/>
           </a:p>
         </p:txBody>
@@ -1959,20 +1522,26 @@
       <p:sp>
         <p:nvSpPr>
           <p:cNvPr id="37" name="Google Shape;37;p3:notes"/>
-          <p:cNvSpPr/>
+          <p:cNvSpPr>
+            <a:spLocks noGrp="1" noRot="1" noChangeAspect="1"/>
+          </p:cNvSpPr>
           <p:nvPr>
-            <p:ph idx="2" type="sldImg"/>
+            <p:ph type="sldImg" idx="2"/>
           </p:nvPr>
         </p:nvSpPr>
         <p:spPr>
           <a:xfrm>
-            <a:off x="1524300" y="385750"/>
-            <a:ext cx="6096300" cy="1928800"/>
+            <a:off x="2857500" y="385763"/>
+            <a:ext cx="3429000" cy="1928812"/>
           </a:xfrm>
           <a:custGeom>
-            <a:rect b="b" l="l" r="r" t="t"/>
+            <a:avLst/>
+            <a:gdLst/>
+            <a:ahLst/>
+            <a:cxnLst/>
+            <a:rect l="l" t="t" r="r" b="b"/>
             <a:pathLst>
-              <a:path extrusionOk="0" h="120000" w="120000">
+              <a:path w="120000" h="120000" extrusionOk="0">
                 <a:moveTo>
                   <a:pt x="0" y="0"/>
                 </a:moveTo>
@@ -2000,11 +1569,11 @@
 </file>
 
 <file path=ppt/notesSlides/notesSlide5.xml><?xml version="1.0" encoding="utf-8"?>
-<p:notes xmlns:a="http://schemas.openxmlformats.org/drawingml/2006/main" xmlns:r="http://schemas.openxmlformats.org/officeDocument/2006/relationships" xmlns:mc="http://schemas.openxmlformats.org/markup-compatibility/2006" xmlns:mv="urn:schemas-microsoft-com:mac:vml" xmlns:p="http://schemas.openxmlformats.org/presentationml/2006/main" xmlns:c="http://schemas.openxmlformats.org/drawingml/2006/chart" xmlns:dgm="http://schemas.openxmlformats.org/drawingml/2006/diagram" xmlns:o="urn:schemas-microsoft-com:office:office" xmlns:v="urn:schemas-microsoft-com:vml" xmlns:pvml="urn:schemas-microsoft-com:office:powerpoint" xmlns:com="http://schemas.openxmlformats.org/drawingml/2006/compatibility" xmlns:p14="http://schemas.microsoft.com/office/powerpoint/2010/main" xmlns:p15="http://schemas.microsoft.com/office/powerpoint/2012/main" showMasterPhAnim="0" showMasterSp="0">
+<p:notes xmlns:a="http://schemas.openxmlformats.org/drawingml/2006/main" xmlns:r="http://schemas.openxmlformats.org/officeDocument/2006/relationships" xmlns:p="http://schemas.openxmlformats.org/presentationml/2006/main" showMasterSp="0" showMasterPhAnim="0">
   <p:cSld>
     <p:spTree>
       <p:nvGrpSpPr>
-        <p:cNvPr id="41" name="Shape 41"/>
+        <p:cNvPr id="1" name="Shape 41"/>
         <p:cNvGrpSpPr/>
         <p:nvPr/>
       </p:nvGrpSpPr>
@@ -2019,9 +1588,11 @@
       <p:sp>
         <p:nvSpPr>
           <p:cNvPr id="42" name="Google Shape;42;g7a6d7b17f3_0_19:notes"/>
-          <p:cNvSpPr txBox="1"/>
+          <p:cNvSpPr txBox="1">
+            <a:spLocks noGrp="1"/>
+          </p:cNvSpPr>
           <p:nvPr>
-            <p:ph idx="1" type="body"/>
+            <p:ph type="body" idx="1"/>
           </p:nvPr>
         </p:nvSpPr>
         <p:spPr>
@@ -2034,12 +1605,12 @@
           </a:prstGeom>
         </p:spPr>
         <p:txBody>
-          <a:bodyPr anchorCtr="0" anchor="t" bIns="91425" lIns="91425" spcFirstLastPara="1" rIns="91425" wrap="square" tIns="91425">
+          <a:bodyPr spcFirstLastPara="1" wrap="square" lIns="91425" tIns="91425" rIns="91425" bIns="91425" anchor="t" anchorCtr="0">
             <a:noAutofit/>
           </a:bodyPr>
           <a:lstStyle/>
           <a:p>
-            <a:pPr indent="0" lvl="0" marL="0" rtl="0" algn="l">
+            <a:pPr marL="0" lvl="0" indent="0" algn="l" rtl="0">
               <a:spcBef>
                 <a:spcPts val="0"/>
               </a:spcBef>
@@ -2048,9 +1619,6 @@
               </a:spcAft>
               <a:buNone/>
             </a:pPr>
-            <a:r>
-              <a:t/>
-            </a:r>
             <a:endParaRPr/>
           </a:p>
         </p:txBody>
@@ -2058,20 +1626,26 @@
       <p:sp>
         <p:nvSpPr>
           <p:cNvPr id="43" name="Google Shape;43;g7a6d7b17f3_0_19:notes"/>
-          <p:cNvSpPr/>
+          <p:cNvSpPr>
+            <a:spLocks noGrp="1" noRot="1" noChangeAspect="1"/>
+          </p:cNvSpPr>
           <p:nvPr>
-            <p:ph idx="2" type="sldImg"/>
+            <p:ph type="sldImg" idx="2"/>
           </p:nvPr>
         </p:nvSpPr>
         <p:spPr>
           <a:xfrm>
-            <a:off x="1524300" y="385750"/>
-            <a:ext cx="6096300" cy="1928700"/>
+            <a:off x="2857500" y="385763"/>
+            <a:ext cx="3429000" cy="1928812"/>
           </a:xfrm>
           <a:custGeom>
-            <a:rect b="b" l="l" r="r" t="t"/>
+            <a:avLst/>
+            <a:gdLst/>
+            <a:ahLst/>
+            <a:cxnLst/>
+            <a:rect l="l" t="t" r="r" b="b"/>
             <a:pathLst>
-              <a:path extrusionOk="0" h="120000" w="120000">
+              <a:path w="120000" h="120000" extrusionOk="0">
                 <a:moveTo>
                   <a:pt x="0" y="0"/>
                 </a:moveTo>
@@ -2099,11 +1673,11 @@
 </file>
 
 <file path=ppt/notesSlides/notesSlide6.xml><?xml version="1.0" encoding="utf-8"?>
-<p:notes xmlns:a="http://schemas.openxmlformats.org/drawingml/2006/main" xmlns:r="http://schemas.openxmlformats.org/officeDocument/2006/relationships" xmlns:mc="http://schemas.openxmlformats.org/markup-compatibility/2006" xmlns:mv="urn:schemas-microsoft-com:mac:vml" xmlns:p="http://schemas.openxmlformats.org/presentationml/2006/main" xmlns:c="http://schemas.openxmlformats.org/drawingml/2006/chart" xmlns:dgm="http://schemas.openxmlformats.org/drawingml/2006/diagram" xmlns:o="urn:schemas-microsoft-com:office:office" xmlns:v="urn:schemas-microsoft-com:vml" xmlns:pvml="urn:schemas-microsoft-com:office:powerpoint" xmlns:com="http://schemas.openxmlformats.org/drawingml/2006/compatibility" xmlns:p14="http://schemas.microsoft.com/office/powerpoint/2010/main" xmlns:p15="http://schemas.microsoft.com/office/powerpoint/2012/main" showMasterPhAnim="0" showMasterSp="0">
+<p:notes xmlns:a="http://schemas.openxmlformats.org/drawingml/2006/main" xmlns:r="http://schemas.openxmlformats.org/officeDocument/2006/relationships" xmlns:p="http://schemas.openxmlformats.org/presentationml/2006/main" showMasterSp="0" showMasterPhAnim="0">
   <p:cSld>
     <p:spTree>
       <p:nvGrpSpPr>
-        <p:cNvPr id="47" name="Shape 47"/>
+        <p:cNvPr id="1" name="Shape 47"/>
         <p:cNvGrpSpPr/>
         <p:nvPr/>
       </p:nvGrpSpPr>
@@ -2118,9 +1692,11 @@
       <p:sp>
         <p:nvSpPr>
           <p:cNvPr id="48" name="Google Shape;48;g7a6d7b17f3_0_78:notes"/>
-          <p:cNvSpPr txBox="1"/>
+          <p:cNvSpPr txBox="1">
+            <a:spLocks noGrp="1"/>
+          </p:cNvSpPr>
           <p:nvPr>
-            <p:ph idx="1" type="body"/>
+            <p:ph type="body" idx="1"/>
           </p:nvPr>
         </p:nvSpPr>
         <p:spPr>
@@ -2133,12 +1709,12 @@
           </a:prstGeom>
         </p:spPr>
         <p:txBody>
-          <a:bodyPr anchorCtr="0" anchor="t" bIns="91425" lIns="91425" spcFirstLastPara="1" rIns="91425" wrap="square" tIns="91425">
+          <a:bodyPr spcFirstLastPara="1" wrap="square" lIns="91425" tIns="91425" rIns="91425" bIns="91425" anchor="t" anchorCtr="0">
             <a:noAutofit/>
           </a:bodyPr>
           <a:lstStyle/>
           <a:p>
-            <a:pPr indent="0" lvl="0" marL="0" rtl="0" algn="l">
+            <a:pPr marL="0" lvl="0" indent="0" algn="l" rtl="0">
               <a:spcBef>
                 <a:spcPts val="0"/>
               </a:spcBef>
@@ -2147,9 +1723,6 @@
               </a:spcAft>
               <a:buNone/>
             </a:pPr>
-            <a:r>
-              <a:t/>
-            </a:r>
             <a:endParaRPr/>
           </a:p>
         </p:txBody>
@@ -2157,20 +1730,26 @@
       <p:sp>
         <p:nvSpPr>
           <p:cNvPr id="49" name="Google Shape;49;g7a6d7b17f3_0_78:notes"/>
-          <p:cNvSpPr/>
+          <p:cNvSpPr>
+            <a:spLocks noGrp="1" noRot="1" noChangeAspect="1"/>
+          </p:cNvSpPr>
           <p:nvPr>
-            <p:ph idx="2" type="sldImg"/>
+            <p:ph type="sldImg" idx="2"/>
           </p:nvPr>
         </p:nvSpPr>
         <p:spPr>
           <a:xfrm>
-            <a:off x="1524300" y="385750"/>
-            <a:ext cx="6096300" cy="1928700"/>
+            <a:off x="2857500" y="385763"/>
+            <a:ext cx="3429000" cy="1928812"/>
           </a:xfrm>
           <a:custGeom>
-            <a:rect b="b" l="l" r="r" t="t"/>
+            <a:avLst/>
+            <a:gdLst/>
+            <a:ahLst/>
+            <a:cxnLst/>
+            <a:rect l="l" t="t" r="r" b="b"/>
             <a:pathLst>
-              <a:path extrusionOk="0" h="120000" w="120000">
+              <a:path w="120000" h="120000" extrusionOk="0">
                 <a:moveTo>
                   <a:pt x="0" y="0"/>
                 </a:moveTo>
@@ -2198,11 +1777,11 @@
 </file>
 
 <file path=ppt/notesSlides/notesSlide7.xml><?xml version="1.0" encoding="utf-8"?>
-<p:notes xmlns:a="http://schemas.openxmlformats.org/drawingml/2006/main" xmlns:r="http://schemas.openxmlformats.org/officeDocument/2006/relationships" xmlns:mc="http://schemas.openxmlformats.org/markup-compatibility/2006" xmlns:mv="urn:schemas-microsoft-com:mac:vml" xmlns:p="http://schemas.openxmlformats.org/presentationml/2006/main" xmlns:c="http://schemas.openxmlformats.org/drawingml/2006/chart" xmlns:dgm="http://schemas.openxmlformats.org/drawingml/2006/diagram" xmlns:o="urn:schemas-microsoft-com:office:office" xmlns:v="urn:schemas-microsoft-com:vml" xmlns:pvml="urn:schemas-microsoft-com:office:powerpoint" xmlns:com="http://schemas.openxmlformats.org/drawingml/2006/compatibility" xmlns:p14="http://schemas.microsoft.com/office/powerpoint/2010/main" xmlns:p15="http://schemas.microsoft.com/office/powerpoint/2012/main" showMasterPhAnim="0" showMasterSp="0">
+<p:notes xmlns:a="http://schemas.openxmlformats.org/drawingml/2006/main" xmlns:r="http://schemas.openxmlformats.org/officeDocument/2006/relationships" xmlns:p="http://schemas.openxmlformats.org/presentationml/2006/main" showMasterSp="0" showMasterPhAnim="0">
   <p:cSld>
     <p:spTree>
       <p:nvGrpSpPr>
-        <p:cNvPr id="52" name="Shape 52"/>
+        <p:cNvPr id="1" name="Shape 52"/>
         <p:cNvGrpSpPr/>
         <p:nvPr/>
       </p:nvGrpSpPr>
@@ -2217,20 +1796,26 @@
       <p:sp>
         <p:nvSpPr>
           <p:cNvPr id="53" name="Google Shape;53;g7a6d7b17f3_0_37:notes"/>
-          <p:cNvSpPr/>
+          <p:cNvSpPr>
+            <a:spLocks noGrp="1" noRot="1" noChangeAspect="1"/>
+          </p:cNvSpPr>
           <p:nvPr>
-            <p:ph idx="2" type="sldImg"/>
+            <p:ph type="sldImg" idx="2"/>
           </p:nvPr>
         </p:nvSpPr>
         <p:spPr>
           <a:xfrm>
-            <a:off x="1524300" y="385750"/>
-            <a:ext cx="6096300" cy="1928700"/>
+            <a:off x="2857500" y="385763"/>
+            <a:ext cx="3429000" cy="1928812"/>
           </a:xfrm>
           <a:custGeom>
-            <a:rect b="b" l="l" r="r" t="t"/>
+            <a:avLst/>
+            <a:gdLst/>
+            <a:ahLst/>
+            <a:cxnLst/>
+            <a:rect l="l" t="t" r="r" b="b"/>
             <a:pathLst>
-              <a:path extrusionOk="0" h="120000" w="120000">
+              <a:path w="120000" h="120000" extrusionOk="0">
                 <a:moveTo>
                   <a:pt x="0" y="0"/>
                 </a:moveTo>
@@ -2252,9 +1837,11 @@
       <p:sp>
         <p:nvSpPr>
           <p:cNvPr id="54" name="Google Shape;54;g7a6d7b17f3_0_37:notes"/>
-          <p:cNvSpPr txBox="1"/>
+          <p:cNvSpPr txBox="1">
+            <a:spLocks noGrp="1"/>
+          </p:cNvSpPr>
           <p:nvPr>
-            <p:ph idx="1" type="body"/>
+            <p:ph type="body" idx="1"/>
           </p:nvPr>
         </p:nvSpPr>
         <p:spPr>
@@ -2267,12 +1854,12 @@
           </a:prstGeom>
         </p:spPr>
         <p:txBody>
-          <a:bodyPr anchorCtr="0" anchor="t" bIns="91425" lIns="91425" spcFirstLastPara="1" rIns="91425" wrap="square" tIns="91425">
+          <a:bodyPr spcFirstLastPara="1" wrap="square" lIns="91425" tIns="91425" rIns="91425" bIns="91425" anchor="t" anchorCtr="0">
             <a:noAutofit/>
           </a:bodyPr>
           <a:lstStyle/>
           <a:p>
-            <a:pPr indent="0" lvl="0" marL="0" rtl="0" algn="l">
+            <a:pPr marL="0" lvl="0" indent="0" algn="l" rtl="0">
               <a:spcBef>
                 <a:spcPts val="0"/>
               </a:spcBef>
@@ -2281,9 +1868,6 @@
               </a:spcAft>
               <a:buNone/>
             </a:pPr>
-            <a:r>
-              <a:t/>
-            </a:r>
             <a:endParaRPr/>
           </a:p>
         </p:txBody>
@@ -2297,11 +1881,11 @@
 </file>
 
 <file path=ppt/notesSlides/notesSlide8.xml><?xml version="1.0" encoding="utf-8"?>
-<p:notes xmlns:a="http://schemas.openxmlformats.org/drawingml/2006/main" xmlns:r="http://schemas.openxmlformats.org/officeDocument/2006/relationships" xmlns:mc="http://schemas.openxmlformats.org/markup-compatibility/2006" xmlns:mv="urn:schemas-microsoft-com:mac:vml" xmlns:p="http://schemas.openxmlformats.org/presentationml/2006/main" xmlns:c="http://schemas.openxmlformats.org/drawingml/2006/chart" xmlns:dgm="http://schemas.openxmlformats.org/drawingml/2006/diagram" xmlns:o="urn:schemas-microsoft-com:office:office" xmlns:v="urn:schemas-microsoft-com:vml" xmlns:pvml="urn:schemas-microsoft-com:office:powerpoint" xmlns:com="http://schemas.openxmlformats.org/drawingml/2006/compatibility" xmlns:p14="http://schemas.microsoft.com/office/powerpoint/2010/main" xmlns:p15="http://schemas.microsoft.com/office/powerpoint/2012/main" showMasterPhAnim="0" showMasterSp="0">
+<p:notes xmlns:a="http://schemas.openxmlformats.org/drawingml/2006/main" xmlns:r="http://schemas.openxmlformats.org/officeDocument/2006/relationships" xmlns:p="http://schemas.openxmlformats.org/presentationml/2006/main" showMasterSp="0" showMasterPhAnim="0">
   <p:cSld>
     <p:spTree>
       <p:nvGrpSpPr>
-        <p:cNvPr id="57" name="Shape 57"/>
+        <p:cNvPr id="1" name="Shape 82"/>
         <p:cNvGrpSpPr/>
         <p:nvPr/>
       </p:nvGrpSpPr>
@@ -2315,21 +1899,65 @@
       </p:grpSpPr>
       <p:sp>
         <p:nvSpPr>
-          <p:cNvPr id="58" name="Google Shape;58;g7a6d7b17f3_0_43:notes"/>
-          <p:cNvSpPr/>
+          <p:cNvPr id="83" name="Google Shape;83;g7a6d7b17f3_0_83:notes"/>
+          <p:cNvSpPr txBox="1">
+            <a:spLocks noGrp="1"/>
+          </p:cNvSpPr>
           <p:nvPr>
-            <p:ph idx="2" type="sldImg"/>
+            <p:ph type="body" idx="1"/>
           </p:nvPr>
         </p:nvSpPr>
         <p:spPr>
           <a:xfrm>
-            <a:off x="1524300" y="385750"/>
-            <a:ext cx="6096300" cy="1928700"/>
+            <a:off x="914400" y="2443150"/>
+            <a:ext cx="7315200" cy="2314500"/>
+          </a:xfrm>
+          <a:prstGeom prst="rect">
+            <a:avLst/>
+          </a:prstGeom>
+        </p:spPr>
+        <p:txBody>
+          <a:bodyPr spcFirstLastPara="1" wrap="square" lIns="91425" tIns="91425" rIns="91425" bIns="91425" anchor="t" anchorCtr="0">
+            <a:noAutofit/>
+          </a:bodyPr>
+          <a:lstStyle/>
+          <a:p>
+            <a:pPr marL="0" lvl="0" indent="0" algn="l" rtl="0">
+              <a:spcBef>
+                <a:spcPts val="0"/>
+              </a:spcBef>
+              <a:spcAft>
+                <a:spcPts val="0"/>
+              </a:spcAft>
+              <a:buNone/>
+            </a:pPr>
+            <a:endParaRPr/>
+          </a:p>
+        </p:txBody>
+      </p:sp>
+      <p:sp>
+        <p:nvSpPr>
+          <p:cNvPr id="84" name="Google Shape;84;g7a6d7b17f3_0_83:notes"/>
+          <p:cNvSpPr>
+            <a:spLocks noGrp="1" noRot="1" noChangeAspect="1"/>
+          </p:cNvSpPr>
+          <p:nvPr>
+            <p:ph type="sldImg" idx="2"/>
+          </p:nvPr>
+        </p:nvSpPr>
+        <p:spPr>
+          <a:xfrm>
+            <a:off x="2857500" y="385763"/>
+            <a:ext cx="3429000" cy="1928812"/>
           </a:xfrm>
           <a:custGeom>
-            <a:rect b="b" l="l" r="r" t="t"/>
+            <a:avLst/>
+            <a:gdLst/>
+            <a:ahLst/>
+            <a:cxnLst/>
+            <a:rect l="l" t="t" r="r" b="b"/>
             <a:pathLst>
-              <a:path extrusionOk="0" h="120000" w="120000">
+              <a:path w="120000" h="120000" extrusionOk="0">
                 <a:moveTo>
                   <a:pt x="0" y="0"/>
                 </a:moveTo>
@@ -2348,45 +1976,6 @@
           </a:custGeom>
         </p:spPr>
       </p:sp>
-      <p:sp>
-        <p:nvSpPr>
-          <p:cNvPr id="59" name="Google Shape;59;g7a6d7b17f3_0_43:notes"/>
-          <p:cNvSpPr txBox="1"/>
-          <p:nvPr>
-            <p:ph idx="1" type="body"/>
-          </p:nvPr>
-        </p:nvSpPr>
-        <p:spPr>
-          <a:xfrm>
-            <a:off x="914400" y="2443150"/>
-            <a:ext cx="7315200" cy="2314500"/>
-          </a:xfrm>
-          <a:prstGeom prst="rect">
-            <a:avLst/>
-          </a:prstGeom>
-        </p:spPr>
-        <p:txBody>
-          <a:bodyPr anchorCtr="0" anchor="t" bIns="91425" lIns="91425" spcFirstLastPara="1" rIns="91425" wrap="square" tIns="91425">
-            <a:noAutofit/>
-          </a:bodyPr>
-          <a:lstStyle/>
-          <a:p>
-            <a:pPr indent="0" lvl="0" marL="0" rtl="0" algn="l">
-              <a:spcBef>
-                <a:spcPts val="0"/>
-              </a:spcBef>
-              <a:spcAft>
-                <a:spcPts val="0"/>
-              </a:spcAft>
-              <a:buNone/>
-            </a:pPr>
-            <a:r>
-              <a:t/>
-            </a:r>
-            <a:endParaRPr/>
-          </a:p>
-        </p:txBody>
-      </p:sp>
     </p:spTree>
   </p:cSld>
   <p:clrMapOvr>
@@ -2396,11 +1985,11 @@
 </file>
 
 <file path=ppt/notesSlides/notesSlide9.xml><?xml version="1.0" encoding="utf-8"?>
-<p:notes xmlns:a="http://schemas.openxmlformats.org/drawingml/2006/main" xmlns:r="http://schemas.openxmlformats.org/officeDocument/2006/relationships" xmlns:mc="http://schemas.openxmlformats.org/markup-compatibility/2006" xmlns:mv="urn:schemas-microsoft-com:mac:vml" xmlns:p="http://schemas.openxmlformats.org/presentationml/2006/main" xmlns:c="http://schemas.openxmlformats.org/drawingml/2006/chart" xmlns:dgm="http://schemas.openxmlformats.org/drawingml/2006/diagram" xmlns:o="urn:schemas-microsoft-com:office:office" xmlns:v="urn:schemas-microsoft-com:vml" xmlns:pvml="urn:schemas-microsoft-com:office:powerpoint" xmlns:com="http://schemas.openxmlformats.org/drawingml/2006/compatibility" xmlns:p14="http://schemas.microsoft.com/office/powerpoint/2010/main" xmlns:p15="http://schemas.microsoft.com/office/powerpoint/2012/main" showMasterPhAnim="0" showMasterSp="0">
+<p:notes xmlns:a="http://schemas.openxmlformats.org/drawingml/2006/main" xmlns:r="http://schemas.openxmlformats.org/officeDocument/2006/relationships" xmlns:p="http://schemas.openxmlformats.org/presentationml/2006/main" showMasterSp="0" showMasterPhAnim="0">
   <p:cSld>
     <p:spTree>
       <p:nvGrpSpPr>
-        <p:cNvPr id="62" name="Shape 62"/>
+        <p:cNvPr id="1" name="Shape 89"/>
         <p:cNvGrpSpPr/>
         <p:nvPr/>
       </p:nvGrpSpPr>
@@ -2414,21 +2003,65 @@
       </p:grpSpPr>
       <p:sp>
         <p:nvSpPr>
-          <p:cNvPr id="63" name="Google Shape;63;g7a6d7b17f3_0_48:notes"/>
-          <p:cNvSpPr/>
+          <p:cNvPr id="90" name="Google Shape;90;g7a6d7b17f3_0_100:notes"/>
+          <p:cNvSpPr txBox="1">
+            <a:spLocks noGrp="1"/>
+          </p:cNvSpPr>
           <p:nvPr>
-            <p:ph idx="2" type="sldImg"/>
+            <p:ph type="body" idx="1"/>
           </p:nvPr>
         </p:nvSpPr>
         <p:spPr>
           <a:xfrm>
-            <a:off x="1524300" y="385750"/>
-            <a:ext cx="6096300" cy="1928700"/>
+            <a:off x="914400" y="2443150"/>
+            <a:ext cx="7315200" cy="2314500"/>
+          </a:xfrm>
+          <a:prstGeom prst="rect">
+            <a:avLst/>
+          </a:prstGeom>
+        </p:spPr>
+        <p:txBody>
+          <a:bodyPr spcFirstLastPara="1" wrap="square" lIns="91425" tIns="91425" rIns="91425" bIns="91425" anchor="t" anchorCtr="0">
+            <a:noAutofit/>
+          </a:bodyPr>
+          <a:lstStyle/>
+          <a:p>
+            <a:pPr marL="0" lvl="0" indent="0" algn="l" rtl="0">
+              <a:spcBef>
+                <a:spcPts val="0"/>
+              </a:spcBef>
+              <a:spcAft>
+                <a:spcPts val="0"/>
+              </a:spcAft>
+              <a:buNone/>
+            </a:pPr>
+            <a:endParaRPr/>
+          </a:p>
+        </p:txBody>
+      </p:sp>
+      <p:sp>
+        <p:nvSpPr>
+          <p:cNvPr id="91" name="Google Shape;91;g7a6d7b17f3_0_100:notes"/>
+          <p:cNvSpPr>
+            <a:spLocks noGrp="1" noRot="1" noChangeAspect="1"/>
+          </p:cNvSpPr>
+          <p:nvPr>
+            <p:ph type="sldImg" idx="2"/>
+          </p:nvPr>
+        </p:nvSpPr>
+        <p:spPr>
+          <a:xfrm>
+            <a:off x="2857500" y="385763"/>
+            <a:ext cx="3429000" cy="1928812"/>
           </a:xfrm>
           <a:custGeom>
-            <a:rect b="b" l="l" r="r" t="t"/>
+            <a:avLst/>
+            <a:gdLst/>
+            <a:ahLst/>
+            <a:cxnLst/>
+            <a:rect l="l" t="t" r="r" b="b"/>
             <a:pathLst>
-              <a:path extrusionOk="0" h="120000" w="120000">
+              <a:path w="120000" h="120000" extrusionOk="0">
                 <a:moveTo>
                   <a:pt x="0" y="0"/>
                 </a:moveTo>
@@ -2447,45 +2080,6 @@
           </a:custGeom>
         </p:spPr>
       </p:sp>
-      <p:sp>
-        <p:nvSpPr>
-          <p:cNvPr id="64" name="Google Shape;64;g7a6d7b17f3_0_48:notes"/>
-          <p:cNvSpPr txBox="1"/>
-          <p:nvPr>
-            <p:ph idx="1" type="body"/>
-          </p:nvPr>
-        </p:nvSpPr>
-        <p:spPr>
-          <a:xfrm>
-            <a:off x="914400" y="2443150"/>
-            <a:ext cx="7315200" cy="2314500"/>
-          </a:xfrm>
-          <a:prstGeom prst="rect">
-            <a:avLst/>
-          </a:prstGeom>
-        </p:spPr>
-        <p:txBody>
-          <a:bodyPr anchorCtr="0" anchor="t" bIns="91425" lIns="91425" spcFirstLastPara="1" rIns="91425" wrap="square" tIns="91425">
-            <a:noAutofit/>
-          </a:bodyPr>
-          <a:lstStyle/>
-          <a:p>
-            <a:pPr indent="0" lvl="0" marL="0" rtl="0" algn="l">
-              <a:spcBef>
-                <a:spcPts val="0"/>
-              </a:spcBef>
-              <a:spcAft>
-                <a:spcPts val="0"/>
-              </a:spcAft>
-              <a:buNone/>
-            </a:pPr>
-            <a:r>
-              <a:t/>
-            </a:r>
-            <a:endParaRPr/>
-          </a:p>
-        </p:txBody>
-      </p:sp>
     </p:spTree>
   </p:cSld>
   <p:clrMapOvr>
@@ -2495,11 +2089,11 @@
 </file>
 
 <file path=ppt/slideLayouts/slideLayout1.xml><?xml version="1.0" encoding="utf-8"?>
-<p:sldLayout xmlns:a="http://schemas.openxmlformats.org/drawingml/2006/main" xmlns:r="http://schemas.openxmlformats.org/officeDocument/2006/relationships" xmlns:mc="http://schemas.openxmlformats.org/markup-compatibility/2006" xmlns:mv="urn:schemas-microsoft-com:mac:vml" xmlns:p="http://schemas.openxmlformats.org/presentationml/2006/main" xmlns:c="http://schemas.openxmlformats.org/drawingml/2006/chart" xmlns:dgm="http://schemas.openxmlformats.org/drawingml/2006/diagram" xmlns:o="urn:schemas-microsoft-com:office:office" xmlns:v="urn:schemas-microsoft-com:vml" xmlns:pvml="urn:schemas-microsoft-com:office:powerpoint" xmlns:com="http://schemas.openxmlformats.org/drawingml/2006/compatibility" xmlns:p14="http://schemas.microsoft.com/office/powerpoint/2010/main" xmlns:p15="http://schemas.microsoft.com/office/powerpoint/2012/main" matchingName="Title and body" type="tx">
+<p:sldLayout xmlns:a="http://schemas.openxmlformats.org/drawingml/2006/main" xmlns:r="http://schemas.openxmlformats.org/officeDocument/2006/relationships" xmlns:p="http://schemas.openxmlformats.org/presentationml/2006/main" matchingName="Title and body" type="tx">
   <p:cSld name="TITLE_AND_BODY">
     <p:spTree>
       <p:nvGrpSpPr>
-        <p:cNvPr id="11" name="Shape 11"/>
+        <p:cNvPr id="1" name="Shape 11"/>
         <p:cNvGrpSpPr/>
         <p:nvPr/>
       </p:nvGrpSpPr>
@@ -2514,7 +2108,9 @@
       <p:sp>
         <p:nvSpPr>
           <p:cNvPr id="12" name="Google Shape;12;p2"/>
-          <p:cNvSpPr txBox="1"/>
+          <p:cNvSpPr txBox="1">
+            <a:spLocks noGrp="1"/>
+          </p:cNvSpPr>
           <p:nvPr>
             <p:ph type="title"/>
           </p:nvPr>
@@ -2533,7 +2129,7 @@
           </a:ln>
         </p:spPr>
         <p:txBody>
-          <a:bodyPr anchorCtr="0" anchor="t" bIns="0" lIns="0" spcFirstLastPara="1" rIns="0" wrap="square" tIns="0">
+          <a:bodyPr spcFirstLastPara="1" wrap="square" lIns="0" tIns="0" rIns="0" bIns="0" anchor="t" anchorCtr="0">
             <a:noAutofit/>
           </a:bodyPr>
           <a:lstStyle>
@@ -2637,15 +2233,19 @@
               <a:defRPr/>
             </a:lvl9pPr>
           </a:lstStyle>
-          <a:p/>
+          <a:p>
+            <a:endParaRPr/>
+          </a:p>
         </p:txBody>
       </p:sp>
       <p:sp>
         <p:nvSpPr>
           <p:cNvPr id="13" name="Google Shape;13;p2"/>
-          <p:cNvSpPr txBox="1"/>
+          <p:cNvSpPr txBox="1">
+            <a:spLocks noGrp="1"/>
+          </p:cNvSpPr>
           <p:nvPr>
-            <p:ph idx="1" type="body"/>
+            <p:ph type="body" idx="1"/>
           </p:nvPr>
         </p:nvSpPr>
         <p:spPr>
@@ -2662,11 +2262,11 @@
           </a:ln>
         </p:spPr>
         <p:txBody>
-          <a:bodyPr anchorCtr="0" anchor="t" bIns="0" lIns="0" spcFirstLastPara="1" rIns="0" wrap="square" tIns="0">
+          <a:bodyPr spcFirstLastPara="1" wrap="square" lIns="0" tIns="0" rIns="0" bIns="0" anchor="t" anchorCtr="0">
             <a:noAutofit/>
           </a:bodyPr>
           <a:lstStyle>
-            <a:lvl1pPr indent="-228600" lvl="0" marL="457200" algn="l">
+            <a:lvl1pPr marL="457200" lvl="0" indent="-228600" algn="l">
               <a:spcBef>
                 <a:spcPts val="0"/>
               </a:spcBef>
@@ -2677,7 +2277,7 @@
               <a:buNone/>
               <a:defRPr/>
             </a:lvl1pPr>
-            <a:lvl2pPr indent="-228600" lvl="1" marL="914400" algn="l">
+            <a:lvl2pPr marL="914400" lvl="1" indent="-228600" algn="l">
               <a:spcBef>
                 <a:spcPts val="0"/>
               </a:spcBef>
@@ -2688,7 +2288,7 @@
               <a:buNone/>
               <a:defRPr/>
             </a:lvl2pPr>
-            <a:lvl3pPr indent="-228600" lvl="2" marL="1371600" algn="l">
+            <a:lvl3pPr marL="1371600" lvl="2" indent="-228600" algn="l">
               <a:spcBef>
                 <a:spcPts val="0"/>
               </a:spcBef>
@@ -2699,7 +2299,7 @@
               <a:buNone/>
               <a:defRPr/>
             </a:lvl3pPr>
-            <a:lvl4pPr indent="-228600" lvl="3" marL="1828800" algn="l">
+            <a:lvl4pPr marL="1828800" lvl="3" indent="-228600" algn="l">
               <a:spcBef>
                 <a:spcPts val="0"/>
               </a:spcBef>
@@ -2710,7 +2310,7 @@
               <a:buNone/>
               <a:defRPr/>
             </a:lvl4pPr>
-            <a:lvl5pPr indent="-228600" lvl="4" marL="2286000" algn="l">
+            <a:lvl5pPr marL="2286000" lvl="4" indent="-228600" algn="l">
               <a:spcBef>
                 <a:spcPts val="0"/>
               </a:spcBef>
@@ -2721,7 +2321,7 @@
               <a:buNone/>
               <a:defRPr/>
             </a:lvl5pPr>
-            <a:lvl6pPr indent="-228600" lvl="5" marL="2743200" algn="l">
+            <a:lvl6pPr marL="2743200" lvl="5" indent="-228600" algn="l">
               <a:spcBef>
                 <a:spcPts val="0"/>
               </a:spcBef>
@@ -2732,7 +2332,7 @@
               <a:buNone/>
               <a:defRPr/>
             </a:lvl6pPr>
-            <a:lvl7pPr indent="-228600" lvl="6" marL="3200400" algn="l">
+            <a:lvl7pPr marL="3200400" lvl="6" indent="-228600" algn="l">
               <a:spcBef>
                 <a:spcPts val="0"/>
               </a:spcBef>
@@ -2743,7 +2343,7 @@
               <a:buNone/>
               <a:defRPr/>
             </a:lvl7pPr>
-            <a:lvl8pPr indent="-228600" lvl="7" marL="3657600" algn="l">
+            <a:lvl8pPr marL="3657600" lvl="7" indent="-228600" algn="l">
               <a:spcBef>
                 <a:spcPts val="0"/>
               </a:spcBef>
@@ -2754,7 +2354,7 @@
               <a:buNone/>
               <a:defRPr/>
             </a:lvl8pPr>
-            <a:lvl9pPr indent="-228600" lvl="8" marL="4114800" algn="l">
+            <a:lvl9pPr marL="4114800" lvl="8" indent="-228600" algn="l">
               <a:spcBef>
                 <a:spcPts val="0"/>
               </a:spcBef>
@@ -2766,15 +2366,19 @@
               <a:defRPr/>
             </a:lvl9pPr>
           </a:lstStyle>
-          <a:p/>
+          <a:p>
+            <a:endParaRPr/>
+          </a:p>
         </p:txBody>
       </p:sp>
       <p:sp>
         <p:nvSpPr>
           <p:cNvPr id="14" name="Google Shape;14;p2"/>
-          <p:cNvSpPr txBox="1"/>
+          <p:cNvSpPr txBox="1">
+            <a:spLocks noGrp="1"/>
+          </p:cNvSpPr>
           <p:nvPr>
-            <p:ph idx="10" type="dt"/>
+            <p:ph type="dt" idx="10"/>
           </p:nvPr>
         </p:nvSpPr>
         <p:spPr>
@@ -2791,7 +2395,7 @@
           </a:ln>
         </p:spPr>
         <p:txBody>
-          <a:bodyPr anchorCtr="0" anchor="t" bIns="0" lIns="0" spcFirstLastPara="1" rIns="0" wrap="square" tIns="0">
+          <a:bodyPr spcFirstLastPara="1" wrap="square" lIns="0" tIns="0" rIns="0" bIns="0" anchor="t" anchorCtr="0">
             <a:noAutofit/>
           </a:bodyPr>
           <a:lstStyle>
@@ -2895,15 +2499,19 @@
               <a:defRPr/>
             </a:lvl9pPr>
           </a:lstStyle>
-          <a:p/>
+          <a:p>
+            <a:endParaRPr/>
+          </a:p>
         </p:txBody>
       </p:sp>
       <p:sp>
         <p:nvSpPr>
           <p:cNvPr id="15" name="Google Shape;15;p2"/>
-          <p:cNvSpPr txBox="1"/>
+          <p:cNvSpPr txBox="1">
+            <a:spLocks noGrp="1"/>
+          </p:cNvSpPr>
           <p:nvPr>
-            <p:ph idx="11" type="ftr"/>
+            <p:ph type="ftr" idx="11"/>
           </p:nvPr>
         </p:nvSpPr>
         <p:spPr>
@@ -2920,7 +2528,7 @@
           </a:ln>
         </p:spPr>
         <p:txBody>
-          <a:bodyPr anchorCtr="0" anchor="t" bIns="0" lIns="0" spcFirstLastPara="1" rIns="0" wrap="square" tIns="0">
+          <a:bodyPr spcFirstLastPara="1" wrap="square" lIns="0" tIns="0" rIns="0" bIns="0" anchor="t" anchorCtr="0">
             <a:noAutofit/>
           </a:bodyPr>
           <a:lstStyle>
@@ -3024,15 +2632,19 @@
               <a:defRPr/>
             </a:lvl9pPr>
           </a:lstStyle>
-          <a:p/>
+          <a:p>
+            <a:endParaRPr/>
+          </a:p>
         </p:txBody>
       </p:sp>
       <p:sp>
         <p:nvSpPr>
           <p:cNvPr id="16" name="Google Shape;16;p2"/>
-          <p:cNvSpPr txBox="1"/>
+          <p:cNvSpPr txBox="1">
+            <a:spLocks noGrp="1"/>
+          </p:cNvSpPr>
           <p:nvPr>
-            <p:ph idx="12" type="sldNum"/>
+            <p:ph type="sldNum" idx="12"/>
           </p:nvPr>
         </p:nvSpPr>
         <p:spPr>
@@ -3049,67 +2661,67 @@
           </a:ln>
         </p:spPr>
         <p:txBody>
-          <a:bodyPr anchorCtr="0" anchor="t" bIns="0" lIns="0" spcFirstLastPara="1" rIns="0" wrap="square" tIns="0">
+          <a:bodyPr spcFirstLastPara="1" wrap="square" lIns="0" tIns="0" rIns="0" bIns="0" anchor="t" anchorCtr="0">
             <a:noAutofit/>
           </a:bodyPr>
           <a:lstStyle>
-            <a:lvl1pPr indent="0" lvl="0" marL="0" algn="r">
+            <a:lvl1pPr marL="0" lvl="0" indent="0" algn="r">
               <a:spcBef>
                 <a:spcPts val="0"/>
               </a:spcBef>
               <a:buNone/>
               <a:defRPr/>
             </a:lvl1pPr>
-            <a:lvl2pPr indent="0" lvl="1" marL="0" algn="r">
+            <a:lvl2pPr marL="0" lvl="1" indent="0" algn="r">
               <a:spcBef>
                 <a:spcPts val="0"/>
               </a:spcBef>
               <a:buNone/>
               <a:defRPr/>
             </a:lvl2pPr>
-            <a:lvl3pPr indent="0" lvl="2" marL="0" algn="r">
+            <a:lvl3pPr marL="0" lvl="2" indent="0" algn="r">
               <a:spcBef>
                 <a:spcPts val="0"/>
               </a:spcBef>
               <a:buNone/>
               <a:defRPr/>
             </a:lvl3pPr>
-            <a:lvl4pPr indent="0" lvl="3" marL="0" algn="r">
+            <a:lvl4pPr marL="0" lvl="3" indent="0" algn="r">
               <a:spcBef>
                 <a:spcPts val="0"/>
               </a:spcBef>
               <a:buNone/>
               <a:defRPr/>
             </a:lvl4pPr>
-            <a:lvl5pPr indent="0" lvl="4" marL="0" algn="r">
+            <a:lvl5pPr marL="0" lvl="4" indent="0" algn="r">
               <a:spcBef>
                 <a:spcPts val="0"/>
               </a:spcBef>
               <a:buNone/>
               <a:defRPr/>
             </a:lvl5pPr>
-            <a:lvl6pPr indent="0" lvl="5" marL="0" algn="r">
+            <a:lvl6pPr marL="0" lvl="5" indent="0" algn="r">
               <a:spcBef>
                 <a:spcPts val="0"/>
               </a:spcBef>
               <a:buNone/>
               <a:defRPr/>
             </a:lvl6pPr>
-            <a:lvl7pPr indent="0" lvl="6" marL="0" algn="r">
+            <a:lvl7pPr marL="0" lvl="6" indent="0" algn="r">
               <a:spcBef>
                 <a:spcPts val="0"/>
               </a:spcBef>
               <a:buNone/>
               <a:defRPr/>
             </a:lvl7pPr>
-            <a:lvl8pPr indent="0" lvl="7" marL="0" algn="r">
+            <a:lvl8pPr marL="0" lvl="7" indent="0" algn="r">
               <a:spcBef>
                 <a:spcPts val="0"/>
               </a:spcBef>
               <a:buNone/>
               <a:defRPr/>
             </a:lvl8pPr>
-            <a:lvl9pPr indent="0" lvl="8" marL="0" algn="r">
+            <a:lvl9pPr marL="0" lvl="8" indent="0" algn="r">
               <a:spcBef>
                 <a:spcPts val="0"/>
               </a:spcBef>
@@ -3118,7 +2730,7 @@
             </a:lvl9pPr>
           </a:lstStyle>
           <a:p>
-            <a:pPr indent="0" lvl="0" marL="0" rtl="0" algn="r">
+            <a:pPr marL="0" lvl="0" indent="0" algn="r" rtl="0">
               <a:spcBef>
                 <a:spcPts val="0"/>
               </a:spcBef>
@@ -3144,18 +2756,19 @@
 </file>
 
 <file path=ppt/slideMasters/slideMaster1.xml><?xml version="1.0" encoding="utf-8"?>
-<p:sldMaster xmlns:a="http://schemas.openxmlformats.org/drawingml/2006/main" xmlns:r="http://schemas.openxmlformats.org/officeDocument/2006/relationships" xmlns:mc="http://schemas.openxmlformats.org/markup-compatibility/2006" xmlns:mv="urn:schemas-microsoft-com:mac:vml" xmlns:p="http://schemas.openxmlformats.org/presentationml/2006/main" xmlns:c="http://schemas.openxmlformats.org/drawingml/2006/chart" xmlns:dgm="http://schemas.openxmlformats.org/drawingml/2006/diagram" xmlns:o="urn:schemas-microsoft-com:office:office" xmlns:v="urn:schemas-microsoft-com:vml" xmlns:pvml="urn:schemas-microsoft-com:office:powerpoint" xmlns:com="http://schemas.openxmlformats.org/drawingml/2006/compatibility" xmlns:p14="http://schemas.microsoft.com/office/powerpoint/2010/main" xmlns:p15="http://schemas.microsoft.com/office/powerpoint/2012/main">
+<p:sldMaster xmlns:a="http://schemas.openxmlformats.org/drawingml/2006/main" xmlns:r="http://schemas.openxmlformats.org/officeDocument/2006/relationships" xmlns:p="http://schemas.openxmlformats.org/presentationml/2006/main">
   <p:cSld>
     <p:bg>
       <p:bgPr>
         <a:solidFill>
           <a:schemeClr val="lt1"/>
         </a:solidFill>
+        <a:effectLst/>
       </p:bgPr>
     </p:bg>
     <p:spTree>
       <p:nvGrpSpPr>
-        <p:cNvPr id="5" name="Shape 5"/>
+        <p:cNvPr id="1" name="Shape 5"/>
         <p:cNvGrpSpPr/>
         <p:nvPr/>
       </p:nvGrpSpPr>
@@ -3170,7 +2783,9 @@
       <p:sp>
         <p:nvSpPr>
           <p:cNvPr id="6" name="Google Shape;6;p1"/>
-          <p:cNvSpPr txBox="1"/>
+          <p:cNvSpPr txBox="1">
+            <a:spLocks noGrp="1"/>
+          </p:cNvSpPr>
           <p:nvPr>
             <p:ph type="title"/>
           </p:nvPr>
@@ -3189,20 +2804,20 @@
           </a:ln>
         </p:spPr>
         <p:txBody>
-          <a:bodyPr anchorCtr="0" anchor="t" bIns="0" lIns="0" spcFirstLastPara="1" rIns="0" wrap="square" tIns="0">
+          <a:bodyPr spcFirstLastPara="1" wrap="square" lIns="0" tIns="0" rIns="0" bIns="0" anchor="t" anchorCtr="0">
             <a:noAutofit/>
           </a:bodyPr>
           <a:lstStyle>
-            <a:lvl1pPr lvl="0" marR="0" rtl="0" algn="l">
-              <a:spcBef>
-                <a:spcPts val="0"/>
-              </a:spcBef>
-              <a:spcAft>
-                <a:spcPts val="0"/>
-              </a:spcAft>
-              <a:buSzPts val="1400"/>
-              <a:buNone/>
-              <a:defRPr b="0" i="0" sz="1800" u="none" cap="none" strike="noStrike">
+            <a:lvl1pPr marR="0" lvl="0" algn="l" rtl="0">
+              <a:spcBef>
+                <a:spcPts val="0"/>
+              </a:spcBef>
+              <a:spcAft>
+                <a:spcPts val="0"/>
+              </a:spcAft>
+              <a:buSzPts val="1400"/>
+              <a:buNone/>
+              <a:defRPr sz="1800" b="0" i="0" u="none" strike="noStrike" cap="none">
                 <a:latin typeface="Calibri"/>
                 <a:ea typeface="Calibri"/>
                 <a:cs typeface="Calibri"/>
@@ -3298,15 +2913,19 @@
               <a:defRPr sz="1800"/>
             </a:lvl9pPr>
           </a:lstStyle>
-          <a:p/>
+          <a:p>
+            <a:endParaRPr/>
+          </a:p>
         </p:txBody>
       </p:sp>
       <p:sp>
         <p:nvSpPr>
           <p:cNvPr id="7" name="Google Shape;7;p1"/>
-          <p:cNvSpPr txBox="1"/>
+          <p:cNvSpPr txBox="1">
+            <a:spLocks noGrp="1"/>
+          </p:cNvSpPr>
           <p:nvPr>
-            <p:ph idx="1" type="body"/>
+            <p:ph type="body" idx="1"/>
           </p:nvPr>
         </p:nvSpPr>
         <p:spPr>
@@ -3323,148 +2942,148 @@
           </a:ln>
         </p:spPr>
         <p:txBody>
-          <a:bodyPr anchorCtr="0" anchor="t" bIns="0" lIns="0" spcFirstLastPara="1" rIns="0" wrap="square" tIns="0">
+          <a:bodyPr spcFirstLastPara="1" wrap="square" lIns="0" tIns="0" rIns="0" bIns="0" anchor="t" anchorCtr="0">
             <a:noAutofit/>
           </a:bodyPr>
           <a:lstStyle>
-            <a:lvl1pPr indent="-228600" lvl="0" marL="457200" marR="0" rtl="0" algn="l">
-              <a:spcBef>
-                <a:spcPts val="0"/>
-              </a:spcBef>
-              <a:spcAft>
-                <a:spcPts val="0"/>
-              </a:spcAft>
-              <a:buSzPts val="1400"/>
-              <a:buNone/>
-              <a:defRPr b="0" i="0" sz="1800" u="none" cap="none" strike="noStrike">
+            <a:lvl1pPr marL="457200" marR="0" lvl="0" indent="-228600" algn="l" rtl="0">
+              <a:spcBef>
+                <a:spcPts val="0"/>
+              </a:spcBef>
+              <a:spcAft>
+                <a:spcPts val="0"/>
+              </a:spcAft>
+              <a:buSzPts val="1400"/>
+              <a:buNone/>
+              <a:defRPr sz="1800" b="0" i="0" u="none" strike="noStrike" cap="none">
                 <a:latin typeface="Calibri"/>
                 <a:ea typeface="Calibri"/>
                 <a:cs typeface="Calibri"/>
                 <a:sym typeface="Calibri"/>
               </a:defRPr>
             </a:lvl1pPr>
-            <a:lvl2pPr indent="-228600" lvl="1" marL="914400" marR="0" rtl="0" algn="l">
-              <a:spcBef>
-                <a:spcPts val="0"/>
-              </a:spcBef>
-              <a:spcAft>
-                <a:spcPts val="0"/>
-              </a:spcAft>
-              <a:buSzPts val="1400"/>
-              <a:buNone/>
-              <a:defRPr b="0" i="0" sz="1800" u="none" cap="none" strike="noStrike">
+            <a:lvl2pPr marL="914400" marR="0" lvl="1" indent="-228600" algn="l" rtl="0">
+              <a:spcBef>
+                <a:spcPts val="0"/>
+              </a:spcBef>
+              <a:spcAft>
+                <a:spcPts val="0"/>
+              </a:spcAft>
+              <a:buSzPts val="1400"/>
+              <a:buNone/>
+              <a:defRPr sz="1800" b="0" i="0" u="none" strike="noStrike" cap="none">
                 <a:latin typeface="Calibri"/>
                 <a:ea typeface="Calibri"/>
                 <a:cs typeface="Calibri"/>
                 <a:sym typeface="Calibri"/>
               </a:defRPr>
             </a:lvl2pPr>
-            <a:lvl3pPr indent="-228600" lvl="2" marL="1371600" marR="0" rtl="0" algn="l">
-              <a:spcBef>
-                <a:spcPts val="0"/>
-              </a:spcBef>
-              <a:spcAft>
-                <a:spcPts val="0"/>
-              </a:spcAft>
-              <a:buSzPts val="1400"/>
-              <a:buNone/>
-              <a:defRPr b="0" i="0" sz="1800" u="none" cap="none" strike="noStrike">
+            <a:lvl3pPr marL="1371600" marR="0" lvl="2" indent="-228600" algn="l" rtl="0">
+              <a:spcBef>
+                <a:spcPts val="0"/>
+              </a:spcBef>
+              <a:spcAft>
+                <a:spcPts val="0"/>
+              </a:spcAft>
+              <a:buSzPts val="1400"/>
+              <a:buNone/>
+              <a:defRPr sz="1800" b="0" i="0" u="none" strike="noStrike" cap="none">
                 <a:latin typeface="Calibri"/>
                 <a:ea typeface="Calibri"/>
                 <a:cs typeface="Calibri"/>
                 <a:sym typeface="Calibri"/>
               </a:defRPr>
             </a:lvl3pPr>
-            <a:lvl4pPr indent="-228600" lvl="3" marL="1828800" marR="0" rtl="0" algn="l">
-              <a:spcBef>
-                <a:spcPts val="0"/>
-              </a:spcBef>
-              <a:spcAft>
-                <a:spcPts val="0"/>
-              </a:spcAft>
-              <a:buSzPts val="1400"/>
-              <a:buNone/>
-              <a:defRPr b="0" i="0" sz="1800" u="none" cap="none" strike="noStrike">
+            <a:lvl4pPr marL="1828800" marR="0" lvl="3" indent="-228600" algn="l" rtl="0">
+              <a:spcBef>
+                <a:spcPts val="0"/>
+              </a:spcBef>
+              <a:spcAft>
+                <a:spcPts val="0"/>
+              </a:spcAft>
+              <a:buSzPts val="1400"/>
+              <a:buNone/>
+              <a:defRPr sz="1800" b="0" i="0" u="none" strike="noStrike" cap="none">
                 <a:latin typeface="Calibri"/>
                 <a:ea typeface="Calibri"/>
                 <a:cs typeface="Calibri"/>
                 <a:sym typeface="Calibri"/>
               </a:defRPr>
             </a:lvl4pPr>
-            <a:lvl5pPr indent="-228600" lvl="4" marL="2286000" marR="0" rtl="0" algn="l">
-              <a:spcBef>
-                <a:spcPts val="0"/>
-              </a:spcBef>
-              <a:spcAft>
-                <a:spcPts val="0"/>
-              </a:spcAft>
-              <a:buSzPts val="1400"/>
-              <a:buNone/>
-              <a:defRPr b="0" i="0" sz="1800" u="none" cap="none" strike="noStrike">
+            <a:lvl5pPr marL="2286000" marR="0" lvl="4" indent="-228600" algn="l" rtl="0">
+              <a:spcBef>
+                <a:spcPts val="0"/>
+              </a:spcBef>
+              <a:spcAft>
+                <a:spcPts val="0"/>
+              </a:spcAft>
+              <a:buSzPts val="1400"/>
+              <a:buNone/>
+              <a:defRPr sz="1800" b="0" i="0" u="none" strike="noStrike" cap="none">
                 <a:latin typeface="Calibri"/>
                 <a:ea typeface="Calibri"/>
                 <a:cs typeface="Calibri"/>
                 <a:sym typeface="Calibri"/>
               </a:defRPr>
             </a:lvl5pPr>
-            <a:lvl6pPr indent="-228600" lvl="5" marL="2743200" marR="0" rtl="0" algn="l">
-              <a:spcBef>
-                <a:spcPts val="0"/>
-              </a:spcBef>
-              <a:spcAft>
-                <a:spcPts val="0"/>
-              </a:spcAft>
-              <a:buSzPts val="1400"/>
-              <a:buNone/>
-              <a:defRPr b="0" i="0" sz="1800" u="none" cap="none" strike="noStrike">
+            <a:lvl6pPr marL="2743200" marR="0" lvl="5" indent="-228600" algn="l" rtl="0">
+              <a:spcBef>
+                <a:spcPts val="0"/>
+              </a:spcBef>
+              <a:spcAft>
+                <a:spcPts val="0"/>
+              </a:spcAft>
+              <a:buSzPts val="1400"/>
+              <a:buNone/>
+              <a:defRPr sz="1800" b="0" i="0" u="none" strike="noStrike" cap="none">
                 <a:latin typeface="Calibri"/>
                 <a:ea typeface="Calibri"/>
                 <a:cs typeface="Calibri"/>
                 <a:sym typeface="Calibri"/>
               </a:defRPr>
             </a:lvl6pPr>
-            <a:lvl7pPr indent="-228600" lvl="6" marL="3200400" marR="0" rtl="0" algn="l">
-              <a:spcBef>
-                <a:spcPts val="0"/>
-              </a:spcBef>
-              <a:spcAft>
-                <a:spcPts val="0"/>
-              </a:spcAft>
-              <a:buSzPts val="1400"/>
-              <a:buNone/>
-              <a:defRPr b="0" i="0" sz="1800" u="none" cap="none" strike="noStrike">
+            <a:lvl7pPr marL="3200400" marR="0" lvl="6" indent="-228600" algn="l" rtl="0">
+              <a:spcBef>
+                <a:spcPts val="0"/>
+              </a:spcBef>
+              <a:spcAft>
+                <a:spcPts val="0"/>
+              </a:spcAft>
+              <a:buSzPts val="1400"/>
+              <a:buNone/>
+              <a:defRPr sz="1800" b="0" i="0" u="none" strike="noStrike" cap="none">
                 <a:latin typeface="Calibri"/>
                 <a:ea typeface="Calibri"/>
                 <a:cs typeface="Calibri"/>
                 <a:sym typeface="Calibri"/>
               </a:defRPr>
             </a:lvl7pPr>
-            <a:lvl8pPr indent="-228600" lvl="7" marL="3657600" marR="0" rtl="0" algn="l">
-              <a:spcBef>
-                <a:spcPts val="0"/>
-              </a:spcBef>
-              <a:spcAft>
-                <a:spcPts val="0"/>
-              </a:spcAft>
-              <a:buSzPts val="1400"/>
-              <a:buNone/>
-              <a:defRPr b="0" i="0" sz="1800" u="none" cap="none" strike="noStrike">
+            <a:lvl8pPr marL="3657600" marR="0" lvl="7" indent="-228600" algn="l" rtl="0">
+              <a:spcBef>
+                <a:spcPts val="0"/>
+              </a:spcBef>
+              <a:spcAft>
+                <a:spcPts val="0"/>
+              </a:spcAft>
+              <a:buSzPts val="1400"/>
+              <a:buNone/>
+              <a:defRPr sz="1800" b="0" i="0" u="none" strike="noStrike" cap="none">
                 <a:latin typeface="Calibri"/>
                 <a:ea typeface="Calibri"/>
                 <a:cs typeface="Calibri"/>
                 <a:sym typeface="Calibri"/>
               </a:defRPr>
             </a:lvl8pPr>
-            <a:lvl9pPr indent="-228600" lvl="8" marL="4114800" marR="0" rtl="0" algn="l">
-              <a:spcBef>
-                <a:spcPts val="0"/>
-              </a:spcBef>
-              <a:spcAft>
-                <a:spcPts val="0"/>
-              </a:spcAft>
-              <a:buSzPts val="1400"/>
-              <a:buNone/>
-              <a:defRPr b="0" i="0" sz="1800" u="none" cap="none" strike="noStrike">
+            <a:lvl9pPr marL="4114800" marR="0" lvl="8" indent="-228600" algn="l" rtl="0">
+              <a:spcBef>
+                <a:spcPts val="0"/>
+              </a:spcBef>
+              <a:spcAft>
+                <a:spcPts val="0"/>
+              </a:spcAft>
+              <a:buSzPts val="1400"/>
+              <a:buNone/>
+              <a:defRPr sz="1800" b="0" i="0" u="none" strike="noStrike" cap="none">
                 <a:latin typeface="Calibri"/>
                 <a:ea typeface="Calibri"/>
                 <a:cs typeface="Calibri"/>
@@ -3472,15 +3091,19 @@
               </a:defRPr>
             </a:lvl9pPr>
           </a:lstStyle>
-          <a:p/>
+          <a:p>
+            <a:endParaRPr/>
+          </a:p>
         </p:txBody>
       </p:sp>
       <p:sp>
         <p:nvSpPr>
           <p:cNvPr id="8" name="Google Shape;8;p1"/>
-          <p:cNvSpPr txBox="1"/>
+          <p:cNvSpPr txBox="1">
+            <a:spLocks noGrp="1"/>
+          </p:cNvSpPr>
           <p:nvPr>
-            <p:ph idx="11" type="ftr"/>
+            <p:ph type="ftr" idx="11"/>
           </p:nvPr>
         </p:nvSpPr>
         <p:spPr>
@@ -3497,123 +3120,127 @@
           </a:ln>
         </p:spPr>
         <p:txBody>
-          <a:bodyPr anchorCtr="0" anchor="t" bIns="0" lIns="0" spcFirstLastPara="1" rIns="0" wrap="square" tIns="0">
+          <a:bodyPr spcFirstLastPara="1" wrap="square" lIns="0" tIns="0" rIns="0" bIns="0" anchor="t" anchorCtr="0">
             <a:noAutofit/>
           </a:bodyPr>
           <a:lstStyle>
-            <a:lvl1pPr lvl="0" marR="0" rtl="0" algn="ctr">
-              <a:spcBef>
-                <a:spcPts val="0"/>
-              </a:spcBef>
-              <a:spcAft>
-                <a:spcPts val="0"/>
-              </a:spcAft>
-              <a:buSzPts val="1400"/>
-              <a:buNone/>
-              <a:defRPr b="0" i="0" sz="1800" u="none" cap="none" strike="noStrike">
+            <a:lvl1pPr marR="0" lvl="0" algn="ctr" rtl="0">
+              <a:spcBef>
+                <a:spcPts val="0"/>
+              </a:spcBef>
+              <a:spcAft>
+                <a:spcPts val="0"/>
+              </a:spcAft>
+              <a:buSzPts val="1400"/>
+              <a:buNone/>
+              <a:defRPr sz="1800" b="0" i="0" u="none" strike="noStrike" cap="none">
                 <a:solidFill>
                   <a:srgbClr val="888888"/>
                 </a:solidFill>
               </a:defRPr>
             </a:lvl1pPr>
-            <a:lvl2pPr lvl="1" marR="0" rtl="0" algn="l">
-              <a:spcBef>
-                <a:spcPts val="0"/>
-              </a:spcBef>
-              <a:spcAft>
-                <a:spcPts val="0"/>
-              </a:spcAft>
-              <a:buSzPts val="1400"/>
-              <a:buNone/>
-              <a:defRPr b="0" i="0" sz="1800" u="none" cap="none" strike="noStrike"/>
+            <a:lvl2pPr marR="0" lvl="1" algn="l" rtl="0">
+              <a:spcBef>
+                <a:spcPts val="0"/>
+              </a:spcBef>
+              <a:spcAft>
+                <a:spcPts val="0"/>
+              </a:spcAft>
+              <a:buSzPts val="1400"/>
+              <a:buNone/>
+              <a:defRPr sz="1800" b="0" i="0" u="none" strike="noStrike" cap="none"/>
             </a:lvl2pPr>
-            <a:lvl3pPr lvl="2" marR="0" rtl="0" algn="l">
-              <a:spcBef>
-                <a:spcPts val="0"/>
-              </a:spcBef>
-              <a:spcAft>
-                <a:spcPts val="0"/>
-              </a:spcAft>
-              <a:buSzPts val="1400"/>
-              <a:buNone/>
-              <a:defRPr b="0" i="0" sz="1800" u="none" cap="none" strike="noStrike"/>
+            <a:lvl3pPr marR="0" lvl="2" algn="l" rtl="0">
+              <a:spcBef>
+                <a:spcPts val="0"/>
+              </a:spcBef>
+              <a:spcAft>
+                <a:spcPts val="0"/>
+              </a:spcAft>
+              <a:buSzPts val="1400"/>
+              <a:buNone/>
+              <a:defRPr sz="1800" b="0" i="0" u="none" strike="noStrike" cap="none"/>
             </a:lvl3pPr>
-            <a:lvl4pPr lvl="3" marR="0" rtl="0" algn="l">
-              <a:spcBef>
-                <a:spcPts val="0"/>
-              </a:spcBef>
-              <a:spcAft>
-                <a:spcPts val="0"/>
-              </a:spcAft>
-              <a:buSzPts val="1400"/>
-              <a:buNone/>
-              <a:defRPr b="0" i="0" sz="1800" u="none" cap="none" strike="noStrike"/>
+            <a:lvl4pPr marR="0" lvl="3" algn="l" rtl="0">
+              <a:spcBef>
+                <a:spcPts val="0"/>
+              </a:spcBef>
+              <a:spcAft>
+                <a:spcPts val="0"/>
+              </a:spcAft>
+              <a:buSzPts val="1400"/>
+              <a:buNone/>
+              <a:defRPr sz="1800" b="0" i="0" u="none" strike="noStrike" cap="none"/>
             </a:lvl4pPr>
-            <a:lvl5pPr lvl="4" marR="0" rtl="0" algn="l">
-              <a:spcBef>
-                <a:spcPts val="0"/>
-              </a:spcBef>
-              <a:spcAft>
-                <a:spcPts val="0"/>
-              </a:spcAft>
-              <a:buSzPts val="1400"/>
-              <a:buNone/>
-              <a:defRPr b="0" i="0" sz="1800" u="none" cap="none" strike="noStrike"/>
+            <a:lvl5pPr marR="0" lvl="4" algn="l" rtl="0">
+              <a:spcBef>
+                <a:spcPts val="0"/>
+              </a:spcBef>
+              <a:spcAft>
+                <a:spcPts val="0"/>
+              </a:spcAft>
+              <a:buSzPts val="1400"/>
+              <a:buNone/>
+              <a:defRPr sz="1800" b="0" i="0" u="none" strike="noStrike" cap="none"/>
             </a:lvl5pPr>
-            <a:lvl6pPr lvl="5" marR="0" rtl="0" algn="l">
-              <a:spcBef>
-                <a:spcPts val="0"/>
-              </a:spcBef>
-              <a:spcAft>
-                <a:spcPts val="0"/>
-              </a:spcAft>
-              <a:buSzPts val="1400"/>
-              <a:buNone/>
-              <a:defRPr b="0" i="0" sz="1800" u="none" cap="none" strike="noStrike"/>
+            <a:lvl6pPr marR="0" lvl="5" algn="l" rtl="0">
+              <a:spcBef>
+                <a:spcPts val="0"/>
+              </a:spcBef>
+              <a:spcAft>
+                <a:spcPts val="0"/>
+              </a:spcAft>
+              <a:buSzPts val="1400"/>
+              <a:buNone/>
+              <a:defRPr sz="1800" b="0" i="0" u="none" strike="noStrike" cap="none"/>
             </a:lvl6pPr>
-            <a:lvl7pPr lvl="6" marR="0" rtl="0" algn="l">
-              <a:spcBef>
-                <a:spcPts val="0"/>
-              </a:spcBef>
-              <a:spcAft>
-                <a:spcPts val="0"/>
-              </a:spcAft>
-              <a:buSzPts val="1400"/>
-              <a:buNone/>
-              <a:defRPr b="0" i="0" sz="1800" u="none" cap="none" strike="noStrike"/>
+            <a:lvl7pPr marR="0" lvl="6" algn="l" rtl="0">
+              <a:spcBef>
+                <a:spcPts val="0"/>
+              </a:spcBef>
+              <a:spcAft>
+                <a:spcPts val="0"/>
+              </a:spcAft>
+              <a:buSzPts val="1400"/>
+              <a:buNone/>
+              <a:defRPr sz="1800" b="0" i="0" u="none" strike="noStrike" cap="none"/>
             </a:lvl7pPr>
-            <a:lvl8pPr lvl="7" marR="0" rtl="0" algn="l">
-              <a:spcBef>
-                <a:spcPts val="0"/>
-              </a:spcBef>
-              <a:spcAft>
-                <a:spcPts val="0"/>
-              </a:spcAft>
-              <a:buSzPts val="1400"/>
-              <a:buNone/>
-              <a:defRPr b="0" i="0" sz="1800" u="none" cap="none" strike="noStrike"/>
+            <a:lvl8pPr marR="0" lvl="7" algn="l" rtl="0">
+              <a:spcBef>
+                <a:spcPts val="0"/>
+              </a:spcBef>
+              <a:spcAft>
+                <a:spcPts val="0"/>
+              </a:spcAft>
+              <a:buSzPts val="1400"/>
+              <a:buNone/>
+              <a:defRPr sz="1800" b="0" i="0" u="none" strike="noStrike" cap="none"/>
             </a:lvl8pPr>
-            <a:lvl9pPr lvl="8" marR="0" rtl="0" algn="l">
-              <a:spcBef>
-                <a:spcPts val="0"/>
-              </a:spcBef>
-              <a:spcAft>
-                <a:spcPts val="0"/>
-              </a:spcAft>
-              <a:buSzPts val="1400"/>
-              <a:buNone/>
-              <a:defRPr b="0" i="0" sz="1800" u="none" cap="none" strike="noStrike"/>
+            <a:lvl9pPr marR="0" lvl="8" algn="l" rtl="0">
+              <a:spcBef>
+                <a:spcPts val="0"/>
+              </a:spcBef>
+              <a:spcAft>
+                <a:spcPts val="0"/>
+              </a:spcAft>
+              <a:buSzPts val="1400"/>
+              <a:buNone/>
+              <a:defRPr sz="1800" b="0" i="0" u="none" strike="noStrike" cap="none"/>
             </a:lvl9pPr>
           </a:lstStyle>
-          <a:p/>
+          <a:p>
+            <a:endParaRPr/>
+          </a:p>
         </p:txBody>
       </p:sp>
       <p:sp>
         <p:nvSpPr>
           <p:cNvPr id="9" name="Google Shape;9;p1"/>
-          <p:cNvSpPr txBox="1"/>
+          <p:cNvSpPr txBox="1">
+            <a:spLocks noGrp="1"/>
+          </p:cNvSpPr>
           <p:nvPr>
-            <p:ph idx="10" type="dt"/>
+            <p:ph type="dt" idx="10"/>
           </p:nvPr>
         </p:nvSpPr>
         <p:spPr>
@@ -3630,123 +3257,127 @@
           </a:ln>
         </p:spPr>
         <p:txBody>
-          <a:bodyPr anchorCtr="0" anchor="t" bIns="0" lIns="0" spcFirstLastPara="1" rIns="0" wrap="square" tIns="0">
+          <a:bodyPr spcFirstLastPara="1" wrap="square" lIns="0" tIns="0" rIns="0" bIns="0" anchor="t" anchorCtr="0">
             <a:noAutofit/>
           </a:bodyPr>
           <a:lstStyle>
-            <a:lvl1pPr lvl="0" marR="0" rtl="0" algn="l">
-              <a:spcBef>
-                <a:spcPts val="0"/>
-              </a:spcBef>
-              <a:spcAft>
-                <a:spcPts val="0"/>
-              </a:spcAft>
-              <a:buSzPts val="1400"/>
-              <a:buNone/>
-              <a:defRPr b="0" i="0" sz="1800" u="none" cap="none" strike="noStrike">
+            <a:lvl1pPr marR="0" lvl="0" algn="l" rtl="0">
+              <a:spcBef>
+                <a:spcPts val="0"/>
+              </a:spcBef>
+              <a:spcAft>
+                <a:spcPts val="0"/>
+              </a:spcAft>
+              <a:buSzPts val="1400"/>
+              <a:buNone/>
+              <a:defRPr sz="1800" b="0" i="0" u="none" strike="noStrike" cap="none">
                 <a:solidFill>
                   <a:srgbClr val="888888"/>
                 </a:solidFill>
               </a:defRPr>
             </a:lvl1pPr>
-            <a:lvl2pPr lvl="1" marR="0" rtl="0" algn="l">
-              <a:spcBef>
-                <a:spcPts val="0"/>
-              </a:spcBef>
-              <a:spcAft>
-                <a:spcPts val="0"/>
-              </a:spcAft>
-              <a:buSzPts val="1400"/>
-              <a:buNone/>
-              <a:defRPr b="0" i="0" sz="1800" u="none" cap="none" strike="noStrike"/>
+            <a:lvl2pPr marR="0" lvl="1" algn="l" rtl="0">
+              <a:spcBef>
+                <a:spcPts val="0"/>
+              </a:spcBef>
+              <a:spcAft>
+                <a:spcPts val="0"/>
+              </a:spcAft>
+              <a:buSzPts val="1400"/>
+              <a:buNone/>
+              <a:defRPr sz="1800" b="0" i="0" u="none" strike="noStrike" cap="none"/>
             </a:lvl2pPr>
-            <a:lvl3pPr lvl="2" marR="0" rtl="0" algn="l">
-              <a:spcBef>
-                <a:spcPts val="0"/>
-              </a:spcBef>
-              <a:spcAft>
-                <a:spcPts val="0"/>
-              </a:spcAft>
-              <a:buSzPts val="1400"/>
-              <a:buNone/>
-              <a:defRPr b="0" i="0" sz="1800" u="none" cap="none" strike="noStrike"/>
+            <a:lvl3pPr marR="0" lvl="2" algn="l" rtl="0">
+              <a:spcBef>
+                <a:spcPts val="0"/>
+              </a:spcBef>
+              <a:spcAft>
+                <a:spcPts val="0"/>
+              </a:spcAft>
+              <a:buSzPts val="1400"/>
+              <a:buNone/>
+              <a:defRPr sz="1800" b="0" i="0" u="none" strike="noStrike" cap="none"/>
             </a:lvl3pPr>
-            <a:lvl4pPr lvl="3" marR="0" rtl="0" algn="l">
-              <a:spcBef>
-                <a:spcPts val="0"/>
-              </a:spcBef>
-              <a:spcAft>
-                <a:spcPts val="0"/>
-              </a:spcAft>
-              <a:buSzPts val="1400"/>
-              <a:buNone/>
-              <a:defRPr b="0" i="0" sz="1800" u="none" cap="none" strike="noStrike"/>
+            <a:lvl4pPr marR="0" lvl="3" algn="l" rtl="0">
+              <a:spcBef>
+                <a:spcPts val="0"/>
+              </a:spcBef>
+              <a:spcAft>
+                <a:spcPts val="0"/>
+              </a:spcAft>
+              <a:buSzPts val="1400"/>
+              <a:buNone/>
+              <a:defRPr sz="1800" b="0" i="0" u="none" strike="noStrike" cap="none"/>
             </a:lvl4pPr>
-            <a:lvl5pPr lvl="4" marR="0" rtl="0" algn="l">
-              <a:spcBef>
-                <a:spcPts val="0"/>
-              </a:spcBef>
-              <a:spcAft>
-                <a:spcPts val="0"/>
-              </a:spcAft>
-              <a:buSzPts val="1400"/>
-              <a:buNone/>
-              <a:defRPr b="0" i="0" sz="1800" u="none" cap="none" strike="noStrike"/>
+            <a:lvl5pPr marR="0" lvl="4" algn="l" rtl="0">
+              <a:spcBef>
+                <a:spcPts val="0"/>
+              </a:spcBef>
+              <a:spcAft>
+                <a:spcPts val="0"/>
+              </a:spcAft>
+              <a:buSzPts val="1400"/>
+              <a:buNone/>
+              <a:defRPr sz="1800" b="0" i="0" u="none" strike="noStrike" cap="none"/>
             </a:lvl5pPr>
-            <a:lvl6pPr lvl="5" marR="0" rtl="0" algn="l">
-              <a:spcBef>
-                <a:spcPts val="0"/>
-              </a:spcBef>
-              <a:spcAft>
-                <a:spcPts val="0"/>
-              </a:spcAft>
-              <a:buSzPts val="1400"/>
-              <a:buNone/>
-              <a:defRPr b="0" i="0" sz="1800" u="none" cap="none" strike="noStrike"/>
+            <a:lvl6pPr marR="0" lvl="5" algn="l" rtl="0">
+              <a:spcBef>
+                <a:spcPts val="0"/>
+              </a:spcBef>
+              <a:spcAft>
+                <a:spcPts val="0"/>
+              </a:spcAft>
+              <a:buSzPts val="1400"/>
+              <a:buNone/>
+              <a:defRPr sz="1800" b="0" i="0" u="none" strike="noStrike" cap="none"/>
             </a:lvl6pPr>
-            <a:lvl7pPr lvl="6" marR="0" rtl="0" algn="l">
-              <a:spcBef>
-                <a:spcPts val="0"/>
-              </a:spcBef>
-              <a:spcAft>
-                <a:spcPts val="0"/>
-              </a:spcAft>
-              <a:buSzPts val="1400"/>
-              <a:buNone/>
-              <a:defRPr b="0" i="0" sz="1800" u="none" cap="none" strike="noStrike"/>
+            <a:lvl7pPr marR="0" lvl="6" algn="l" rtl="0">
+              <a:spcBef>
+                <a:spcPts val="0"/>
+              </a:spcBef>
+              <a:spcAft>
+                <a:spcPts val="0"/>
+              </a:spcAft>
+              <a:buSzPts val="1400"/>
+              <a:buNone/>
+              <a:defRPr sz="1800" b="0" i="0" u="none" strike="noStrike" cap="none"/>
             </a:lvl7pPr>
-            <a:lvl8pPr lvl="7" marR="0" rtl="0" algn="l">
-              <a:spcBef>
-                <a:spcPts val="0"/>
-              </a:spcBef>
-              <a:spcAft>
-                <a:spcPts val="0"/>
-              </a:spcAft>
-              <a:buSzPts val="1400"/>
-              <a:buNone/>
-              <a:defRPr b="0" i="0" sz="1800" u="none" cap="none" strike="noStrike"/>
+            <a:lvl8pPr marR="0" lvl="7" algn="l" rtl="0">
+              <a:spcBef>
+                <a:spcPts val="0"/>
+              </a:spcBef>
+              <a:spcAft>
+                <a:spcPts val="0"/>
+              </a:spcAft>
+              <a:buSzPts val="1400"/>
+              <a:buNone/>
+              <a:defRPr sz="1800" b="0" i="0" u="none" strike="noStrike" cap="none"/>
             </a:lvl8pPr>
-            <a:lvl9pPr lvl="8" marR="0" rtl="0" algn="l">
-              <a:spcBef>
-                <a:spcPts val="0"/>
-              </a:spcBef>
-              <a:spcAft>
-                <a:spcPts val="0"/>
-              </a:spcAft>
-              <a:buSzPts val="1400"/>
-              <a:buNone/>
-              <a:defRPr b="0" i="0" sz="1800" u="none" cap="none" strike="noStrike"/>
+            <a:lvl9pPr marR="0" lvl="8" algn="l" rtl="0">
+              <a:spcBef>
+                <a:spcPts val="0"/>
+              </a:spcBef>
+              <a:spcAft>
+                <a:spcPts val="0"/>
+              </a:spcAft>
+              <a:buSzPts val="1400"/>
+              <a:buNone/>
+              <a:defRPr sz="1800" b="0" i="0" u="none" strike="noStrike" cap="none"/>
             </a:lvl9pPr>
           </a:lstStyle>
-          <a:p/>
+          <a:p>
+            <a:endParaRPr/>
+          </a:p>
         </p:txBody>
       </p:sp>
       <p:sp>
         <p:nvSpPr>
           <p:cNvPr id="10" name="Google Shape;10;p1"/>
-          <p:cNvSpPr txBox="1"/>
+          <p:cNvSpPr txBox="1">
+            <a:spLocks noGrp="1"/>
+          </p:cNvSpPr>
           <p:nvPr>
-            <p:ph idx="12" type="sldNum"/>
+            <p:ph type="sldNum" idx="12"/>
           </p:nvPr>
         </p:nvSpPr>
         <p:spPr>
@@ -3763,104 +3394,104 @@
           </a:ln>
         </p:spPr>
         <p:txBody>
-          <a:bodyPr anchorCtr="0" anchor="t" bIns="0" lIns="0" spcFirstLastPara="1" rIns="0" wrap="square" tIns="0">
+          <a:bodyPr spcFirstLastPara="1" wrap="square" lIns="0" tIns="0" rIns="0" bIns="0" anchor="t" anchorCtr="0">
             <a:noAutofit/>
           </a:bodyPr>
           <a:lstStyle>
-            <a:lvl1pPr indent="0" lvl="0" marL="0" marR="0" rtl="0" algn="r">
-              <a:spcBef>
-                <a:spcPts val="0"/>
-              </a:spcBef>
-              <a:buNone/>
-              <a:defRPr b="0" i="0" sz="1800" u="none" cap="none" strike="noStrike">
+            <a:lvl1pPr marL="0" marR="0" lvl="0" indent="0" algn="r" rtl="0">
+              <a:spcBef>
+                <a:spcPts val="0"/>
+              </a:spcBef>
+              <a:buNone/>
+              <a:defRPr sz="1800" b="0" i="0" u="none" strike="noStrike" cap="none">
                 <a:solidFill>
                   <a:srgbClr val="888888"/>
                 </a:solidFill>
               </a:defRPr>
             </a:lvl1pPr>
-            <a:lvl2pPr indent="0" lvl="1" marL="0" marR="0" rtl="0" algn="r">
-              <a:spcBef>
-                <a:spcPts val="0"/>
-              </a:spcBef>
-              <a:buNone/>
-              <a:defRPr b="0" i="0" sz="1800" u="none" cap="none" strike="noStrike">
+            <a:lvl2pPr marL="0" marR="0" lvl="1" indent="0" algn="r" rtl="0">
+              <a:spcBef>
+                <a:spcPts val="0"/>
+              </a:spcBef>
+              <a:buNone/>
+              <a:defRPr sz="1800" b="0" i="0" u="none" strike="noStrike" cap="none">
                 <a:solidFill>
                   <a:srgbClr val="888888"/>
                 </a:solidFill>
               </a:defRPr>
             </a:lvl2pPr>
-            <a:lvl3pPr indent="0" lvl="2" marL="0" marR="0" rtl="0" algn="r">
-              <a:spcBef>
-                <a:spcPts val="0"/>
-              </a:spcBef>
-              <a:buNone/>
-              <a:defRPr b="0" i="0" sz="1800" u="none" cap="none" strike="noStrike">
+            <a:lvl3pPr marL="0" marR="0" lvl="2" indent="0" algn="r" rtl="0">
+              <a:spcBef>
+                <a:spcPts val="0"/>
+              </a:spcBef>
+              <a:buNone/>
+              <a:defRPr sz="1800" b="0" i="0" u="none" strike="noStrike" cap="none">
                 <a:solidFill>
                   <a:srgbClr val="888888"/>
                 </a:solidFill>
               </a:defRPr>
             </a:lvl3pPr>
-            <a:lvl4pPr indent="0" lvl="3" marL="0" marR="0" rtl="0" algn="r">
-              <a:spcBef>
-                <a:spcPts val="0"/>
-              </a:spcBef>
-              <a:buNone/>
-              <a:defRPr b="0" i="0" sz="1800" u="none" cap="none" strike="noStrike">
+            <a:lvl4pPr marL="0" marR="0" lvl="3" indent="0" algn="r" rtl="0">
+              <a:spcBef>
+                <a:spcPts val="0"/>
+              </a:spcBef>
+              <a:buNone/>
+              <a:defRPr sz="1800" b="0" i="0" u="none" strike="noStrike" cap="none">
                 <a:solidFill>
                   <a:srgbClr val="888888"/>
                 </a:solidFill>
               </a:defRPr>
             </a:lvl4pPr>
-            <a:lvl5pPr indent="0" lvl="4" marL="0" marR="0" rtl="0" algn="r">
-              <a:spcBef>
-                <a:spcPts val="0"/>
-              </a:spcBef>
-              <a:buNone/>
-              <a:defRPr b="0" i="0" sz="1800" u="none" cap="none" strike="noStrike">
+            <a:lvl5pPr marL="0" marR="0" lvl="4" indent="0" algn="r" rtl="0">
+              <a:spcBef>
+                <a:spcPts val="0"/>
+              </a:spcBef>
+              <a:buNone/>
+              <a:defRPr sz="1800" b="0" i="0" u="none" strike="noStrike" cap="none">
                 <a:solidFill>
                   <a:srgbClr val="888888"/>
                 </a:solidFill>
               </a:defRPr>
             </a:lvl5pPr>
-            <a:lvl6pPr indent="0" lvl="5" marL="0" marR="0" rtl="0" algn="r">
-              <a:spcBef>
-                <a:spcPts val="0"/>
-              </a:spcBef>
-              <a:buNone/>
-              <a:defRPr b="0" i="0" sz="1800" u="none" cap="none" strike="noStrike">
+            <a:lvl6pPr marL="0" marR="0" lvl="5" indent="0" algn="r" rtl="0">
+              <a:spcBef>
+                <a:spcPts val="0"/>
+              </a:spcBef>
+              <a:buNone/>
+              <a:defRPr sz="1800" b="0" i="0" u="none" strike="noStrike" cap="none">
                 <a:solidFill>
                   <a:srgbClr val="888888"/>
                 </a:solidFill>
               </a:defRPr>
             </a:lvl6pPr>
-            <a:lvl7pPr indent="0" lvl="6" marL="0" marR="0" rtl="0" algn="r">
-              <a:spcBef>
-                <a:spcPts val="0"/>
-              </a:spcBef>
-              <a:buNone/>
-              <a:defRPr b="0" i="0" sz="1800" u="none" cap="none" strike="noStrike">
+            <a:lvl7pPr marL="0" marR="0" lvl="6" indent="0" algn="r" rtl="0">
+              <a:spcBef>
+                <a:spcPts val="0"/>
+              </a:spcBef>
+              <a:buNone/>
+              <a:defRPr sz="1800" b="0" i="0" u="none" strike="noStrike" cap="none">
                 <a:solidFill>
                   <a:srgbClr val="888888"/>
                 </a:solidFill>
               </a:defRPr>
             </a:lvl7pPr>
-            <a:lvl8pPr indent="0" lvl="7" marL="0" marR="0" rtl="0" algn="r">
-              <a:spcBef>
-                <a:spcPts val="0"/>
-              </a:spcBef>
-              <a:buNone/>
-              <a:defRPr b="0" i="0" sz="1800" u="none" cap="none" strike="noStrike">
+            <a:lvl8pPr marL="0" marR="0" lvl="7" indent="0" algn="r" rtl="0">
+              <a:spcBef>
+                <a:spcPts val="0"/>
+              </a:spcBef>
+              <a:buNone/>
+              <a:defRPr sz="1800" b="0" i="0" u="none" strike="noStrike" cap="none">
                 <a:solidFill>
                   <a:srgbClr val="888888"/>
                 </a:solidFill>
               </a:defRPr>
             </a:lvl8pPr>
-            <a:lvl9pPr indent="0" lvl="8" marL="0" marR="0" rtl="0" algn="r">
-              <a:spcBef>
-                <a:spcPts val="0"/>
-              </a:spcBef>
-              <a:buNone/>
-              <a:defRPr b="0" i="0" sz="1800" u="none" cap="none" strike="noStrike">
+            <a:lvl9pPr marL="0" marR="0" lvl="8" indent="0" algn="r" rtl="0">
+              <a:spcBef>
+                <a:spcPts val="0"/>
+              </a:spcBef>
+              <a:buNone/>
+              <a:defRPr sz="1800" b="0" i="0" u="none" strike="noStrike" cap="none">
                 <a:solidFill>
                   <a:srgbClr val="888888"/>
                 </a:solidFill>
@@ -3868,7 +3499,7 @@
             </a:lvl9pPr>
           </a:lstStyle>
           <a:p>
-            <a:pPr indent="0" lvl="0" marL="0" rtl="0" algn="r">
+            <a:pPr marL="0" lvl="0" indent="0" algn="r" rtl="0">
               <a:spcBef>
                 <a:spcPts val="0"/>
               </a:spcBef>
@@ -3891,14 +3522,14 @@
       </p:sp>
     </p:spTree>
   </p:cSld>
-  <p:clrMap accent1="accent1" accent2="accent2" accent3="accent3" accent4="accent4" accent5="accent5" accent6="accent6" bg1="lt1" bg2="dk2" tx1="dk1" tx2="lt2" folHlink="folHlink" hlink="hlink"/>
+  <p:clrMap bg1="lt1" tx1="dk1" bg2="dk2" tx2="lt2" accent1="accent1" accent2="accent2" accent3="accent3" accent4="accent4" accent5="accent5" accent6="accent6" hlink="hlink" folHlink="folHlink"/>
   <p:sldLayoutIdLst>
     <p:sldLayoutId id="2147483648" r:id="rId1"/>
   </p:sldLayoutIdLst>
-  <p:hf dt="0" ftr="0" hdr="0" sldNum="0"/>
+  <p:hf sldNum="0" hdr="0" ftr="0" dt="0"/>
   <p:txStyles>
     <p:titleStyle>
-      <a:defPPr lvl="0" marR="0" rtl="0" algn="l">
+      <a:defPPr marR="0" lvl="0" algn="l" rtl="0">
         <a:lnSpc>
           <a:spcPct val="100000"/>
         </a:lnSpc>
@@ -3909,7 +3540,7 @@
           <a:spcPts val="0"/>
         </a:spcAft>
       </a:defPPr>
-      <a:lvl1pPr lvl="0" marR="0" rtl="0" algn="l">
+      <a:lvl1pPr marR="0" lvl="0" algn="l" rtl="0">
         <a:lnSpc>
           <a:spcPct val="100000"/>
         </a:lnSpc>
@@ -3923,7 +3554,7 @@
           <a:srgbClr val="000000"/>
         </a:buClr>
         <a:buFont typeface="Arial"/>
-        <a:defRPr b="0" i="0" sz="1400" u="none" cap="none" strike="noStrike">
+        <a:defRPr sz="1400" b="0" i="0" u="none" strike="noStrike" cap="none">
           <a:solidFill>
             <a:srgbClr val="000000"/>
           </a:solidFill>
@@ -3933,7 +3564,7 @@
           <a:sym typeface="Arial"/>
         </a:defRPr>
       </a:lvl1pPr>
-      <a:lvl2pPr lvl="1" marR="0" rtl="0" algn="l">
+      <a:lvl2pPr marR="0" lvl="1" algn="l" rtl="0">
         <a:lnSpc>
           <a:spcPct val="100000"/>
         </a:lnSpc>
@@ -3947,7 +3578,7 @@
           <a:srgbClr val="000000"/>
         </a:buClr>
         <a:buFont typeface="Arial"/>
-        <a:defRPr b="0" i="0" sz="1400" u="none" cap="none" strike="noStrike">
+        <a:defRPr sz="1400" b="0" i="0" u="none" strike="noStrike" cap="none">
           <a:solidFill>
             <a:srgbClr val="000000"/>
           </a:solidFill>
@@ -3957,7 +3588,7 @@
           <a:sym typeface="Arial"/>
         </a:defRPr>
       </a:lvl2pPr>
-      <a:lvl3pPr lvl="2" marR="0" rtl="0" algn="l">
+      <a:lvl3pPr marR="0" lvl="2" algn="l" rtl="0">
         <a:lnSpc>
           <a:spcPct val="100000"/>
         </a:lnSpc>
@@ -3971,7 +3602,7 @@
           <a:srgbClr val="000000"/>
         </a:buClr>
         <a:buFont typeface="Arial"/>
-        <a:defRPr b="0" i="0" sz="1400" u="none" cap="none" strike="noStrike">
+        <a:defRPr sz="1400" b="0" i="0" u="none" strike="noStrike" cap="none">
           <a:solidFill>
             <a:srgbClr val="000000"/>
           </a:solidFill>
@@ -3981,7 +3612,7 @@
           <a:sym typeface="Arial"/>
         </a:defRPr>
       </a:lvl3pPr>
-      <a:lvl4pPr lvl="3" marR="0" rtl="0" algn="l">
+      <a:lvl4pPr marR="0" lvl="3" algn="l" rtl="0">
         <a:lnSpc>
           <a:spcPct val="100000"/>
         </a:lnSpc>
@@ -3995,7 +3626,7 @@
           <a:srgbClr val="000000"/>
         </a:buClr>
         <a:buFont typeface="Arial"/>
-        <a:defRPr b="0" i="0" sz="1400" u="none" cap="none" strike="noStrike">
+        <a:defRPr sz="1400" b="0" i="0" u="none" strike="noStrike" cap="none">
           <a:solidFill>
             <a:srgbClr val="000000"/>
           </a:solidFill>
@@ -4005,7 +3636,7 @@
           <a:sym typeface="Arial"/>
         </a:defRPr>
       </a:lvl4pPr>
-      <a:lvl5pPr lvl="4" marR="0" rtl="0" algn="l">
+      <a:lvl5pPr marR="0" lvl="4" algn="l" rtl="0">
         <a:lnSpc>
           <a:spcPct val="100000"/>
         </a:lnSpc>
@@ -4019,7 +3650,7 @@
           <a:srgbClr val="000000"/>
         </a:buClr>
         <a:buFont typeface="Arial"/>
-        <a:defRPr b="0" i="0" sz="1400" u="none" cap="none" strike="noStrike">
+        <a:defRPr sz="1400" b="0" i="0" u="none" strike="noStrike" cap="none">
           <a:solidFill>
             <a:srgbClr val="000000"/>
           </a:solidFill>
@@ -4029,7 +3660,7 @@
           <a:sym typeface="Arial"/>
         </a:defRPr>
       </a:lvl5pPr>
-      <a:lvl6pPr lvl="5" marR="0" rtl="0" algn="l">
+      <a:lvl6pPr marR="0" lvl="5" algn="l" rtl="0">
         <a:lnSpc>
           <a:spcPct val="100000"/>
         </a:lnSpc>
@@ -4043,7 +3674,7 @@
           <a:srgbClr val="000000"/>
         </a:buClr>
         <a:buFont typeface="Arial"/>
-        <a:defRPr b="0" i="0" sz="1400" u="none" cap="none" strike="noStrike">
+        <a:defRPr sz="1400" b="0" i="0" u="none" strike="noStrike" cap="none">
           <a:solidFill>
             <a:srgbClr val="000000"/>
           </a:solidFill>
@@ -4053,7 +3684,7 @@
           <a:sym typeface="Arial"/>
         </a:defRPr>
       </a:lvl6pPr>
-      <a:lvl7pPr lvl="6" marR="0" rtl="0" algn="l">
+      <a:lvl7pPr marR="0" lvl="6" algn="l" rtl="0">
         <a:lnSpc>
           <a:spcPct val="100000"/>
         </a:lnSpc>
@@ -4067,7 +3698,7 @@
           <a:srgbClr val="000000"/>
         </a:buClr>
         <a:buFont typeface="Arial"/>
-        <a:defRPr b="0" i="0" sz="1400" u="none" cap="none" strike="noStrike">
+        <a:defRPr sz="1400" b="0" i="0" u="none" strike="noStrike" cap="none">
           <a:solidFill>
             <a:srgbClr val="000000"/>
           </a:solidFill>
@@ -4077,7 +3708,7 @@
           <a:sym typeface="Arial"/>
         </a:defRPr>
       </a:lvl7pPr>
-      <a:lvl8pPr lvl="7" marR="0" rtl="0" algn="l">
+      <a:lvl8pPr marR="0" lvl="7" algn="l" rtl="0">
         <a:lnSpc>
           <a:spcPct val="100000"/>
         </a:lnSpc>
@@ -4091,7 +3722,7 @@
           <a:srgbClr val="000000"/>
         </a:buClr>
         <a:buFont typeface="Arial"/>
-        <a:defRPr b="0" i="0" sz="1400" u="none" cap="none" strike="noStrike">
+        <a:defRPr sz="1400" b="0" i="0" u="none" strike="noStrike" cap="none">
           <a:solidFill>
             <a:srgbClr val="000000"/>
           </a:solidFill>
@@ -4101,7 +3732,7 @@
           <a:sym typeface="Arial"/>
         </a:defRPr>
       </a:lvl8pPr>
-      <a:lvl9pPr lvl="8" marR="0" rtl="0" algn="l">
+      <a:lvl9pPr marR="0" lvl="8" algn="l" rtl="0">
         <a:lnSpc>
           <a:spcPct val="100000"/>
         </a:lnSpc>
@@ -4115,7 +3746,7 @@
           <a:srgbClr val="000000"/>
         </a:buClr>
         <a:buFont typeface="Arial"/>
-        <a:defRPr b="0" i="0" sz="1400" u="none" cap="none" strike="noStrike">
+        <a:defRPr sz="1400" b="0" i="0" u="none" strike="noStrike" cap="none">
           <a:solidFill>
             <a:srgbClr val="000000"/>
           </a:solidFill>
@@ -4127,7 +3758,7 @@
       </a:lvl9pPr>
     </p:titleStyle>
     <p:bodyStyle>
-      <a:defPPr lvl="0" marR="0" rtl="0" algn="l">
+      <a:defPPr marR="0" lvl="0" algn="l" rtl="0">
         <a:lnSpc>
           <a:spcPct val="100000"/>
         </a:lnSpc>
@@ -4138,7 +3769,7 @@
           <a:spcPts val="0"/>
         </a:spcAft>
       </a:defPPr>
-      <a:lvl1pPr lvl="0" marR="0" rtl="0" algn="l">
+      <a:lvl1pPr marR="0" lvl="0" algn="l" rtl="0">
         <a:lnSpc>
           <a:spcPct val="100000"/>
         </a:lnSpc>
@@ -4152,7 +3783,7 @@
           <a:srgbClr val="000000"/>
         </a:buClr>
         <a:buFont typeface="Arial"/>
-        <a:defRPr b="0" i="0" sz="1400" u="none" cap="none" strike="noStrike">
+        <a:defRPr sz="1400" b="0" i="0" u="none" strike="noStrike" cap="none">
           <a:solidFill>
             <a:srgbClr val="000000"/>
           </a:solidFill>
@@ -4162,7 +3793,7 @@
           <a:sym typeface="Arial"/>
         </a:defRPr>
       </a:lvl1pPr>
-      <a:lvl2pPr lvl="1" marR="0" rtl="0" algn="l">
+      <a:lvl2pPr marR="0" lvl="1" algn="l" rtl="0">
         <a:lnSpc>
           <a:spcPct val="100000"/>
         </a:lnSpc>
@@ -4176,7 +3807,7 @@
           <a:srgbClr val="000000"/>
         </a:buClr>
         <a:buFont typeface="Arial"/>
-        <a:defRPr b="0" i="0" sz="1400" u="none" cap="none" strike="noStrike">
+        <a:defRPr sz="1400" b="0" i="0" u="none" strike="noStrike" cap="none">
           <a:solidFill>
             <a:srgbClr val="000000"/>
           </a:solidFill>
@@ -4186,7 +3817,7 @@
           <a:sym typeface="Arial"/>
         </a:defRPr>
       </a:lvl2pPr>
-      <a:lvl3pPr lvl="2" marR="0" rtl="0" algn="l">
+      <a:lvl3pPr marR="0" lvl="2" algn="l" rtl="0">
         <a:lnSpc>
           <a:spcPct val="100000"/>
         </a:lnSpc>
@@ -4200,7 +3831,7 @@
           <a:srgbClr val="000000"/>
         </a:buClr>
         <a:buFont typeface="Arial"/>
-        <a:defRPr b="0" i="0" sz="1400" u="none" cap="none" strike="noStrike">
+        <a:defRPr sz="1400" b="0" i="0" u="none" strike="noStrike" cap="none">
           <a:solidFill>
             <a:srgbClr val="000000"/>
           </a:solidFill>
@@ -4210,7 +3841,7 @@
           <a:sym typeface="Arial"/>
         </a:defRPr>
       </a:lvl3pPr>
-      <a:lvl4pPr lvl="3" marR="0" rtl="0" algn="l">
+      <a:lvl4pPr marR="0" lvl="3" algn="l" rtl="0">
         <a:lnSpc>
           <a:spcPct val="100000"/>
         </a:lnSpc>
@@ -4224,7 +3855,7 @@
           <a:srgbClr val="000000"/>
         </a:buClr>
         <a:buFont typeface="Arial"/>
-        <a:defRPr b="0" i="0" sz="1400" u="none" cap="none" strike="noStrike">
+        <a:defRPr sz="1400" b="0" i="0" u="none" strike="noStrike" cap="none">
           <a:solidFill>
             <a:srgbClr val="000000"/>
           </a:solidFill>
@@ -4234,7 +3865,7 @@
           <a:sym typeface="Arial"/>
         </a:defRPr>
       </a:lvl4pPr>
-      <a:lvl5pPr lvl="4" marR="0" rtl="0" algn="l">
+      <a:lvl5pPr marR="0" lvl="4" algn="l" rtl="0">
         <a:lnSpc>
           <a:spcPct val="100000"/>
         </a:lnSpc>
@@ -4248,7 +3879,7 @@
           <a:srgbClr val="000000"/>
         </a:buClr>
         <a:buFont typeface="Arial"/>
-        <a:defRPr b="0" i="0" sz="1400" u="none" cap="none" strike="noStrike">
+        <a:defRPr sz="1400" b="0" i="0" u="none" strike="noStrike" cap="none">
           <a:solidFill>
             <a:srgbClr val="000000"/>
           </a:solidFill>
@@ -4258,7 +3889,7 @@
           <a:sym typeface="Arial"/>
         </a:defRPr>
       </a:lvl5pPr>
-      <a:lvl6pPr lvl="5" marR="0" rtl="0" algn="l">
+      <a:lvl6pPr marR="0" lvl="5" algn="l" rtl="0">
         <a:lnSpc>
           <a:spcPct val="100000"/>
         </a:lnSpc>
@@ -4272,7 +3903,7 @@
           <a:srgbClr val="000000"/>
         </a:buClr>
         <a:buFont typeface="Arial"/>
-        <a:defRPr b="0" i="0" sz="1400" u="none" cap="none" strike="noStrike">
+        <a:defRPr sz="1400" b="0" i="0" u="none" strike="noStrike" cap="none">
           <a:solidFill>
             <a:srgbClr val="000000"/>
           </a:solidFill>
@@ -4282,7 +3913,7 @@
           <a:sym typeface="Arial"/>
         </a:defRPr>
       </a:lvl6pPr>
-      <a:lvl7pPr lvl="6" marR="0" rtl="0" algn="l">
+      <a:lvl7pPr marR="0" lvl="6" algn="l" rtl="0">
         <a:lnSpc>
           <a:spcPct val="100000"/>
         </a:lnSpc>
@@ -4296,7 +3927,7 @@
           <a:srgbClr val="000000"/>
         </a:buClr>
         <a:buFont typeface="Arial"/>
-        <a:defRPr b="0" i="0" sz="1400" u="none" cap="none" strike="noStrike">
+        <a:defRPr sz="1400" b="0" i="0" u="none" strike="noStrike" cap="none">
           <a:solidFill>
             <a:srgbClr val="000000"/>
           </a:solidFill>
@@ -4306,7 +3937,7 @@
           <a:sym typeface="Arial"/>
         </a:defRPr>
       </a:lvl7pPr>
-      <a:lvl8pPr lvl="7" marR="0" rtl="0" algn="l">
+      <a:lvl8pPr marR="0" lvl="7" algn="l" rtl="0">
         <a:lnSpc>
           <a:spcPct val="100000"/>
         </a:lnSpc>
@@ -4320,7 +3951,7 @@
           <a:srgbClr val="000000"/>
         </a:buClr>
         <a:buFont typeface="Arial"/>
-        <a:defRPr b="0" i="0" sz="1400" u="none" cap="none" strike="noStrike">
+        <a:defRPr sz="1400" b="0" i="0" u="none" strike="noStrike" cap="none">
           <a:solidFill>
             <a:srgbClr val="000000"/>
           </a:solidFill>
@@ -4330,7 +3961,7 @@
           <a:sym typeface="Arial"/>
         </a:defRPr>
       </a:lvl8pPr>
-      <a:lvl9pPr lvl="8" marR="0" rtl="0" algn="l">
+      <a:lvl9pPr marR="0" lvl="8" algn="l" rtl="0">
         <a:lnSpc>
           <a:spcPct val="100000"/>
         </a:lnSpc>
@@ -4344,7 +3975,7 @@
           <a:srgbClr val="000000"/>
         </a:buClr>
         <a:buFont typeface="Arial"/>
-        <a:defRPr b="0" i="0" sz="1400" u="none" cap="none" strike="noStrike">
+        <a:defRPr sz="1400" b="0" i="0" u="none" strike="noStrike" cap="none">
           <a:solidFill>
             <a:srgbClr val="000000"/>
           </a:solidFill>
@@ -4356,7 +3987,7 @@
       </a:lvl9pPr>
     </p:bodyStyle>
     <p:otherStyle>
-      <a:defPPr lvl="0" marR="0" rtl="0" algn="l">
+      <a:defPPr marR="0" lvl="0" algn="l" rtl="0">
         <a:lnSpc>
           <a:spcPct val="100000"/>
         </a:lnSpc>
@@ -4367,7 +3998,7 @@
           <a:spcPts val="0"/>
         </a:spcAft>
       </a:defPPr>
-      <a:lvl1pPr lvl="0" marR="0" rtl="0" algn="l">
+      <a:lvl1pPr marR="0" lvl="0" algn="l" rtl="0">
         <a:lnSpc>
           <a:spcPct val="100000"/>
         </a:lnSpc>
@@ -4381,7 +4012,7 @@
           <a:srgbClr val="000000"/>
         </a:buClr>
         <a:buFont typeface="Arial"/>
-        <a:defRPr b="0" i="0" sz="1400" u="none" cap="none" strike="noStrike">
+        <a:defRPr sz="1400" b="0" i="0" u="none" strike="noStrike" cap="none">
           <a:solidFill>
             <a:srgbClr val="000000"/>
           </a:solidFill>
@@ -4391,7 +4022,7 @@
           <a:sym typeface="Arial"/>
         </a:defRPr>
       </a:lvl1pPr>
-      <a:lvl2pPr lvl="1" marR="0" rtl="0" algn="l">
+      <a:lvl2pPr marR="0" lvl="1" algn="l" rtl="0">
         <a:lnSpc>
           <a:spcPct val="100000"/>
         </a:lnSpc>
@@ -4405,7 +4036,7 @@
           <a:srgbClr val="000000"/>
         </a:buClr>
         <a:buFont typeface="Arial"/>
-        <a:defRPr b="0" i="0" sz="1400" u="none" cap="none" strike="noStrike">
+        <a:defRPr sz="1400" b="0" i="0" u="none" strike="noStrike" cap="none">
           <a:solidFill>
             <a:srgbClr val="000000"/>
           </a:solidFill>
@@ -4415,7 +4046,7 @@
           <a:sym typeface="Arial"/>
         </a:defRPr>
       </a:lvl2pPr>
-      <a:lvl3pPr lvl="2" marR="0" rtl="0" algn="l">
+      <a:lvl3pPr marR="0" lvl="2" algn="l" rtl="0">
         <a:lnSpc>
           <a:spcPct val="100000"/>
         </a:lnSpc>
@@ -4429,7 +4060,7 @@
           <a:srgbClr val="000000"/>
         </a:buClr>
         <a:buFont typeface="Arial"/>
-        <a:defRPr b="0" i="0" sz="1400" u="none" cap="none" strike="noStrike">
+        <a:defRPr sz="1400" b="0" i="0" u="none" strike="noStrike" cap="none">
           <a:solidFill>
             <a:srgbClr val="000000"/>
           </a:solidFill>
@@ -4439,7 +4070,7 @@
           <a:sym typeface="Arial"/>
         </a:defRPr>
       </a:lvl3pPr>
-      <a:lvl4pPr lvl="3" marR="0" rtl="0" algn="l">
+      <a:lvl4pPr marR="0" lvl="3" algn="l" rtl="0">
         <a:lnSpc>
           <a:spcPct val="100000"/>
         </a:lnSpc>
@@ -4453,7 +4084,7 @@
           <a:srgbClr val="000000"/>
         </a:buClr>
         <a:buFont typeface="Arial"/>
-        <a:defRPr b="0" i="0" sz="1400" u="none" cap="none" strike="noStrike">
+        <a:defRPr sz="1400" b="0" i="0" u="none" strike="noStrike" cap="none">
           <a:solidFill>
             <a:srgbClr val="000000"/>
           </a:solidFill>
@@ -4463,7 +4094,7 @@
           <a:sym typeface="Arial"/>
         </a:defRPr>
       </a:lvl4pPr>
-      <a:lvl5pPr lvl="4" marR="0" rtl="0" algn="l">
+      <a:lvl5pPr marR="0" lvl="4" algn="l" rtl="0">
         <a:lnSpc>
           <a:spcPct val="100000"/>
         </a:lnSpc>
@@ -4477,7 +4108,7 @@
           <a:srgbClr val="000000"/>
         </a:buClr>
         <a:buFont typeface="Arial"/>
-        <a:defRPr b="0" i="0" sz="1400" u="none" cap="none" strike="noStrike">
+        <a:defRPr sz="1400" b="0" i="0" u="none" strike="noStrike" cap="none">
           <a:solidFill>
             <a:srgbClr val="000000"/>
           </a:solidFill>
@@ -4487,7 +4118,7 @@
           <a:sym typeface="Arial"/>
         </a:defRPr>
       </a:lvl5pPr>
-      <a:lvl6pPr lvl="5" marR="0" rtl="0" algn="l">
+      <a:lvl6pPr marR="0" lvl="5" algn="l" rtl="0">
         <a:lnSpc>
           <a:spcPct val="100000"/>
         </a:lnSpc>
@@ -4501,7 +4132,7 @@
           <a:srgbClr val="000000"/>
         </a:buClr>
         <a:buFont typeface="Arial"/>
-        <a:defRPr b="0" i="0" sz="1400" u="none" cap="none" strike="noStrike">
+        <a:defRPr sz="1400" b="0" i="0" u="none" strike="noStrike" cap="none">
           <a:solidFill>
             <a:srgbClr val="000000"/>
           </a:solidFill>
@@ -4511,7 +4142,7 @@
           <a:sym typeface="Arial"/>
         </a:defRPr>
       </a:lvl6pPr>
-      <a:lvl7pPr lvl="6" marR="0" rtl="0" algn="l">
+      <a:lvl7pPr marR="0" lvl="6" algn="l" rtl="0">
         <a:lnSpc>
           <a:spcPct val="100000"/>
         </a:lnSpc>
@@ -4525,7 +4156,7 @@
           <a:srgbClr val="000000"/>
         </a:buClr>
         <a:buFont typeface="Arial"/>
-        <a:defRPr b="0" i="0" sz="1400" u="none" cap="none" strike="noStrike">
+        <a:defRPr sz="1400" b="0" i="0" u="none" strike="noStrike" cap="none">
           <a:solidFill>
             <a:srgbClr val="000000"/>
           </a:solidFill>
@@ -4535,7 +4166,7 @@
           <a:sym typeface="Arial"/>
         </a:defRPr>
       </a:lvl7pPr>
-      <a:lvl8pPr lvl="7" marR="0" rtl="0" algn="l">
+      <a:lvl8pPr marR="0" lvl="7" algn="l" rtl="0">
         <a:lnSpc>
           <a:spcPct val="100000"/>
         </a:lnSpc>
@@ -4549,7 +4180,7 @@
           <a:srgbClr val="000000"/>
         </a:buClr>
         <a:buFont typeface="Arial"/>
-        <a:defRPr b="0" i="0" sz="1400" u="none" cap="none" strike="noStrike">
+        <a:defRPr sz="1400" b="0" i="0" u="none" strike="noStrike" cap="none">
           <a:solidFill>
             <a:srgbClr val="000000"/>
           </a:solidFill>
@@ -4559,7 +4190,7 @@
           <a:sym typeface="Arial"/>
         </a:defRPr>
       </a:lvl8pPr>
-      <a:lvl9pPr lvl="8" marR="0" rtl="0" algn="l">
+      <a:lvl9pPr marR="0" lvl="8" algn="l" rtl="0">
         <a:lnSpc>
           <a:spcPct val="100000"/>
         </a:lnSpc>
@@ -4573,7 +4204,7 @@
           <a:srgbClr val="000000"/>
         </a:buClr>
         <a:buFont typeface="Arial"/>
-        <a:defRPr b="0" i="0" sz="1400" u="none" cap="none" strike="noStrike">
+        <a:defRPr sz="1400" b="0" i="0" u="none" strike="noStrike" cap="none">
           <a:solidFill>
             <a:srgbClr val="000000"/>
           </a:solidFill>
@@ -4589,11 +4220,11 @@
 </file>
 
 <file path=ppt/slides/slide1.xml><?xml version="1.0" encoding="utf-8"?>
-<p:sld xmlns:a="http://schemas.openxmlformats.org/drawingml/2006/main" xmlns:r="http://schemas.openxmlformats.org/officeDocument/2006/relationships" xmlns:mc="http://schemas.openxmlformats.org/markup-compatibility/2006" xmlns:mv="urn:schemas-microsoft-com:mac:vml" xmlns:p="http://schemas.openxmlformats.org/presentationml/2006/main" xmlns:c="http://schemas.openxmlformats.org/drawingml/2006/chart" xmlns:dgm="http://schemas.openxmlformats.org/drawingml/2006/diagram" xmlns:o="urn:schemas-microsoft-com:office:office" xmlns:v="urn:schemas-microsoft-com:vml" xmlns:pvml="urn:schemas-microsoft-com:office:powerpoint" xmlns:com="http://schemas.openxmlformats.org/drawingml/2006/compatibility" xmlns:p14="http://schemas.microsoft.com/office/powerpoint/2010/main" xmlns:p15="http://schemas.microsoft.com/office/powerpoint/2012/main" showMasterSp="0">
+<p:sld xmlns:a="http://schemas.openxmlformats.org/drawingml/2006/main" xmlns:r="http://schemas.openxmlformats.org/officeDocument/2006/relationships" xmlns:p="http://schemas.openxmlformats.org/presentationml/2006/main" showMasterSp="0">
   <p:cSld>
     <p:spTree>
       <p:nvGrpSpPr>
-        <p:cNvPr id="20" name="Shape 20"/>
+        <p:cNvPr id="1" name="Shape 20"/>
         <p:cNvGrpSpPr/>
         <p:nvPr/>
       </p:nvGrpSpPr>
@@ -4624,7 +4255,7 @@
               <a:alphaModFix/>
             </a:blip>
             <a:stretch>
-              <a:fillRect b="0" l="0" r="0" t="0"/>
+              <a:fillRect/>
             </a:stretch>
           </a:blipFill>
           <a:ln>
@@ -4632,12 +4263,12 @@
           </a:ln>
         </p:spPr>
         <p:txBody>
-          <a:bodyPr anchorCtr="0" anchor="t" bIns="0" lIns="0" spcFirstLastPara="1" rIns="0" wrap="square" tIns="0">
+          <a:bodyPr spcFirstLastPara="1" wrap="square" lIns="0" tIns="0" rIns="0" bIns="0" anchor="t" anchorCtr="0">
             <a:noAutofit/>
           </a:bodyPr>
           <a:lstStyle/>
           <a:p>
-            <a:pPr indent="0" lvl="0" marL="0" marR="0" rtl="0" algn="l">
+            <a:pPr marL="0" marR="0" lvl="0" indent="0" algn="l" rtl="0">
               <a:spcBef>
                 <a:spcPts val="0"/>
               </a:spcBef>
@@ -4646,9 +4277,6 @@
               </a:spcAft>
               <a:buNone/>
             </a:pPr>
-            <a:r>
-              <a:t/>
-            </a:r>
             <a:endParaRPr sz="1800"/>
           </a:p>
         </p:txBody>
@@ -4661,7 +4289,7 @@
         </p:nvSpPr>
         <p:spPr>
           <a:xfrm>
-            <a:off x="683825" y="1317075"/>
+            <a:off x="706403" y="2163742"/>
             <a:ext cx="7517100" cy="1608300"/>
           </a:xfrm>
           <a:prstGeom prst="rect">
@@ -4673,12 +4301,12 @@
           </a:ln>
         </p:spPr>
         <p:txBody>
-          <a:bodyPr anchorCtr="0" anchor="t" bIns="0" lIns="0" spcFirstLastPara="1" rIns="0" wrap="square" tIns="0">
+          <a:bodyPr spcFirstLastPara="1" wrap="square" lIns="0" tIns="0" rIns="0" bIns="0" anchor="t" anchorCtr="0">
             <a:noAutofit/>
           </a:bodyPr>
           <a:lstStyle/>
           <a:p>
-            <a:pPr indent="0" lvl="0" marL="0" marR="0" rtl="0" algn="l">
+            <a:pPr marL="0" marR="0" lvl="0" indent="0" algn="l" rtl="0">
               <a:lnSpc>
                 <a:spcPct val="104190"/>
               </a:lnSpc>
@@ -4691,7 +4319,7 @@
               <a:buNone/>
             </a:pPr>
             <a:r>
-              <a:rPr b="1" lang="en-US" sz="4200">
+              <a:rPr lang="en-US" sz="4200" b="1" dirty="0">
                 <a:solidFill>
                   <a:srgbClr val="FFFFFF"/>
                 </a:solidFill>
@@ -4700,27 +4328,21 @@
                 <a:cs typeface="Roboto"/>
                 <a:sym typeface="Roboto"/>
               </a:rPr>
-              <a:t>Explore Zomato restaurants dataset in the city of New Delhi</a:t>
+              <a:t>Explore </a:t>
             </a:r>
-            <a:endParaRPr b="1"/>
-          </a:p>
-          <a:p>
-            <a:pPr indent="0" lvl="0" marL="0" marR="0" rtl="0" algn="l">
-              <a:lnSpc>
-                <a:spcPct val="104190"/>
-              </a:lnSpc>
-              <a:spcBef>
-                <a:spcPts val="648"/>
-              </a:spcBef>
-              <a:spcAft>
-                <a:spcPts val="0"/>
-              </a:spcAft>
-              <a:buNone/>
-            </a:pPr>
             <a:r>
-              <a:t/>
+              <a:rPr lang="en-US" sz="4200" b="1" dirty="0" smtClean="0">
+                <a:solidFill>
+                  <a:srgbClr val="FFFFFF"/>
+                </a:solidFill>
+                <a:latin typeface="Roboto"/>
+                <a:ea typeface="Roboto"/>
+                <a:cs typeface="Roboto"/>
+                <a:sym typeface="Roboto"/>
+              </a:rPr>
+              <a:t>best restaurants place</a:t>
             </a:r>
-            <a:endParaRPr/>
+            <a:endParaRPr dirty="0"/>
           </a:p>
         </p:txBody>
       </p:sp>
@@ -4733,488 +4355,11 @@
 </file>
 
 <file path=ppt/slides/slide10.xml><?xml version="1.0" encoding="utf-8"?>
-<p:sld xmlns:a="http://schemas.openxmlformats.org/drawingml/2006/main" xmlns:r="http://schemas.openxmlformats.org/officeDocument/2006/relationships" xmlns:mc="http://schemas.openxmlformats.org/markup-compatibility/2006" xmlns:mv="urn:schemas-microsoft-com:mac:vml" xmlns:p="http://schemas.openxmlformats.org/presentationml/2006/main" xmlns:c="http://schemas.openxmlformats.org/drawingml/2006/chart" xmlns:dgm="http://schemas.openxmlformats.org/drawingml/2006/diagram" xmlns:o="urn:schemas-microsoft-com:office:office" xmlns:v="urn:schemas-microsoft-com:vml" xmlns:pvml="urn:schemas-microsoft-com:office:powerpoint" xmlns:com="http://schemas.openxmlformats.org/drawingml/2006/compatibility" xmlns:p14="http://schemas.microsoft.com/office/powerpoint/2010/main" xmlns:p15="http://schemas.microsoft.com/office/powerpoint/2012/main">
+<p:sld xmlns:a="http://schemas.openxmlformats.org/drawingml/2006/main" xmlns:r="http://schemas.openxmlformats.org/officeDocument/2006/relationships" xmlns:p="http://schemas.openxmlformats.org/presentationml/2006/main" showMasterSp="0">
   <p:cSld>
     <p:spTree>
       <p:nvGrpSpPr>
-        <p:cNvPr id="70" name="Shape 70"/>
-        <p:cNvGrpSpPr/>
-        <p:nvPr/>
-      </p:nvGrpSpPr>
-      <p:grpSpPr>
-        <a:xfrm>
-          <a:off x="0" y="0"/>
-          <a:ext cx="0" cy="0"/>
-          <a:chOff x="0" y="0"/>
-          <a:chExt cx="0" cy="0"/>
-        </a:xfrm>
-      </p:grpSpPr>
-      <p:pic>
-        <p:nvPicPr>
-          <p:cNvPr id="71" name="Google Shape;71;p12"/>
-          <p:cNvPicPr preferRelativeResize="0"/>
-          <p:nvPr/>
-        </p:nvPicPr>
-        <p:blipFill>
-          <a:blip r:embed="rId3">
-            <a:alphaModFix/>
-          </a:blip>
-          <a:stretch>
-            <a:fillRect/>
-          </a:stretch>
-        </p:blipFill>
-        <p:spPr>
-          <a:xfrm>
-            <a:off x="0" y="0"/>
-            <a:ext cx="9144000" cy="5143500"/>
-          </a:xfrm>
-          <a:prstGeom prst="rect">
-            <a:avLst/>
-          </a:prstGeom>
-          <a:noFill/>
-          <a:ln>
-            <a:noFill/>
-          </a:ln>
-        </p:spPr>
-      </p:pic>
-    </p:spTree>
-  </p:cSld>
-  <p:clrMapOvr>
-    <a:masterClrMapping/>
-  </p:clrMapOvr>
-</p:sld>
-</file>
-
-<file path=ppt/slides/slide11.xml><?xml version="1.0" encoding="utf-8"?>
-<p:sld xmlns:a="http://schemas.openxmlformats.org/drawingml/2006/main" xmlns:r="http://schemas.openxmlformats.org/officeDocument/2006/relationships" xmlns:mc="http://schemas.openxmlformats.org/markup-compatibility/2006" xmlns:mv="urn:schemas-microsoft-com:mac:vml" xmlns:p="http://schemas.openxmlformats.org/presentationml/2006/main" xmlns:c="http://schemas.openxmlformats.org/drawingml/2006/chart" xmlns:dgm="http://schemas.openxmlformats.org/drawingml/2006/diagram" xmlns:o="urn:schemas-microsoft-com:office:office" xmlns:v="urn:schemas-microsoft-com:vml" xmlns:pvml="urn:schemas-microsoft-com:office:powerpoint" xmlns:com="http://schemas.openxmlformats.org/drawingml/2006/compatibility" xmlns:p14="http://schemas.microsoft.com/office/powerpoint/2010/main" xmlns:p15="http://schemas.microsoft.com/office/powerpoint/2012/main">
-  <p:cSld>
-    <p:spTree>
-      <p:nvGrpSpPr>
-        <p:cNvPr id="75" name="Shape 75"/>
-        <p:cNvGrpSpPr/>
-        <p:nvPr/>
-      </p:nvGrpSpPr>
-      <p:grpSpPr>
-        <a:xfrm>
-          <a:off x="0" y="0"/>
-          <a:ext cx="0" cy="0"/>
-          <a:chOff x="0" y="0"/>
-          <a:chExt cx="0" cy="0"/>
-        </a:xfrm>
-      </p:grpSpPr>
-      <p:pic>
-        <p:nvPicPr>
-          <p:cNvPr id="76" name="Google Shape;76;p13"/>
-          <p:cNvPicPr preferRelativeResize="0"/>
-          <p:nvPr/>
-        </p:nvPicPr>
-        <p:blipFill>
-          <a:blip r:embed="rId3">
-            <a:alphaModFix/>
-          </a:blip>
-          <a:stretch>
-            <a:fillRect/>
-          </a:stretch>
-        </p:blipFill>
-        <p:spPr>
-          <a:xfrm>
-            <a:off x="0" y="0"/>
-            <a:ext cx="9143999" cy="5083551"/>
-          </a:xfrm>
-          <a:prstGeom prst="rect">
-            <a:avLst/>
-          </a:prstGeom>
-          <a:noFill/>
-          <a:ln>
-            <a:noFill/>
-          </a:ln>
-        </p:spPr>
-      </p:pic>
-    </p:spTree>
-  </p:cSld>
-  <p:clrMapOvr>
-    <a:masterClrMapping/>
-  </p:clrMapOvr>
-</p:sld>
-</file>
-
-<file path=ppt/slides/slide12.xml><?xml version="1.0" encoding="utf-8"?>
-<p:sld xmlns:a="http://schemas.openxmlformats.org/drawingml/2006/main" xmlns:r="http://schemas.openxmlformats.org/officeDocument/2006/relationships" xmlns:mc="http://schemas.openxmlformats.org/markup-compatibility/2006" xmlns:mv="urn:schemas-microsoft-com:mac:vml" xmlns:p="http://schemas.openxmlformats.org/presentationml/2006/main" xmlns:c="http://schemas.openxmlformats.org/drawingml/2006/chart" xmlns:dgm="http://schemas.openxmlformats.org/drawingml/2006/diagram" xmlns:o="urn:schemas-microsoft-com:office:office" xmlns:v="urn:schemas-microsoft-com:vml" xmlns:pvml="urn:schemas-microsoft-com:office:powerpoint" xmlns:com="http://schemas.openxmlformats.org/drawingml/2006/compatibility" xmlns:p14="http://schemas.microsoft.com/office/powerpoint/2010/main" xmlns:p15="http://schemas.microsoft.com/office/powerpoint/2012/main">
-  <p:cSld>
-    <p:spTree>
-      <p:nvGrpSpPr>
-        <p:cNvPr id="80" name="Shape 80"/>
-        <p:cNvGrpSpPr/>
-        <p:nvPr/>
-      </p:nvGrpSpPr>
-      <p:grpSpPr>
-        <a:xfrm>
-          <a:off x="0" y="0"/>
-          <a:ext cx="0" cy="0"/>
-          <a:chOff x="0" y="0"/>
-          <a:chExt cx="0" cy="0"/>
-        </a:xfrm>
-      </p:grpSpPr>
-      <p:pic>
-        <p:nvPicPr>
-          <p:cNvPr id="81" name="Google Shape;81;p14"/>
-          <p:cNvPicPr preferRelativeResize="0"/>
-          <p:nvPr/>
-        </p:nvPicPr>
-        <p:blipFill>
-          <a:blip r:embed="rId3">
-            <a:alphaModFix/>
-          </a:blip>
-          <a:stretch>
-            <a:fillRect/>
-          </a:stretch>
-        </p:blipFill>
-        <p:spPr>
-          <a:xfrm>
-            <a:off x="0" y="0"/>
-            <a:ext cx="9144000" cy="5143500"/>
-          </a:xfrm>
-          <a:prstGeom prst="rect">
-            <a:avLst/>
-          </a:prstGeom>
-          <a:noFill/>
-          <a:ln>
-            <a:noFill/>
-          </a:ln>
-        </p:spPr>
-      </p:pic>
-    </p:spTree>
-  </p:cSld>
-  <p:clrMapOvr>
-    <a:masterClrMapping/>
-  </p:clrMapOvr>
-</p:sld>
-</file>
-
-<file path=ppt/slides/slide13.xml><?xml version="1.0" encoding="utf-8"?>
-<p:sld xmlns:a="http://schemas.openxmlformats.org/drawingml/2006/main" xmlns:r="http://schemas.openxmlformats.org/officeDocument/2006/relationships" xmlns:mc="http://schemas.openxmlformats.org/markup-compatibility/2006" xmlns:mv="urn:schemas-microsoft-com:mac:vml" xmlns:p="http://schemas.openxmlformats.org/presentationml/2006/main" xmlns:c="http://schemas.openxmlformats.org/drawingml/2006/chart" xmlns:dgm="http://schemas.openxmlformats.org/drawingml/2006/diagram" xmlns:o="urn:schemas-microsoft-com:office:office" xmlns:v="urn:schemas-microsoft-com:vml" xmlns:pvml="urn:schemas-microsoft-com:office:powerpoint" xmlns:com="http://schemas.openxmlformats.org/drawingml/2006/compatibility" xmlns:p14="http://schemas.microsoft.com/office/powerpoint/2010/main" xmlns:p15="http://schemas.microsoft.com/office/powerpoint/2012/main" showMasterSp="0">
-  <p:cSld>
-    <p:spTree>
-      <p:nvGrpSpPr>
-        <p:cNvPr id="85" name="Shape 85"/>
-        <p:cNvGrpSpPr/>
-        <p:nvPr/>
-      </p:nvGrpSpPr>
-      <p:grpSpPr>
-        <a:xfrm>
-          <a:off x="0" y="0"/>
-          <a:ext cx="0" cy="0"/>
-          <a:chOff x="0" y="0"/>
-          <a:chExt cx="0" cy="0"/>
-        </a:xfrm>
-      </p:grpSpPr>
-      <p:sp>
-        <p:nvSpPr>
-          <p:cNvPr id="86" name="Google Shape;86;p15"/>
-          <p:cNvSpPr txBox="1"/>
-          <p:nvPr/>
-        </p:nvSpPr>
-        <p:spPr>
-          <a:xfrm>
-            <a:off x="397425" y="542250"/>
-            <a:ext cx="8031300" cy="639600"/>
-          </a:xfrm>
-          <a:prstGeom prst="rect">
-            <a:avLst/>
-          </a:prstGeom>
-          <a:noFill/>
-          <a:ln>
-            <a:noFill/>
-          </a:ln>
-        </p:spPr>
-        <p:txBody>
-          <a:bodyPr anchorCtr="0" anchor="t" bIns="0" lIns="0" spcFirstLastPara="1" rIns="0" wrap="square" tIns="0">
-            <a:noAutofit/>
-          </a:bodyPr>
-          <a:lstStyle/>
-          <a:p>
-            <a:pPr indent="0" lvl="0" marL="0" marR="0" rtl="0" algn="ctr">
-              <a:lnSpc>
-                <a:spcPct val="104166"/>
-              </a:lnSpc>
-              <a:spcBef>
-                <a:spcPts val="0"/>
-              </a:spcBef>
-              <a:spcAft>
-                <a:spcPts val="0"/>
-              </a:spcAft>
-              <a:buNone/>
-            </a:pPr>
-            <a:r>
-              <a:rPr lang="en-US" sz="3000">
-                <a:solidFill>
-                  <a:srgbClr val="2A3990"/>
-                </a:solidFill>
-                <a:latin typeface="Roboto"/>
-                <a:ea typeface="Roboto"/>
-                <a:cs typeface="Roboto"/>
-                <a:sym typeface="Roboto"/>
-              </a:rPr>
-              <a:t>Cluster 1:</a:t>
-            </a:r>
-            <a:endParaRPr/>
-          </a:p>
-        </p:txBody>
-      </p:sp>
-      <p:pic>
-        <p:nvPicPr>
-          <p:cNvPr id="87" name="Google Shape;87;p15"/>
-          <p:cNvPicPr preferRelativeResize="0"/>
-          <p:nvPr/>
-        </p:nvPicPr>
-        <p:blipFill>
-          <a:blip r:embed="rId3">
-            <a:alphaModFix/>
-          </a:blip>
-          <a:stretch>
-            <a:fillRect/>
-          </a:stretch>
-        </p:blipFill>
-        <p:spPr>
-          <a:xfrm>
-            <a:off x="0" y="2206075"/>
-            <a:ext cx="9144001" cy="2937425"/>
-          </a:xfrm>
-          <a:prstGeom prst="rect">
-            <a:avLst/>
-          </a:prstGeom>
-          <a:noFill/>
-          <a:ln>
-            <a:noFill/>
-          </a:ln>
-        </p:spPr>
-      </p:pic>
-      <p:sp>
-        <p:nvSpPr>
-          <p:cNvPr id="88" name="Google Shape;88;p15"/>
-          <p:cNvSpPr txBox="1"/>
-          <p:nvPr/>
-        </p:nvSpPr>
-        <p:spPr>
-          <a:xfrm>
-            <a:off x="0" y="1181850"/>
-            <a:ext cx="9144000" cy="964200"/>
-          </a:xfrm>
-          <a:prstGeom prst="rect">
-            <a:avLst/>
-          </a:prstGeom>
-          <a:noFill/>
-          <a:ln>
-            <a:noFill/>
-          </a:ln>
-        </p:spPr>
-        <p:txBody>
-          <a:bodyPr anchorCtr="0" anchor="t" bIns="91425" lIns="91425" spcFirstLastPara="1" rIns="91425" wrap="square" tIns="91425">
-            <a:noAutofit/>
-          </a:bodyPr>
-          <a:lstStyle/>
-          <a:p>
-            <a:pPr indent="0" lvl="0" marL="0" rtl="0" algn="l">
-              <a:spcBef>
-                <a:spcPts val="0"/>
-              </a:spcBef>
-              <a:spcAft>
-                <a:spcPts val="0"/>
-              </a:spcAft>
-              <a:buNone/>
-            </a:pPr>
-            <a:r>
-              <a:rPr lang="en-US" sz="1600">
-                <a:solidFill>
-                  <a:schemeClr val="dk1"/>
-                </a:solidFill>
-                <a:highlight>
-                  <a:srgbClr val="FFFFFF"/>
-                </a:highlight>
-                <a:latin typeface="Georgia"/>
-                <a:ea typeface="Georgia"/>
-                <a:cs typeface="Georgia"/>
-                <a:sym typeface="Georgia"/>
-              </a:rPr>
-              <a:t>The Indian restaurants are most recommended venues nearby the locations.</a:t>
-            </a:r>
-            <a:endParaRPr/>
-          </a:p>
-        </p:txBody>
-      </p:sp>
-    </p:spTree>
-  </p:cSld>
-  <p:clrMapOvr>
-    <a:masterClrMapping/>
-  </p:clrMapOvr>
-</p:sld>
-</file>
-
-<file path=ppt/slides/slide14.xml><?xml version="1.0" encoding="utf-8"?>
-<p:sld xmlns:a="http://schemas.openxmlformats.org/drawingml/2006/main" xmlns:r="http://schemas.openxmlformats.org/officeDocument/2006/relationships" xmlns:mc="http://schemas.openxmlformats.org/markup-compatibility/2006" xmlns:mv="urn:schemas-microsoft-com:mac:vml" xmlns:p="http://schemas.openxmlformats.org/presentationml/2006/main" xmlns:c="http://schemas.openxmlformats.org/drawingml/2006/chart" xmlns:dgm="http://schemas.openxmlformats.org/drawingml/2006/diagram" xmlns:o="urn:schemas-microsoft-com:office:office" xmlns:v="urn:schemas-microsoft-com:vml" xmlns:pvml="urn:schemas-microsoft-com:office:powerpoint" xmlns:com="http://schemas.openxmlformats.org/drawingml/2006/compatibility" xmlns:p14="http://schemas.microsoft.com/office/powerpoint/2010/main" xmlns:p15="http://schemas.microsoft.com/office/powerpoint/2012/main" showMasterSp="0">
-  <p:cSld>
-    <p:spTree>
-      <p:nvGrpSpPr>
-        <p:cNvPr id="92" name="Shape 92"/>
-        <p:cNvGrpSpPr/>
-        <p:nvPr/>
-      </p:nvGrpSpPr>
-      <p:grpSpPr>
-        <a:xfrm>
-          <a:off x="0" y="0"/>
-          <a:ext cx="0" cy="0"/>
-          <a:chOff x="0" y="0"/>
-          <a:chExt cx="0" cy="0"/>
-        </a:xfrm>
-      </p:grpSpPr>
-      <p:sp>
-        <p:nvSpPr>
-          <p:cNvPr id="93" name="Google Shape;93;p16"/>
-          <p:cNvSpPr txBox="1"/>
-          <p:nvPr/>
-        </p:nvSpPr>
-        <p:spPr>
-          <a:xfrm>
-            <a:off x="397425" y="542250"/>
-            <a:ext cx="8031300" cy="639600"/>
-          </a:xfrm>
-          <a:prstGeom prst="rect">
-            <a:avLst/>
-          </a:prstGeom>
-          <a:noFill/>
-          <a:ln>
-            <a:noFill/>
-          </a:ln>
-        </p:spPr>
-        <p:txBody>
-          <a:bodyPr anchorCtr="0" anchor="t" bIns="0" lIns="0" spcFirstLastPara="1" rIns="0" wrap="square" tIns="0">
-            <a:noAutofit/>
-          </a:bodyPr>
-          <a:lstStyle/>
-          <a:p>
-            <a:pPr indent="0" lvl="0" marL="0" marR="0" rtl="0" algn="ctr">
-              <a:lnSpc>
-                <a:spcPct val="104166"/>
-              </a:lnSpc>
-              <a:spcBef>
-                <a:spcPts val="0"/>
-              </a:spcBef>
-              <a:spcAft>
-                <a:spcPts val="0"/>
-              </a:spcAft>
-              <a:buNone/>
-            </a:pPr>
-            <a:r>
-              <a:rPr lang="en-US" sz="3000">
-                <a:solidFill>
-                  <a:srgbClr val="2A3990"/>
-                </a:solidFill>
-                <a:latin typeface="Roboto"/>
-                <a:ea typeface="Roboto"/>
-                <a:cs typeface="Roboto"/>
-                <a:sym typeface="Roboto"/>
-              </a:rPr>
-              <a:t>Cluster 2:</a:t>
-            </a:r>
-            <a:endParaRPr/>
-          </a:p>
-        </p:txBody>
-      </p:sp>
-      <p:sp>
-        <p:nvSpPr>
-          <p:cNvPr id="94" name="Google Shape;94;p16"/>
-          <p:cNvSpPr txBox="1"/>
-          <p:nvPr/>
-        </p:nvSpPr>
-        <p:spPr>
-          <a:xfrm>
-            <a:off x="0" y="1181850"/>
-            <a:ext cx="9144000" cy="964200"/>
-          </a:xfrm>
-          <a:prstGeom prst="rect">
-            <a:avLst/>
-          </a:prstGeom>
-          <a:noFill/>
-          <a:ln>
-            <a:noFill/>
-          </a:ln>
-        </p:spPr>
-        <p:txBody>
-          <a:bodyPr anchorCtr="0" anchor="t" bIns="91425" lIns="91425" spcFirstLastPara="1" rIns="91425" wrap="square" tIns="91425">
-            <a:noAutofit/>
-          </a:bodyPr>
-          <a:lstStyle/>
-          <a:p>
-            <a:pPr indent="0" lvl="0" marL="0" rtl="0" algn="l">
-              <a:spcBef>
-                <a:spcPts val="0"/>
-              </a:spcBef>
-              <a:spcAft>
-                <a:spcPts val="0"/>
-              </a:spcAft>
-              <a:buNone/>
-            </a:pPr>
-            <a:r>
-              <a:rPr lang="en-US" sz="1600">
-                <a:solidFill>
-                  <a:schemeClr val="dk1"/>
-                </a:solidFill>
-                <a:highlight>
-                  <a:srgbClr val="FFFFFF"/>
-                </a:highlight>
-                <a:latin typeface="Georgia"/>
-                <a:ea typeface="Georgia"/>
-                <a:cs typeface="Georgia"/>
-                <a:sym typeface="Georgia"/>
-              </a:rPr>
-              <a:t>It is recommended for the Hotel and Nightclubs venues areas:</a:t>
-            </a:r>
-            <a:endParaRPr/>
-          </a:p>
-        </p:txBody>
-      </p:sp>
-      <p:pic>
-        <p:nvPicPr>
-          <p:cNvPr id="95" name="Google Shape;95;p16"/>
-          <p:cNvPicPr preferRelativeResize="0"/>
-          <p:nvPr/>
-        </p:nvPicPr>
-        <p:blipFill>
-          <a:blip r:embed="rId3">
-            <a:alphaModFix/>
-          </a:blip>
-          <a:stretch>
-            <a:fillRect/>
-          </a:stretch>
-        </p:blipFill>
-        <p:spPr>
-          <a:xfrm>
-            <a:off x="0" y="2298450"/>
-            <a:ext cx="9144001" cy="2845050"/>
-          </a:xfrm>
-          <a:prstGeom prst="rect">
-            <a:avLst/>
-          </a:prstGeom>
-          <a:noFill/>
-          <a:ln>
-            <a:noFill/>
-          </a:ln>
-        </p:spPr>
-      </p:pic>
-    </p:spTree>
-  </p:cSld>
-  <p:clrMapOvr>
-    <a:masterClrMapping/>
-  </p:clrMapOvr>
-</p:sld>
-</file>
-
-<file path=ppt/slides/slide15.xml><?xml version="1.0" encoding="utf-8"?>
-<p:sld xmlns:a="http://schemas.openxmlformats.org/drawingml/2006/main" xmlns:r="http://schemas.openxmlformats.org/officeDocument/2006/relationships" xmlns:mc="http://schemas.openxmlformats.org/markup-compatibility/2006" xmlns:mv="urn:schemas-microsoft-com:mac:vml" xmlns:p="http://schemas.openxmlformats.org/presentationml/2006/main" xmlns:c="http://schemas.openxmlformats.org/drawingml/2006/chart" xmlns:dgm="http://schemas.openxmlformats.org/drawingml/2006/diagram" xmlns:o="urn:schemas-microsoft-com:office:office" xmlns:v="urn:schemas-microsoft-com:vml" xmlns:pvml="urn:schemas-microsoft-com:office:powerpoint" xmlns:com="http://schemas.openxmlformats.org/drawingml/2006/compatibility" xmlns:p14="http://schemas.microsoft.com/office/powerpoint/2010/main" xmlns:p15="http://schemas.microsoft.com/office/powerpoint/2012/main" showMasterSp="0">
-  <p:cSld>
-    <p:spTree>
-      <p:nvGrpSpPr>
-        <p:cNvPr id="99" name="Shape 99"/>
+        <p:cNvPr id="1" name="Shape 99"/>
         <p:cNvGrpSpPr/>
         <p:nvPr/>
       </p:nvGrpSpPr>
@@ -5246,12 +4391,12 @@
           </a:ln>
         </p:spPr>
         <p:txBody>
-          <a:bodyPr anchorCtr="0" anchor="t" bIns="0" lIns="0" spcFirstLastPara="1" rIns="0" wrap="square" tIns="0">
+          <a:bodyPr spcFirstLastPara="1" wrap="square" lIns="0" tIns="0" rIns="0" bIns="0" anchor="t" anchorCtr="0">
             <a:noAutofit/>
           </a:bodyPr>
           <a:lstStyle/>
           <a:p>
-            <a:pPr indent="0" lvl="0" marL="0" marR="0" rtl="0" algn="ctr">
+            <a:pPr marL="0" marR="0" lvl="0" indent="0" algn="ctr" rtl="0">
               <a:lnSpc>
                 <a:spcPct val="104166"/>
               </a:lnSpc>
@@ -5264,7 +4409,7 @@
               <a:buNone/>
             </a:pPr>
             <a:r>
-              <a:rPr lang="en-US" sz="3000">
+              <a:rPr lang="en-US" sz="3000" dirty="0">
                 <a:solidFill>
                   <a:srgbClr val="2A3990"/>
                 </a:solidFill>
@@ -5273,9 +4418,21 @@
                 <a:cs typeface="Roboto"/>
                 <a:sym typeface="Roboto"/>
               </a:rPr>
-              <a:t>Cluster 3:</a:t>
+              <a:t>Cluster </a:t>
             </a:r>
-            <a:endParaRPr/>
+            <a:r>
+              <a:rPr lang="en-US" sz="3000" dirty="0" smtClean="0">
+                <a:solidFill>
+                  <a:srgbClr val="2A3990"/>
+                </a:solidFill>
+                <a:latin typeface="Roboto"/>
+                <a:ea typeface="Roboto"/>
+                <a:cs typeface="Roboto"/>
+                <a:sym typeface="Roboto"/>
+              </a:rPr>
+              <a:t>2:</a:t>
+            </a:r>
+            <a:endParaRPr dirty="0"/>
           </a:p>
         </p:txBody>
       </p:sp>
@@ -5299,12 +4456,12 @@
           </a:ln>
         </p:spPr>
         <p:txBody>
-          <a:bodyPr anchorCtr="0" anchor="t" bIns="91425" lIns="91425" spcFirstLastPara="1" rIns="91425" wrap="square" tIns="91425">
+          <a:bodyPr spcFirstLastPara="1" wrap="square" lIns="91425" tIns="91425" rIns="91425" bIns="91425" anchor="t" anchorCtr="0">
             <a:noAutofit/>
           </a:bodyPr>
           <a:lstStyle/>
           <a:p>
-            <a:pPr indent="0" lvl="0" marL="0" rtl="0" algn="l">
+            <a:pPr marL="0" lvl="0" indent="0" algn="l" rtl="0">
               <a:spcBef>
                 <a:spcPts val="0"/>
               </a:spcBef>
@@ -5368,12 +4525,12 @@
 </p:sld>
 </file>
 
-<file path=ppt/slides/slide16.xml><?xml version="1.0" encoding="utf-8"?>
-<p:sld xmlns:a="http://schemas.openxmlformats.org/drawingml/2006/main" xmlns:r="http://schemas.openxmlformats.org/officeDocument/2006/relationships" xmlns:mc="http://schemas.openxmlformats.org/markup-compatibility/2006" xmlns:mv="urn:schemas-microsoft-com:mac:vml" xmlns:p="http://schemas.openxmlformats.org/presentationml/2006/main" xmlns:c="http://schemas.openxmlformats.org/drawingml/2006/chart" xmlns:dgm="http://schemas.openxmlformats.org/drawingml/2006/diagram" xmlns:o="urn:schemas-microsoft-com:office:office" xmlns:v="urn:schemas-microsoft-com:vml" xmlns:pvml="urn:schemas-microsoft-com:office:powerpoint" xmlns:com="http://schemas.openxmlformats.org/drawingml/2006/compatibility" xmlns:p14="http://schemas.microsoft.com/office/powerpoint/2010/main" xmlns:p15="http://schemas.microsoft.com/office/powerpoint/2012/main" showMasterSp="0">
+<file path=ppt/slides/slide11.xml><?xml version="1.0" encoding="utf-8"?>
+<p:sld xmlns:a="http://schemas.openxmlformats.org/drawingml/2006/main" xmlns:r="http://schemas.openxmlformats.org/officeDocument/2006/relationships" xmlns:p="http://schemas.openxmlformats.org/presentationml/2006/main" showMasterSp="0">
   <p:cSld>
     <p:spTree>
       <p:nvGrpSpPr>
-        <p:cNvPr id="106" name="Shape 106"/>
+        <p:cNvPr id="1" name="Shape 106"/>
         <p:cNvGrpSpPr/>
         <p:nvPr/>
       </p:nvGrpSpPr>
@@ -5405,12 +4562,12 @@
           </a:ln>
         </p:spPr>
         <p:txBody>
-          <a:bodyPr anchorCtr="0" anchor="t" bIns="0" lIns="0" spcFirstLastPara="1" rIns="0" wrap="square" tIns="0">
+          <a:bodyPr spcFirstLastPara="1" wrap="square" lIns="0" tIns="0" rIns="0" bIns="0" anchor="t" anchorCtr="0">
             <a:noAutofit/>
           </a:bodyPr>
           <a:lstStyle/>
           <a:p>
-            <a:pPr indent="0" lvl="0" marL="0" marR="0" rtl="0" algn="ctr">
+            <a:pPr marL="0" marR="0" lvl="0" indent="0" algn="ctr" rtl="0">
               <a:lnSpc>
                 <a:spcPct val="104166"/>
               </a:lnSpc>
@@ -5423,7 +4580,7 @@
               <a:buNone/>
             </a:pPr>
             <a:r>
-              <a:rPr lang="en-US" sz="3000">
+              <a:rPr lang="en-US" sz="3000" dirty="0">
                 <a:solidFill>
                   <a:srgbClr val="2A3990"/>
                 </a:solidFill>
@@ -5432,9 +4589,21 @@
                 <a:cs typeface="Roboto"/>
                 <a:sym typeface="Roboto"/>
               </a:rPr>
-              <a:t>Cluster 4:</a:t>
+              <a:t>Cluster </a:t>
             </a:r>
-            <a:endParaRPr/>
+            <a:r>
+              <a:rPr lang="en-US" sz="3000" dirty="0" smtClean="0">
+                <a:solidFill>
+                  <a:srgbClr val="2A3990"/>
+                </a:solidFill>
+                <a:latin typeface="Roboto"/>
+                <a:ea typeface="Roboto"/>
+                <a:cs typeface="Roboto"/>
+                <a:sym typeface="Roboto"/>
+              </a:rPr>
+              <a:t>5:</a:t>
+            </a:r>
+            <a:endParaRPr dirty="0"/>
           </a:p>
         </p:txBody>
       </p:sp>
@@ -5458,12 +4627,12 @@
           </a:ln>
         </p:spPr>
         <p:txBody>
-          <a:bodyPr anchorCtr="0" anchor="t" bIns="91425" lIns="91425" spcFirstLastPara="1" rIns="91425" wrap="square" tIns="91425">
+          <a:bodyPr spcFirstLastPara="1" wrap="square" lIns="91425" tIns="91425" rIns="91425" bIns="91425" anchor="t" anchorCtr="0">
             <a:noAutofit/>
           </a:bodyPr>
           <a:lstStyle/>
           <a:p>
-            <a:pPr indent="0" lvl="0" marL="0" rtl="0" algn="l">
+            <a:pPr marL="0" lvl="0" indent="0" algn="l" rtl="0">
               <a:spcBef>
                 <a:spcPts val="0"/>
               </a:spcBef>
@@ -5527,12 +4696,12 @@
 </p:sld>
 </file>
 
-<file path=ppt/slides/slide17.xml><?xml version="1.0" encoding="utf-8"?>
-<p:sld xmlns:a="http://schemas.openxmlformats.org/drawingml/2006/main" xmlns:r="http://schemas.openxmlformats.org/officeDocument/2006/relationships" xmlns:mc="http://schemas.openxmlformats.org/markup-compatibility/2006" xmlns:mv="urn:schemas-microsoft-com:mac:vml" xmlns:p="http://schemas.openxmlformats.org/presentationml/2006/main" xmlns:c="http://schemas.openxmlformats.org/drawingml/2006/chart" xmlns:dgm="http://schemas.openxmlformats.org/drawingml/2006/diagram" xmlns:o="urn:schemas-microsoft-com:office:office" xmlns:v="urn:schemas-microsoft-com:vml" xmlns:pvml="urn:schemas-microsoft-com:office:powerpoint" xmlns:com="http://schemas.openxmlformats.org/drawingml/2006/compatibility" xmlns:p14="http://schemas.microsoft.com/office/powerpoint/2010/main" xmlns:p15="http://schemas.microsoft.com/office/powerpoint/2012/main" showMasterSp="0">
+<file path=ppt/slides/slide12.xml><?xml version="1.0" encoding="utf-8"?>
+<p:sld xmlns:a="http://schemas.openxmlformats.org/drawingml/2006/main" xmlns:r="http://schemas.openxmlformats.org/officeDocument/2006/relationships" xmlns:p="http://schemas.openxmlformats.org/presentationml/2006/main" showMasterSp="0">
   <p:cSld>
     <p:spTree>
       <p:nvGrpSpPr>
-        <p:cNvPr id="113" name="Shape 113"/>
+        <p:cNvPr id="1" name="Shape 113"/>
         <p:cNvGrpSpPr/>
         <p:nvPr/>
       </p:nvGrpSpPr>
@@ -5564,12 +4733,12 @@
           </a:ln>
         </p:spPr>
         <p:txBody>
-          <a:bodyPr anchorCtr="0" anchor="t" bIns="0" lIns="0" spcFirstLastPara="1" rIns="0" wrap="square" tIns="0">
+          <a:bodyPr spcFirstLastPara="1" wrap="square" lIns="0" tIns="0" rIns="0" bIns="0" anchor="t" anchorCtr="0">
             <a:noAutofit/>
           </a:bodyPr>
           <a:lstStyle/>
           <a:p>
-            <a:pPr indent="0" lvl="0" marL="0" marR="0" rtl="0" algn="ctr">
+            <a:pPr marL="0" marR="0" lvl="0" indent="0" algn="ctr" rtl="0">
               <a:lnSpc>
                 <a:spcPct val="104166"/>
               </a:lnSpc>
@@ -5617,12 +4786,12 @@
           </a:ln>
         </p:spPr>
         <p:txBody>
-          <a:bodyPr anchorCtr="0" anchor="t" bIns="91425" lIns="91425" spcFirstLastPara="1" rIns="91425" wrap="square" tIns="91425">
+          <a:bodyPr spcFirstLastPara="1" wrap="square" lIns="91425" tIns="91425" rIns="91425" bIns="91425" anchor="t" anchorCtr="0">
             <a:noAutofit/>
           </a:bodyPr>
           <a:lstStyle/>
           <a:p>
-            <a:pPr indent="0" lvl="0" marL="0" rtl="0" algn="l">
+            <a:pPr marL="0" lvl="0" indent="0" algn="l" rtl="0">
               <a:spcBef>
                 <a:spcPts val="0"/>
               </a:spcBef>
@@ -5686,12 +4855,12 @@
 </p:sld>
 </file>
 
-<file path=ppt/slides/slide18.xml><?xml version="1.0" encoding="utf-8"?>
-<p:sld xmlns:a="http://schemas.openxmlformats.org/drawingml/2006/main" xmlns:r="http://schemas.openxmlformats.org/officeDocument/2006/relationships" xmlns:mc="http://schemas.openxmlformats.org/markup-compatibility/2006" xmlns:mv="urn:schemas-microsoft-com:mac:vml" xmlns:p="http://schemas.openxmlformats.org/presentationml/2006/main" xmlns:c="http://schemas.openxmlformats.org/drawingml/2006/chart" xmlns:dgm="http://schemas.openxmlformats.org/drawingml/2006/diagram" xmlns:o="urn:schemas-microsoft-com:office:office" xmlns:v="urn:schemas-microsoft-com:vml" xmlns:pvml="urn:schemas-microsoft-com:office:powerpoint" xmlns:com="http://schemas.openxmlformats.org/drawingml/2006/compatibility" xmlns:p14="http://schemas.microsoft.com/office/powerpoint/2010/main" xmlns:p15="http://schemas.microsoft.com/office/powerpoint/2012/main" showMasterSp="0">
+<file path=ppt/slides/slide13.xml><?xml version="1.0" encoding="utf-8"?>
+<p:sld xmlns:a="http://schemas.openxmlformats.org/drawingml/2006/main" xmlns:r="http://schemas.openxmlformats.org/officeDocument/2006/relationships" xmlns:p="http://schemas.openxmlformats.org/presentationml/2006/main" showMasterSp="0">
   <p:cSld>
     <p:spTree>
       <p:nvGrpSpPr>
-        <p:cNvPr id="120" name="Shape 120"/>
+        <p:cNvPr id="1" name="Shape 120"/>
         <p:cNvGrpSpPr/>
         <p:nvPr/>
       </p:nvGrpSpPr>
@@ -5723,12 +4892,12 @@
           </a:ln>
         </p:spPr>
         <p:txBody>
-          <a:bodyPr anchorCtr="0" anchor="t" bIns="0" lIns="0" spcFirstLastPara="1" rIns="0" wrap="square" tIns="0">
+          <a:bodyPr spcFirstLastPara="1" wrap="square" lIns="0" tIns="0" rIns="0" bIns="0" anchor="t" anchorCtr="0">
             <a:noAutofit/>
           </a:bodyPr>
           <a:lstStyle/>
           <a:p>
-            <a:pPr indent="0" lvl="0" marL="0" marR="0" rtl="0" algn="ctr">
+            <a:pPr marL="0" marR="0" lvl="0" indent="0" algn="ctr" rtl="0">
               <a:lnSpc>
                 <a:spcPct val="104166"/>
               </a:lnSpc>
@@ -5776,21 +4945,18 @@
           </a:ln>
         </p:spPr>
         <p:txBody>
-          <a:bodyPr anchorCtr="0" anchor="t" bIns="91425" lIns="91425" spcFirstLastPara="1" rIns="91425" wrap="square" tIns="91425">
+          <a:bodyPr spcFirstLastPara="1" wrap="square" lIns="91425" tIns="91425" rIns="91425" bIns="91425" anchor="t" anchorCtr="0">
             <a:noAutofit/>
           </a:bodyPr>
           <a:lstStyle/>
           <a:p>
-            <a:pPr indent="-317500" lvl="0" marL="749300" rtl="0" algn="l">
+            <a:pPr marL="749300" lvl="0" indent="-317500">
               <a:lnSpc>
                 <a:spcPct val="158000"/>
               </a:lnSpc>
               <a:spcBef>
                 <a:spcPts val="1400"/>
               </a:spcBef>
-              <a:spcAft>
-                <a:spcPts val="0"/>
-              </a:spcAft>
               <a:buClr>
                 <a:schemeClr val="dk1"/>
               </a:buClr>
@@ -5799,425 +4965,10 @@
               <a:buChar char="●"/>
             </a:pPr>
             <a:r>
-              <a:rPr b="1" lang="en-US">
-                <a:solidFill>
-                  <a:schemeClr val="dk1"/>
-                </a:solidFill>
-                <a:highlight>
-                  <a:srgbClr val="FFFFFF"/>
-                </a:highlight>
-                <a:latin typeface="Georgia"/>
-                <a:ea typeface="Georgia"/>
-                <a:cs typeface="Georgia"/>
-                <a:sym typeface="Georgia"/>
-              </a:rPr>
-              <a:t>Chanakyapuri, Pitampura, Safdarjung</a:t>
+              <a:rPr lang="en-US" dirty="0"/>
+              <a:t>The Toronto city citizens love drinking coffee more than fast food if business owner builds something else my recommendation is coffee shop</a:t>
             </a:r>
-            <a:r>
-              <a:rPr lang="en-US">
-                <a:solidFill>
-                  <a:schemeClr val="dk1"/>
-                </a:solidFill>
-                <a:highlight>
-                  <a:srgbClr val="FFFFFF"/>
-                </a:highlight>
-                <a:latin typeface="Georgia"/>
-                <a:ea typeface="Georgia"/>
-                <a:cs typeface="Georgia"/>
-                <a:sym typeface="Georgia"/>
-              </a:rPr>
-              <a:t> are some of the best neighborhoods for Chinese cuisine.</a:t>
-            </a:r>
-            <a:endParaRPr>
-              <a:solidFill>
-                <a:schemeClr val="dk1"/>
-              </a:solidFill>
-              <a:highlight>
-                <a:srgbClr val="FFFFFF"/>
-              </a:highlight>
-              <a:latin typeface="Georgia"/>
-              <a:ea typeface="Georgia"/>
-              <a:cs typeface="Georgia"/>
-              <a:sym typeface="Georgia"/>
-            </a:endParaRPr>
-          </a:p>
-          <a:p>
-            <a:pPr indent="-317500" lvl="0" marL="749300" rtl="0" algn="l">
-              <a:lnSpc>
-                <a:spcPct val="158000"/>
-              </a:lnSpc>
-              <a:spcBef>
-                <a:spcPts val="0"/>
-              </a:spcBef>
-              <a:spcAft>
-                <a:spcPts val="0"/>
-              </a:spcAft>
-              <a:buClr>
-                <a:schemeClr val="dk1"/>
-              </a:buClr>
-              <a:buSzPts val="1400"/>
-              <a:buFont typeface="Georgia"/>
-              <a:buChar char="●"/>
-            </a:pPr>
-            <a:r>
-              <a:rPr b="1" lang="en-US">
-                <a:solidFill>
-                  <a:schemeClr val="dk1"/>
-                </a:solidFill>
-                <a:highlight>
-                  <a:srgbClr val="FFFFFF"/>
-                </a:highlight>
-                <a:latin typeface="Georgia"/>
-                <a:ea typeface="Georgia"/>
-                <a:cs typeface="Georgia"/>
-                <a:sym typeface="Georgia"/>
-              </a:rPr>
-              <a:t>Panchsheel</a:t>
-            </a:r>
-            <a:r>
-              <a:rPr b="1" lang="en-US">
-                <a:solidFill>
-                  <a:schemeClr val="dk1"/>
-                </a:solidFill>
-                <a:highlight>
-                  <a:srgbClr val="FFFFFF"/>
-                </a:highlight>
-                <a:latin typeface="Georgia"/>
-                <a:ea typeface="Georgia"/>
-                <a:cs typeface="Georgia"/>
-                <a:sym typeface="Georgia"/>
-              </a:rPr>
-              <a:t> park</a:t>
-            </a:r>
-            <a:r>
-              <a:rPr lang="en-US">
-                <a:solidFill>
-                  <a:schemeClr val="dk1"/>
-                </a:solidFill>
-                <a:highlight>
-                  <a:srgbClr val="FFFFFF"/>
-                </a:highlight>
-                <a:latin typeface="Georgia"/>
-                <a:ea typeface="Georgia"/>
-                <a:cs typeface="Georgia"/>
-                <a:sym typeface="Georgia"/>
-              </a:rPr>
-              <a:t>, </a:t>
-            </a:r>
-            <a:r>
-              <a:rPr b="1" lang="en-US">
-                <a:solidFill>
-                  <a:schemeClr val="dk1"/>
-                </a:solidFill>
-                <a:highlight>
-                  <a:srgbClr val="FFFFFF"/>
-                </a:highlight>
-                <a:latin typeface="Georgia"/>
-                <a:ea typeface="Georgia"/>
-                <a:cs typeface="Georgia"/>
-                <a:sym typeface="Georgia"/>
-              </a:rPr>
-              <a:t>Nehru place</a:t>
-            </a:r>
-            <a:r>
-              <a:rPr lang="en-US">
-                <a:solidFill>
-                  <a:schemeClr val="dk1"/>
-                </a:solidFill>
-                <a:highlight>
-                  <a:srgbClr val="FFFFFF"/>
-                </a:highlight>
-                <a:latin typeface="Georgia"/>
-                <a:ea typeface="Georgia"/>
-                <a:cs typeface="Georgia"/>
-                <a:sym typeface="Georgia"/>
-              </a:rPr>
-              <a:t> have the best Chinese Restaurant.</a:t>
-            </a:r>
-            <a:endParaRPr>
-              <a:solidFill>
-                <a:schemeClr val="dk1"/>
-              </a:solidFill>
-              <a:highlight>
-                <a:srgbClr val="FFFFFF"/>
-              </a:highlight>
-              <a:latin typeface="Georgia"/>
-              <a:ea typeface="Georgia"/>
-              <a:cs typeface="Georgia"/>
-              <a:sym typeface="Georgia"/>
-            </a:endParaRPr>
-          </a:p>
-          <a:p>
-            <a:pPr indent="-317500" lvl="0" marL="749300" rtl="0" algn="l">
-              <a:lnSpc>
-                <a:spcPct val="158000"/>
-              </a:lnSpc>
-              <a:spcBef>
-                <a:spcPts val="0"/>
-              </a:spcBef>
-              <a:spcAft>
-                <a:spcPts val="0"/>
-              </a:spcAft>
-              <a:buClr>
-                <a:schemeClr val="dk1"/>
-              </a:buClr>
-              <a:buSzPts val="1400"/>
-              <a:buFont typeface="Georgia"/>
-              <a:buChar char="●"/>
-            </a:pPr>
-            <a:r>
-              <a:rPr b="1" lang="en-US">
-                <a:solidFill>
-                  <a:schemeClr val="dk1"/>
-                </a:solidFill>
-                <a:highlight>
-                  <a:srgbClr val="FFFFFF"/>
-                </a:highlight>
-                <a:latin typeface="Georgia"/>
-                <a:ea typeface="Georgia"/>
-                <a:cs typeface="Georgia"/>
-                <a:sym typeface="Georgia"/>
-              </a:rPr>
-              <a:t>Connaught</a:t>
-            </a:r>
-            <a:r>
-              <a:rPr b="1" lang="en-US">
-                <a:solidFill>
-                  <a:schemeClr val="dk1"/>
-                </a:solidFill>
-                <a:highlight>
-                  <a:srgbClr val="FFFFFF"/>
-                </a:highlight>
-                <a:latin typeface="Georgia"/>
-                <a:ea typeface="Georgia"/>
-                <a:cs typeface="Georgia"/>
-                <a:sym typeface="Georgia"/>
-              </a:rPr>
-              <a:t> place</a:t>
-            </a:r>
-            <a:r>
-              <a:rPr lang="en-US">
-                <a:solidFill>
-                  <a:schemeClr val="dk1"/>
-                </a:solidFill>
-                <a:highlight>
-                  <a:srgbClr val="FFFFFF"/>
-                </a:highlight>
-                <a:latin typeface="Georgia"/>
-                <a:ea typeface="Georgia"/>
-                <a:cs typeface="Georgia"/>
-                <a:sym typeface="Georgia"/>
-              </a:rPr>
-              <a:t>, </a:t>
-            </a:r>
-            <a:r>
-              <a:rPr b="1" lang="en-US">
-                <a:solidFill>
-                  <a:schemeClr val="dk1"/>
-                </a:solidFill>
-                <a:highlight>
-                  <a:srgbClr val="FFFFFF"/>
-                </a:highlight>
-                <a:latin typeface="Georgia"/>
-                <a:ea typeface="Georgia"/>
-                <a:cs typeface="Georgia"/>
-                <a:sym typeface="Georgia"/>
-              </a:rPr>
-              <a:t>Rajouri garden</a:t>
-            </a:r>
-            <a:r>
-              <a:rPr lang="en-US">
-                <a:solidFill>
-                  <a:schemeClr val="dk1"/>
-                </a:solidFill>
-                <a:highlight>
-                  <a:srgbClr val="FFFFFF"/>
-                </a:highlight>
-                <a:latin typeface="Georgia"/>
-                <a:ea typeface="Georgia"/>
-                <a:cs typeface="Georgia"/>
-                <a:sym typeface="Georgia"/>
-              </a:rPr>
-              <a:t>, </a:t>
-            </a:r>
-            <a:r>
-              <a:rPr b="1" lang="en-US">
-                <a:solidFill>
-                  <a:schemeClr val="dk1"/>
-                </a:solidFill>
-                <a:highlight>
-                  <a:srgbClr val="FFFFFF"/>
-                </a:highlight>
-                <a:latin typeface="Georgia"/>
-                <a:ea typeface="Georgia"/>
-                <a:cs typeface="Georgia"/>
-                <a:sym typeface="Georgia"/>
-              </a:rPr>
-              <a:t>Malviya nagar</a:t>
-            </a:r>
-            <a:r>
-              <a:rPr lang="en-US">
-                <a:solidFill>
-                  <a:schemeClr val="dk1"/>
-                </a:solidFill>
-                <a:highlight>
-                  <a:srgbClr val="FFFFFF"/>
-                </a:highlight>
-                <a:latin typeface="Georgia"/>
-                <a:ea typeface="Georgia"/>
-                <a:cs typeface="Georgia"/>
-                <a:sym typeface="Georgia"/>
-              </a:rPr>
-              <a:t> are the best places for edible person.</a:t>
-            </a:r>
-            <a:endParaRPr>
-              <a:solidFill>
-                <a:schemeClr val="dk1"/>
-              </a:solidFill>
-              <a:highlight>
-                <a:srgbClr val="FFFFFF"/>
-              </a:highlight>
-              <a:latin typeface="Georgia"/>
-              <a:ea typeface="Georgia"/>
-              <a:cs typeface="Georgia"/>
-              <a:sym typeface="Georgia"/>
-            </a:endParaRPr>
-          </a:p>
-          <a:p>
-            <a:pPr indent="-317500" lvl="0" marL="749300" rtl="0" algn="l">
-              <a:lnSpc>
-                <a:spcPct val="158000"/>
-              </a:lnSpc>
-              <a:spcBef>
-                <a:spcPts val="0"/>
-              </a:spcBef>
-              <a:spcAft>
-                <a:spcPts val="0"/>
-              </a:spcAft>
-              <a:buClr>
-                <a:schemeClr val="dk1"/>
-              </a:buClr>
-              <a:buSzPts val="1400"/>
-              <a:buFont typeface="Georgia"/>
-              <a:buChar char="●"/>
-            </a:pPr>
-            <a:r>
-              <a:rPr b="1" lang="en-US">
-                <a:solidFill>
-                  <a:schemeClr val="dk1"/>
-                </a:solidFill>
-                <a:highlight>
-                  <a:srgbClr val="FFFFFF"/>
-                </a:highlight>
-                <a:latin typeface="Georgia"/>
-                <a:ea typeface="Georgia"/>
-                <a:cs typeface="Georgia"/>
-                <a:sym typeface="Georgia"/>
-              </a:rPr>
-              <a:t>Greater kailash</a:t>
-            </a:r>
-            <a:r>
-              <a:rPr lang="en-US">
-                <a:solidFill>
-                  <a:schemeClr val="dk1"/>
-                </a:solidFill>
-                <a:highlight>
-                  <a:srgbClr val="FFFFFF"/>
-                </a:highlight>
-                <a:latin typeface="Georgia"/>
-                <a:ea typeface="Georgia"/>
-                <a:cs typeface="Georgia"/>
-                <a:sym typeface="Georgia"/>
-              </a:rPr>
-              <a:t>, </a:t>
-            </a:r>
-            <a:r>
-              <a:rPr b="1" lang="en-US">
-                <a:solidFill>
-                  <a:schemeClr val="dk1"/>
-                </a:solidFill>
-                <a:highlight>
-                  <a:srgbClr val="FFFFFF"/>
-                </a:highlight>
-                <a:latin typeface="Georgia"/>
-                <a:ea typeface="Georgia"/>
-                <a:cs typeface="Georgia"/>
-                <a:sym typeface="Georgia"/>
-              </a:rPr>
-              <a:t>Feroze shah road</a:t>
-            </a:r>
-            <a:r>
-              <a:rPr lang="en-US">
-                <a:solidFill>
-                  <a:schemeClr val="dk1"/>
-                </a:solidFill>
-                <a:highlight>
-                  <a:srgbClr val="FFFFFF"/>
-                </a:highlight>
-                <a:latin typeface="Georgia"/>
-                <a:ea typeface="Georgia"/>
-                <a:cs typeface="Georgia"/>
-                <a:sym typeface="Georgia"/>
-              </a:rPr>
-              <a:t>, </a:t>
-            </a:r>
-            <a:r>
-              <a:rPr b="1" lang="en-US">
-                <a:solidFill>
-                  <a:schemeClr val="dk1"/>
-                </a:solidFill>
-                <a:highlight>
-                  <a:srgbClr val="FFFFFF"/>
-                </a:highlight>
-                <a:latin typeface="Georgia"/>
-                <a:ea typeface="Georgia"/>
-                <a:cs typeface="Georgia"/>
-                <a:sym typeface="Georgia"/>
-              </a:rPr>
-              <a:t>Saket</a:t>
-            </a:r>
-            <a:r>
-              <a:rPr lang="en-US">
-                <a:solidFill>
-                  <a:schemeClr val="dk1"/>
-                </a:solidFill>
-                <a:highlight>
-                  <a:srgbClr val="FFFFFF"/>
-                </a:highlight>
-                <a:latin typeface="Georgia"/>
-                <a:ea typeface="Georgia"/>
-                <a:cs typeface="Georgia"/>
-                <a:sym typeface="Georgia"/>
-              </a:rPr>
-              <a:t> have best rated restaurants in New Delhi.</a:t>
-            </a:r>
-            <a:endParaRPr>
-              <a:solidFill>
-                <a:schemeClr val="dk1"/>
-              </a:solidFill>
-              <a:highlight>
-                <a:srgbClr val="FFFFFF"/>
-              </a:highlight>
-              <a:latin typeface="Georgia"/>
-              <a:ea typeface="Georgia"/>
-              <a:cs typeface="Georgia"/>
-              <a:sym typeface="Georgia"/>
-            </a:endParaRPr>
-          </a:p>
-          <a:p>
-            <a:pPr indent="0" lvl="0" marL="0" rtl="0" algn="l">
-              <a:spcBef>
-                <a:spcPts val="0"/>
-              </a:spcBef>
-              <a:spcAft>
-                <a:spcPts val="0"/>
-              </a:spcAft>
-              <a:buNone/>
-            </a:pPr>
-            <a:r>
-              <a:t/>
-            </a:r>
-            <a:endParaRPr sz="1600">
+            <a:endParaRPr sz="1600" dirty="0">
               <a:solidFill>
                 <a:schemeClr val="dk1"/>
               </a:solidFill>
@@ -6241,11 +4992,11 @@
 </file>
 
 <file path=ppt/slides/slide2.xml><?xml version="1.0" encoding="utf-8"?>
-<p:sld xmlns:a="http://schemas.openxmlformats.org/drawingml/2006/main" xmlns:r="http://schemas.openxmlformats.org/officeDocument/2006/relationships" xmlns:mc="http://schemas.openxmlformats.org/markup-compatibility/2006" xmlns:mv="urn:schemas-microsoft-com:mac:vml" xmlns:p="http://schemas.openxmlformats.org/presentationml/2006/main" xmlns:c="http://schemas.openxmlformats.org/drawingml/2006/chart" xmlns:dgm="http://schemas.openxmlformats.org/drawingml/2006/diagram" xmlns:o="urn:schemas-microsoft-com:office:office" xmlns:v="urn:schemas-microsoft-com:vml" xmlns:pvml="urn:schemas-microsoft-com:office:powerpoint" xmlns:com="http://schemas.openxmlformats.org/drawingml/2006/compatibility" xmlns:p14="http://schemas.microsoft.com/office/powerpoint/2010/main" xmlns:p15="http://schemas.microsoft.com/office/powerpoint/2012/main" showMasterSp="0">
+<p:sld xmlns:a="http://schemas.openxmlformats.org/drawingml/2006/main" xmlns:r="http://schemas.openxmlformats.org/officeDocument/2006/relationships" xmlns:p="http://schemas.openxmlformats.org/presentationml/2006/main" showMasterSp="0">
   <p:cSld>
     <p:spTree>
       <p:nvGrpSpPr>
-        <p:cNvPr id="26" name="Shape 26"/>
+        <p:cNvPr id="1" name="Shape 26"/>
         <p:cNvGrpSpPr/>
         <p:nvPr/>
       </p:nvGrpSpPr>
@@ -6277,12 +5028,12 @@
           </a:ln>
         </p:spPr>
         <p:txBody>
-          <a:bodyPr anchorCtr="0" anchor="t" bIns="0" lIns="0" spcFirstLastPara="1" rIns="0" wrap="square" tIns="0">
+          <a:bodyPr spcFirstLastPara="1" wrap="square" lIns="0" tIns="0" rIns="0" bIns="0" anchor="t" anchorCtr="0">
             <a:noAutofit/>
           </a:bodyPr>
           <a:lstStyle/>
           <a:p>
-            <a:pPr indent="0" lvl="0" marL="0" marR="0" rtl="0" algn="ctr">
+            <a:pPr marL="0" marR="0" lvl="0" indent="0" algn="ctr" rtl="0">
               <a:lnSpc>
                 <a:spcPct val="104166"/>
               </a:lnSpc>
@@ -6318,8 +5069,8 @@
         </p:nvSpPr>
         <p:spPr>
           <a:xfrm>
-            <a:off x="455600" y="1043075"/>
-            <a:ext cx="8140800" cy="3513000"/>
+            <a:off x="455600" y="1043074"/>
+            <a:ext cx="8140800" cy="3675681"/>
           </a:xfrm>
           <a:prstGeom prst="rect">
             <a:avLst/>
@@ -6330,30 +5081,25 @@
           </a:ln>
         </p:spPr>
         <p:txBody>
-          <a:bodyPr anchorCtr="0" anchor="t" bIns="91425" lIns="91425" spcFirstLastPara="1" rIns="91425" wrap="square" tIns="91425">
+          <a:bodyPr spcFirstLastPara="1" wrap="square" lIns="91425" tIns="91425" rIns="91425" bIns="91425" anchor="t" anchorCtr="0">
             <a:noAutofit/>
           </a:bodyPr>
           <a:lstStyle/>
           <a:p>
-            <a:pPr indent="0" lvl="0" marL="0" rtl="0" algn="l">
+            <a:pPr lvl="0">
               <a:lnSpc>
                 <a:spcPct val="158000"/>
               </a:lnSpc>
               <a:spcBef>
                 <a:spcPts val="1400"/>
               </a:spcBef>
-              <a:spcAft>
-                <a:spcPts val="0"/>
-              </a:spcAft>
               <a:buClr>
                 <a:schemeClr val="dk1"/>
               </a:buClr>
               <a:buSzPts val="1100"/>
-              <a:buFont typeface="Arial"/>
-              <a:buNone/>
             </a:pPr>
             <a:r>
-              <a:rPr lang="en-US">
+              <a:rPr lang="en-US" dirty="0">
                 <a:solidFill>
                   <a:schemeClr val="dk1"/>
                 </a:solidFill>
@@ -6365,9 +5111,24 @@
                 <a:cs typeface="Georgia"/>
                 <a:sym typeface="Georgia"/>
               </a:rPr>
-              <a:t>New Delhi is the capital city of India. It is a part of the city of Delhi’s 11 districts. The city itself has a population of 257,803. However, the much larger metro area has a population that exceeds 26 million.</a:t>
+              <a:t>In this project we will try to find a best location for a restaurant. Specifically, this report will be targeted to stakeholders interested in opening an  restaurant in new York  or </a:t>
             </a:r>
-            <a:endParaRPr>
+            <a:r>
+              <a:rPr lang="en-US" dirty="0" smtClean="0">
+                <a:solidFill>
+                  <a:schemeClr val="dk1"/>
+                </a:solidFill>
+                <a:highlight>
+                  <a:srgbClr val="FFFFFF"/>
+                </a:highlight>
+                <a:latin typeface="Georgia"/>
+                <a:ea typeface="Georgia"/>
+                <a:cs typeface="Georgia"/>
+                <a:sym typeface="Georgia"/>
+              </a:rPr>
+              <a:t>Toronto</a:t>
+            </a:r>
+            <a:endParaRPr lang="en-US" dirty="0">
               <a:solidFill>
                 <a:schemeClr val="dk1"/>
               </a:solidFill>
@@ -6381,20 +5142,20 @@
             </a:endParaRPr>
           </a:p>
           <a:p>
-            <a:pPr indent="0" lvl="0" marL="0" rtl="0" algn="l">
+            <a:pPr lvl="0">
               <a:lnSpc>
                 <a:spcPct val="158000"/>
               </a:lnSpc>
               <a:spcBef>
-                <a:spcPts val="3200"/>
-              </a:spcBef>
-              <a:spcAft>
-                <a:spcPts val="0"/>
-              </a:spcAft>
-              <a:buNone/>
+                <a:spcPts val="1400"/>
+              </a:spcBef>
+              <a:buClr>
+                <a:schemeClr val="dk1"/>
+              </a:buClr>
+              <a:buSzPts val="1100"/>
             </a:pPr>
             <a:r>
-              <a:rPr lang="en-US">
+              <a:rPr lang="en-US" dirty="0">
                 <a:solidFill>
                   <a:schemeClr val="dk1"/>
                 </a:solidFill>
@@ -6406,10 +5167,24 @@
                 <a:cs typeface="Georgia"/>
                 <a:sym typeface="Georgia"/>
               </a:rPr>
-              <a:t>With </a:t>
+              <a:t>Since there are lots of restaurants in New York or Toronto</a:t>
             </a:r>
+          </a:p>
+          <a:p>
+            <a:pPr lvl="0">
+              <a:lnSpc>
+                <a:spcPct val="158000"/>
+              </a:lnSpc>
+              <a:spcBef>
+                <a:spcPts val="1400"/>
+              </a:spcBef>
+              <a:buClr>
+                <a:schemeClr val="dk1"/>
+              </a:buClr>
+              <a:buSzPts val="1100"/>
+            </a:pPr>
             <a:r>
-              <a:rPr lang="en-US">
+              <a:rPr lang="en-US" dirty="0">
                 <a:solidFill>
                   <a:schemeClr val="dk1"/>
                 </a:solidFill>
@@ -6421,10 +5196,10 @@
                 <a:cs typeface="Georgia"/>
                 <a:sym typeface="Georgia"/>
               </a:rPr>
-              <a:t>its</a:t>
+              <a:t> we will try to detect locations that are not already crowded with restaurants. We are also particularly interested in areas with no Italian restaurants in vicinity. We would also prefer locations as close to city center as possible, assuming that first two conditions are met</a:t>
             </a:r>
             <a:r>
-              <a:rPr lang="en-US">
+              <a:rPr lang="en-US" dirty="0" smtClean="0">
                 <a:solidFill>
                   <a:schemeClr val="dk1"/>
                 </a:solidFill>
@@ -6436,9 +5211,9 @@
                 <a:cs typeface="Georgia"/>
                 <a:sym typeface="Georgia"/>
               </a:rPr>
-              <a:t> diverse culture , comes diverse food items. There are many restaurants in New Delhi City, each belonging to different categories like Chinese , Italian , French etc.</a:t>
+              <a:t>.</a:t>
             </a:r>
-            <a:endParaRPr>
+            <a:endParaRPr lang="en-US" dirty="0">
               <a:solidFill>
                 <a:schemeClr val="dk1"/>
               </a:solidFill>
@@ -6452,20 +5227,20 @@
             </a:endParaRPr>
           </a:p>
           <a:p>
-            <a:pPr indent="0" lvl="0" marL="0" rtl="0" algn="l">
+            <a:pPr lvl="0">
               <a:lnSpc>
                 <a:spcPct val="158000"/>
               </a:lnSpc>
               <a:spcBef>
-                <a:spcPts val="3200"/>
-              </a:spcBef>
-              <a:spcAft>
-                <a:spcPts val="0"/>
-              </a:spcAft>
-              <a:buNone/>
+                <a:spcPts val="1400"/>
+              </a:spcBef>
+              <a:buClr>
+                <a:schemeClr val="dk1"/>
+              </a:buClr>
+              <a:buSzPts val="1100"/>
             </a:pPr>
             <a:r>
-              <a:rPr lang="en-US">
+              <a:rPr lang="en-US" dirty="0">
                 <a:solidFill>
                   <a:schemeClr val="dk1"/>
                 </a:solidFill>
@@ -6477,9 +5252,28 @@
                 <a:cs typeface="Georgia"/>
                 <a:sym typeface="Georgia"/>
               </a:rPr>
-              <a:t>So as part of this project , we will list and visualize all major parts of New Delhi City .</a:t>
+              <a:t>We will use our data science powers to generate a few most promising neighborhoods based on this criterion. Advantages of each area will then be clearly expressed so that best possible final location can be chosen by stakeholders</a:t>
             </a:r>
-            <a:endParaRPr>
+          </a:p>
+          <a:p>
+            <a:pPr marL="0" lvl="0" indent="0" algn="l" rtl="0">
+              <a:lnSpc>
+                <a:spcPct val="158000"/>
+              </a:lnSpc>
+              <a:spcBef>
+                <a:spcPts val="3200"/>
+              </a:spcBef>
+              <a:spcAft>
+                <a:spcPts val="0"/>
+              </a:spcAft>
+              <a:buClr>
+                <a:schemeClr val="dk1"/>
+              </a:buClr>
+              <a:buSzPts val="1100"/>
+              <a:buFont typeface="Arial"/>
+              <a:buNone/>
+            </a:pPr>
+            <a:endParaRPr sz="1600" dirty="0" smtClean="0">
               <a:solidFill>
                 <a:schemeClr val="dk1"/>
               </a:solidFill>
@@ -6493,53 +5287,16 @@
             </a:endParaRPr>
           </a:p>
           <a:p>
-            <a:pPr indent="0" lvl="0" marL="0" rtl="0" algn="l">
-              <a:lnSpc>
-                <a:spcPct val="158000"/>
-              </a:lnSpc>
-              <a:spcBef>
-                <a:spcPts val="3200"/>
-              </a:spcBef>
-              <a:spcAft>
-                <a:spcPts val="0"/>
-              </a:spcAft>
-              <a:buClr>
-                <a:schemeClr val="dk1"/>
-              </a:buClr>
-              <a:buSzPts val="1100"/>
-              <a:buFont typeface="Arial"/>
+            <a:pPr marL="0" lvl="0" indent="0" algn="l" rtl="0">
+              <a:spcBef>
+                <a:spcPts val="0"/>
+              </a:spcBef>
+              <a:spcAft>
+                <a:spcPts val="0"/>
+              </a:spcAft>
               <a:buNone/>
             </a:pPr>
-            <a:r>
-              <a:t/>
-            </a:r>
-            <a:endParaRPr sz="1600">
-              <a:solidFill>
-                <a:schemeClr val="dk1"/>
-              </a:solidFill>
-              <a:highlight>
-                <a:srgbClr val="FFFFFF"/>
-              </a:highlight>
-              <a:latin typeface="Georgia"/>
-              <a:ea typeface="Georgia"/>
-              <a:cs typeface="Georgia"/>
-              <a:sym typeface="Georgia"/>
-            </a:endParaRPr>
-          </a:p>
-          <a:p>
-            <a:pPr indent="0" lvl="0" marL="0" rtl="0" algn="l">
-              <a:spcBef>
-                <a:spcPts val="0"/>
-              </a:spcBef>
-              <a:spcAft>
-                <a:spcPts val="0"/>
-              </a:spcAft>
-              <a:buNone/>
-            </a:pPr>
-            <a:r>
-              <a:t/>
-            </a:r>
-            <a:endParaRPr>
+            <a:endParaRPr dirty="0">
               <a:latin typeface="Calibri"/>
               <a:ea typeface="Calibri"/>
               <a:cs typeface="Calibri"/>
@@ -6557,11 +5314,11 @@
 </file>
 
 <file path=ppt/slides/slide3.xml><?xml version="1.0" encoding="utf-8"?>
-<p:sld xmlns:a="http://schemas.openxmlformats.org/drawingml/2006/main" xmlns:r="http://schemas.openxmlformats.org/officeDocument/2006/relationships" xmlns:mc="http://schemas.openxmlformats.org/markup-compatibility/2006" xmlns:mv="urn:schemas-microsoft-com:mac:vml" xmlns:p="http://schemas.openxmlformats.org/presentationml/2006/main" xmlns:c="http://schemas.openxmlformats.org/drawingml/2006/chart" xmlns:dgm="http://schemas.openxmlformats.org/drawingml/2006/diagram" xmlns:o="urn:schemas-microsoft-com:office:office" xmlns:v="urn:schemas-microsoft-com:vml" xmlns:pvml="urn:schemas-microsoft-com:office:powerpoint" xmlns:com="http://schemas.openxmlformats.org/drawingml/2006/compatibility" xmlns:p14="http://schemas.microsoft.com/office/powerpoint/2010/main" xmlns:p15="http://schemas.microsoft.com/office/powerpoint/2012/main" showMasterSp="0">
+<p:sld xmlns:a="http://schemas.openxmlformats.org/drawingml/2006/main" xmlns:r="http://schemas.openxmlformats.org/officeDocument/2006/relationships" xmlns:p="http://schemas.openxmlformats.org/presentationml/2006/main" showMasterSp="0">
   <p:cSld>
     <p:spTree>
       <p:nvGrpSpPr>
-        <p:cNvPr id="32" name="Shape 32"/>
+        <p:cNvPr id="1" name="Shape 32"/>
         <p:cNvGrpSpPr/>
         <p:nvPr/>
       </p:nvGrpSpPr>
@@ -6593,12 +5350,12 @@
           </a:ln>
         </p:spPr>
         <p:txBody>
-          <a:bodyPr anchorCtr="0" anchor="t" bIns="0" lIns="0" spcFirstLastPara="1" rIns="0" wrap="square" tIns="0">
+          <a:bodyPr spcFirstLastPara="1" wrap="square" lIns="0" tIns="0" rIns="0" bIns="0" anchor="t" anchorCtr="0">
             <a:noAutofit/>
           </a:bodyPr>
           <a:lstStyle/>
           <a:p>
-            <a:pPr indent="0" lvl="0" marL="0" marR="0" rtl="0" algn="ctr">
+            <a:pPr marL="0" marR="0" lvl="0" indent="0" algn="ctr" rtl="0">
               <a:lnSpc>
                 <a:spcPct val="104166"/>
               </a:lnSpc>
@@ -6646,12 +5403,12 @@
           </a:ln>
         </p:spPr>
         <p:txBody>
-          <a:bodyPr anchorCtr="0" anchor="t" bIns="91425" lIns="91425" spcFirstLastPara="1" rIns="91425" wrap="square" tIns="91425">
+          <a:bodyPr spcFirstLastPara="1" wrap="square" lIns="91425" tIns="91425" rIns="91425" bIns="91425" anchor="t" anchorCtr="0">
             <a:noAutofit/>
           </a:bodyPr>
           <a:lstStyle/>
           <a:p>
-            <a:pPr indent="0" lvl="0" marL="0" rtl="0" algn="l">
+            <a:pPr marL="0" lvl="0" indent="0" algn="l" rtl="0">
               <a:lnSpc>
                 <a:spcPct val="112000"/>
               </a:lnSpc>
@@ -6664,7 +5421,7 @@
               <a:buNone/>
             </a:pPr>
             <a:r>
-              <a:rPr b="1" lang="en-US">
+              <a:rPr lang="en-US" b="1" dirty="0">
                 <a:solidFill>
                   <a:schemeClr val="dk1"/>
                 </a:solidFill>
@@ -6674,7 +5431,7 @@
               </a:rPr>
               <a:t>Questions that can be asked using the above mentioned datasets</a:t>
             </a:r>
-            <a:endParaRPr b="1">
+            <a:endParaRPr b="1" dirty="0">
               <a:solidFill>
                 <a:schemeClr val="dk1"/>
               </a:solidFill>
@@ -6684,16 +5441,10 @@
             </a:endParaRPr>
           </a:p>
           <a:p>
-            <a:pPr indent="-317500" lvl="0" marL="749300" rtl="0" algn="l">
+            <a:pPr marL="749300" lvl="0" indent="-317500">
               <a:lnSpc>
                 <a:spcPct val="158000"/>
               </a:lnSpc>
-              <a:spcBef>
-                <a:spcPts val="1400"/>
-              </a:spcBef>
-              <a:spcAft>
-                <a:spcPts val="0"/>
-              </a:spcAft>
               <a:buClr>
                 <a:schemeClr val="dk1"/>
               </a:buClr>
@@ -6702,7 +5453,7 @@
               <a:buChar char="●"/>
             </a:pPr>
             <a:r>
-              <a:rPr lang="en-US">
+              <a:rPr lang="en-US" dirty="0" smtClean="0">
                 <a:solidFill>
                   <a:schemeClr val="dk1"/>
                 </a:solidFill>
@@ -6714,9 +5465,54 @@
                 <a:cs typeface="Georgia"/>
                 <a:sym typeface="Georgia"/>
               </a:rPr>
-              <a:t>What is best location in New Delhi City for Chinese Cuisine ?</a:t>
+              <a:t>If change idea </a:t>
             </a:r>
-            <a:endParaRPr>
+            <a:r>
+              <a:rPr lang="en-US" dirty="0">
+                <a:solidFill>
+                  <a:schemeClr val="dk1"/>
+                </a:solidFill>
+                <a:highlight>
+                  <a:srgbClr val="FFFFFF"/>
+                </a:highlight>
+                <a:latin typeface="Georgia"/>
+                <a:ea typeface="Georgia"/>
+                <a:cs typeface="Georgia"/>
+                <a:sym typeface="Georgia"/>
+              </a:rPr>
+              <a:t>to build </a:t>
+            </a:r>
+            <a:r>
+              <a:rPr lang="en-US" dirty="0" smtClean="0">
+                <a:solidFill>
+                  <a:schemeClr val="dk1"/>
+                </a:solidFill>
+                <a:highlight>
+                  <a:srgbClr val="FFFFFF"/>
+                </a:highlight>
+                <a:latin typeface="Georgia"/>
+                <a:ea typeface="Georgia"/>
+                <a:cs typeface="Georgia"/>
+                <a:sym typeface="Georgia"/>
+              </a:rPr>
+              <a:t>restaurant what we build </a:t>
+            </a:r>
+            <a:r>
+              <a:rPr lang="en-US" dirty="0" smtClean="0">
+                <a:solidFill>
+                  <a:schemeClr val="dk1"/>
+                </a:solidFill>
+                <a:highlight>
+                  <a:srgbClr val="FFFFFF"/>
+                </a:highlight>
+                <a:latin typeface="Georgia"/>
+                <a:ea typeface="Georgia"/>
+                <a:cs typeface="Georgia"/>
+                <a:sym typeface="Georgia"/>
+              </a:rPr>
+              <a:t>?</a:t>
+            </a:r>
+            <a:endParaRPr dirty="0">
               <a:solidFill>
                 <a:schemeClr val="dk1"/>
               </a:solidFill>
@@ -6730,7 +5526,7 @@
             </a:endParaRPr>
           </a:p>
           <a:p>
-            <a:pPr indent="-317500" lvl="0" marL="749300" rtl="0" algn="l">
+            <a:pPr marL="749300" lvl="0" indent="-317500" algn="l" rtl="0">
               <a:lnSpc>
                 <a:spcPct val="158000"/>
               </a:lnSpc>
@@ -6748,7 +5544,7 @@
               <a:buChar char="●"/>
             </a:pPr>
             <a:r>
-              <a:rPr lang="en-US">
+              <a:rPr lang="en-US" dirty="0">
                 <a:solidFill>
                   <a:schemeClr val="dk1"/>
                 </a:solidFill>
@@ -6760,10 +5556,10 @@
                 <a:cs typeface="Georgia"/>
                 <a:sym typeface="Georgia"/>
               </a:rPr>
-              <a:t>Which areas have large number of Chinese </a:t>
+              <a:t>What places are have best restaurant </a:t>
             </a:r>
             <a:r>
-              <a:rPr lang="en-US">
+              <a:rPr lang="en-US" dirty="0" smtClean="0">
                 <a:solidFill>
                   <a:schemeClr val="dk1"/>
                 </a:solidFill>
@@ -6775,10 +5571,10 @@
                 <a:cs typeface="Georgia"/>
                 <a:sym typeface="Georgia"/>
               </a:rPr>
-              <a:t>Restaurant</a:t>
+              <a:t>between new York or Toronto</a:t>
             </a:r>
             <a:r>
-              <a:rPr lang="en-US">
+              <a:rPr lang="en-US" dirty="0" smtClean="0">
                 <a:solidFill>
                   <a:schemeClr val="dk1"/>
                 </a:solidFill>
@@ -6790,9 +5586,9 @@
                 <a:cs typeface="Georgia"/>
                 <a:sym typeface="Georgia"/>
               </a:rPr>
-              <a:t> Market ?</a:t>
+              <a:t>?</a:t>
             </a:r>
-            <a:endParaRPr>
+            <a:endParaRPr dirty="0">
               <a:solidFill>
                 <a:schemeClr val="dk1"/>
               </a:solidFill>
@@ -6806,69 +5602,19 @@
             </a:endParaRPr>
           </a:p>
           <a:p>
-            <a:pPr indent="-317500" lvl="0" marL="749300" rtl="0" algn="l">
+            <a:pPr marL="0" lvl="0" indent="0" algn="l" rtl="0">
               <a:lnSpc>
                 <a:spcPct val="158000"/>
               </a:lnSpc>
               <a:spcBef>
-                <a:spcPts val="0"/>
-              </a:spcBef>
-              <a:spcAft>
-                <a:spcPts val="0"/>
-              </a:spcAft>
-              <a:buClr>
-                <a:schemeClr val="dk1"/>
-              </a:buClr>
-              <a:buSzPts val="1400"/>
-              <a:buFont typeface="Georgia"/>
-              <a:buChar char="●"/>
+                <a:spcPts val="1400"/>
+              </a:spcBef>
+              <a:spcAft>
+                <a:spcPts val="0"/>
+              </a:spcAft>
+              <a:buNone/>
             </a:pPr>
-            <a:r>
-              <a:rPr lang="en-US">
-                <a:solidFill>
-                  <a:schemeClr val="dk1"/>
-                </a:solidFill>
-                <a:highlight>
-                  <a:srgbClr val="FFFFFF"/>
-                </a:highlight>
-                <a:latin typeface="Georgia"/>
-                <a:ea typeface="Georgia"/>
-                <a:cs typeface="Georgia"/>
-                <a:sym typeface="Georgia"/>
-              </a:rPr>
-              <a:t>Which all areas have less number of </a:t>
-            </a:r>
-            <a:r>
-              <a:rPr lang="en-US">
-                <a:solidFill>
-                  <a:schemeClr val="dk1"/>
-                </a:solidFill>
-                <a:highlight>
-                  <a:srgbClr val="FFFFFF"/>
-                </a:highlight>
-                <a:latin typeface="Georgia"/>
-                <a:ea typeface="Georgia"/>
-                <a:cs typeface="Georgia"/>
-                <a:sym typeface="Georgia"/>
-              </a:rPr>
-              <a:t>restaurant</a:t>
-            </a:r>
-            <a:r>
-              <a:rPr lang="en-US">
-                <a:solidFill>
-                  <a:schemeClr val="dk1"/>
-                </a:solidFill>
-                <a:highlight>
-                  <a:srgbClr val="FFFFFF"/>
-                </a:highlight>
-                <a:latin typeface="Georgia"/>
-                <a:ea typeface="Georgia"/>
-                <a:cs typeface="Georgia"/>
-                <a:sym typeface="Georgia"/>
-              </a:rPr>
-              <a:t> ?</a:t>
-            </a:r>
-            <a:endParaRPr>
+            <a:endParaRPr sz="1600" dirty="0">
               <a:solidFill>
                 <a:schemeClr val="dk1"/>
               </a:solidFill>
@@ -6882,140 +5628,16 @@
             </a:endParaRPr>
           </a:p>
           <a:p>
-            <a:pPr indent="-317500" lvl="0" marL="749300" rtl="0" algn="l">
-              <a:lnSpc>
-                <a:spcPct val="158000"/>
-              </a:lnSpc>
-              <a:spcBef>
-                <a:spcPts val="0"/>
-              </a:spcBef>
-              <a:spcAft>
-                <a:spcPts val="0"/>
-              </a:spcAft>
-              <a:buClr>
-                <a:schemeClr val="dk1"/>
-              </a:buClr>
-              <a:buSzPts val="1400"/>
-              <a:buFont typeface="Georgia"/>
-              <a:buChar char="●"/>
+            <a:pPr marL="0" lvl="0" indent="0" algn="l" rtl="0">
+              <a:spcBef>
+                <a:spcPts val="0"/>
+              </a:spcBef>
+              <a:spcAft>
+                <a:spcPts val="0"/>
+              </a:spcAft>
+              <a:buNone/>
             </a:pPr>
-            <a:r>
-              <a:rPr lang="en-US">
-                <a:solidFill>
-                  <a:schemeClr val="dk1"/>
-                </a:solidFill>
-                <a:highlight>
-                  <a:srgbClr val="FFFFFF"/>
-                </a:highlight>
-                <a:latin typeface="Georgia"/>
-                <a:ea typeface="Georgia"/>
-                <a:cs typeface="Georgia"/>
-                <a:sym typeface="Georgia"/>
-              </a:rPr>
-              <a:t>Which is the best place to stay if I prefer Chinese Cuisine ?</a:t>
-            </a:r>
-            <a:endParaRPr>
-              <a:solidFill>
-                <a:schemeClr val="dk1"/>
-              </a:solidFill>
-              <a:highlight>
-                <a:srgbClr val="FFFFFF"/>
-              </a:highlight>
-              <a:latin typeface="Georgia"/>
-              <a:ea typeface="Georgia"/>
-              <a:cs typeface="Georgia"/>
-              <a:sym typeface="Georgia"/>
-            </a:endParaRPr>
-          </a:p>
-          <a:p>
-            <a:pPr indent="-317500" lvl="0" marL="749300" rtl="0" algn="l">
-              <a:lnSpc>
-                <a:spcPct val="158000"/>
-              </a:lnSpc>
-              <a:spcBef>
-                <a:spcPts val="0"/>
-              </a:spcBef>
-              <a:spcAft>
-                <a:spcPts val="0"/>
-              </a:spcAft>
-              <a:buClr>
-                <a:schemeClr val="dk1"/>
-              </a:buClr>
-              <a:buSzPts val="1400"/>
-              <a:buFont typeface="Georgia"/>
-              <a:buChar char="●"/>
-            </a:pPr>
-            <a:r>
-              <a:rPr lang="en-US">
-                <a:solidFill>
-                  <a:schemeClr val="dk1"/>
-                </a:solidFill>
-                <a:highlight>
-                  <a:srgbClr val="FFFFFF"/>
-                </a:highlight>
-                <a:latin typeface="Georgia"/>
-                <a:ea typeface="Georgia"/>
-                <a:cs typeface="Georgia"/>
-                <a:sym typeface="Georgia"/>
-              </a:rPr>
-              <a:t>What places are have best restaurant in New Delhi?</a:t>
-            </a:r>
-            <a:endParaRPr>
-              <a:solidFill>
-                <a:schemeClr val="dk1"/>
-              </a:solidFill>
-              <a:highlight>
-                <a:srgbClr val="FFFFFF"/>
-              </a:highlight>
-              <a:latin typeface="Georgia"/>
-              <a:ea typeface="Georgia"/>
-              <a:cs typeface="Georgia"/>
-              <a:sym typeface="Georgia"/>
-            </a:endParaRPr>
-          </a:p>
-          <a:p>
-            <a:pPr indent="0" lvl="0" marL="0" rtl="0" algn="l">
-              <a:lnSpc>
-                <a:spcPct val="158000"/>
-              </a:lnSpc>
-              <a:spcBef>
-                <a:spcPts val="1400"/>
-              </a:spcBef>
-              <a:spcAft>
-                <a:spcPts val="0"/>
-              </a:spcAft>
-              <a:buNone/>
-            </a:pPr>
-            <a:r>
-              <a:t/>
-            </a:r>
-            <a:endParaRPr sz="1600">
-              <a:solidFill>
-                <a:schemeClr val="dk1"/>
-              </a:solidFill>
-              <a:highlight>
-                <a:srgbClr val="FFFFFF"/>
-              </a:highlight>
-              <a:latin typeface="Georgia"/>
-              <a:ea typeface="Georgia"/>
-              <a:cs typeface="Georgia"/>
-              <a:sym typeface="Georgia"/>
-            </a:endParaRPr>
-          </a:p>
-          <a:p>
-            <a:pPr indent="0" lvl="0" marL="0" rtl="0" algn="l">
-              <a:spcBef>
-                <a:spcPts val="0"/>
-              </a:spcBef>
-              <a:spcAft>
-                <a:spcPts val="0"/>
-              </a:spcAft>
-              <a:buNone/>
-            </a:pPr>
-            <a:r>
-              <a:t/>
-            </a:r>
-            <a:endParaRPr>
+            <a:endParaRPr dirty="0">
               <a:latin typeface="Calibri"/>
               <a:ea typeface="Calibri"/>
               <a:cs typeface="Calibri"/>
@@ -7033,11 +5655,11 @@
 </file>
 
 <file path=ppt/slides/slide4.xml><?xml version="1.0" encoding="utf-8"?>
-<p:sld xmlns:a="http://schemas.openxmlformats.org/drawingml/2006/main" xmlns:r="http://schemas.openxmlformats.org/officeDocument/2006/relationships" xmlns:mc="http://schemas.openxmlformats.org/markup-compatibility/2006" xmlns:mv="urn:schemas-microsoft-com:mac:vml" xmlns:p="http://schemas.openxmlformats.org/presentationml/2006/main" xmlns:c="http://schemas.openxmlformats.org/drawingml/2006/chart" xmlns:dgm="http://schemas.openxmlformats.org/drawingml/2006/diagram" xmlns:o="urn:schemas-microsoft-com:office:office" xmlns:v="urn:schemas-microsoft-com:vml" xmlns:pvml="urn:schemas-microsoft-com:office:powerpoint" xmlns:com="http://schemas.openxmlformats.org/drawingml/2006/compatibility" xmlns:p14="http://schemas.microsoft.com/office/powerpoint/2010/main" xmlns:p15="http://schemas.microsoft.com/office/powerpoint/2012/main" showMasterSp="0">
+<p:sld xmlns:a="http://schemas.openxmlformats.org/drawingml/2006/main" xmlns:r="http://schemas.openxmlformats.org/officeDocument/2006/relationships" xmlns:p="http://schemas.openxmlformats.org/presentationml/2006/main" showMasterSp="0">
   <p:cSld>
     <p:spTree>
       <p:nvGrpSpPr>
-        <p:cNvPr id="38" name="Shape 38"/>
+        <p:cNvPr id="1" name="Shape 38"/>
         <p:cNvGrpSpPr/>
         <p:nvPr/>
       </p:nvGrpSpPr>
@@ -7069,12 +5691,12 @@
           </a:ln>
         </p:spPr>
         <p:txBody>
-          <a:bodyPr anchorCtr="0" anchor="t" bIns="0" lIns="0" spcFirstLastPara="1" rIns="0" wrap="square" tIns="0">
+          <a:bodyPr spcFirstLastPara="1" wrap="square" lIns="0" tIns="0" rIns="0" bIns="0" anchor="t" anchorCtr="0">
             <a:noAutofit/>
           </a:bodyPr>
           <a:lstStyle/>
           <a:p>
-            <a:pPr indent="0" lvl="0" marL="0" marR="0" rtl="0" algn="ctr">
+            <a:pPr marL="0" marR="0" lvl="0" indent="0" algn="ctr" rtl="0">
               <a:lnSpc>
                 <a:spcPct val="104166"/>
               </a:lnSpc>
@@ -7122,12 +5744,12 @@
           </a:ln>
         </p:spPr>
         <p:txBody>
-          <a:bodyPr anchorCtr="0" anchor="t" bIns="91425" lIns="91425" spcFirstLastPara="1" rIns="91425" wrap="square" tIns="91425">
+          <a:bodyPr spcFirstLastPara="1" wrap="square" lIns="91425" tIns="91425" rIns="91425" bIns="91425" anchor="t" anchorCtr="0">
             <a:noAutofit/>
           </a:bodyPr>
           <a:lstStyle/>
           <a:p>
-            <a:pPr indent="0" lvl="0" marL="0" rtl="0" algn="l">
+            <a:pPr marL="0" lvl="0" indent="0" algn="l" rtl="0">
               <a:lnSpc>
                 <a:spcPct val="158000"/>
               </a:lnSpc>
@@ -7145,7 +5767,7 @@
               <a:buNone/>
             </a:pPr>
             <a:r>
-              <a:rPr lang="en-US">
+              <a:rPr lang="en-US" dirty="0">
                 <a:solidFill>
                   <a:schemeClr val="dk1"/>
                 </a:solidFill>
@@ -7159,7 +5781,7 @@
               </a:rPr>
               <a:t>For this project we need the following data :</a:t>
             </a:r>
-            <a:endParaRPr>
+            <a:endParaRPr dirty="0">
               <a:solidFill>
                 <a:schemeClr val="dk1"/>
               </a:solidFill>
@@ -7173,7 +5795,7 @@
             </a:endParaRPr>
           </a:p>
           <a:p>
-            <a:pPr indent="-317500" lvl="0" marL="749300" rtl="0" algn="l">
+            <a:pPr marL="749300" lvl="0" indent="-317500" algn="l" rtl="0">
               <a:lnSpc>
                 <a:spcPct val="158000"/>
               </a:lnSpc>
@@ -7191,7 +5813,7 @@
               <a:buChar char="●"/>
             </a:pPr>
             <a:r>
-              <a:rPr lang="en-US">
+              <a:rPr lang="en-US" dirty="0">
                 <a:solidFill>
                   <a:schemeClr val="dk1"/>
                 </a:solidFill>
@@ -7203,10 +5825,10 @@
                 <a:cs typeface="Georgia"/>
                 <a:sym typeface="Georgia"/>
               </a:rPr>
-              <a:t>New Delhi </a:t>
+              <a:t>New Delhi Restaurants data that contains list Locality, Restaurant </a:t>
             </a:r>
             <a:r>
-              <a:rPr lang="en-US">
+              <a:rPr lang="en-US" dirty="0" err="1">
                 <a:solidFill>
                   <a:schemeClr val="dk1"/>
                 </a:solidFill>
@@ -7218,10 +5840,10 @@
                 <a:cs typeface="Georgia"/>
                 <a:sym typeface="Georgia"/>
               </a:rPr>
-              <a:t>Restaurants</a:t>
+              <a:t>name,Rating</a:t>
             </a:r>
             <a:r>
-              <a:rPr lang="en-US">
+              <a:rPr lang="en-US" dirty="0">
                 <a:solidFill>
                   <a:schemeClr val="dk1"/>
                 </a:solidFill>
@@ -7233,10 +5855,10 @@
                 <a:cs typeface="Georgia"/>
                 <a:sym typeface="Georgia"/>
               </a:rPr>
-              <a:t> data that contains list Locality, </a:t>
+              <a:t> along with their latitude and longitude</a:t>
             </a:r>
             <a:r>
-              <a:rPr lang="en-US">
+              <a:rPr lang="en-US" dirty="0" smtClean="0">
                 <a:solidFill>
                   <a:schemeClr val="dk1"/>
                 </a:solidFill>
@@ -7248,24 +5870,9 @@
                 <a:cs typeface="Georgia"/>
                 <a:sym typeface="Georgia"/>
               </a:rPr>
-              <a:t>Restaurant</a:t>
+              <a:t>..</a:t>
             </a:r>
-            <a:r>
-              <a:rPr lang="en-US">
-                <a:solidFill>
-                  <a:schemeClr val="dk1"/>
-                </a:solidFill>
-                <a:highlight>
-                  <a:srgbClr val="FFFFFF"/>
-                </a:highlight>
-                <a:latin typeface="Georgia"/>
-                <a:ea typeface="Georgia"/>
-                <a:cs typeface="Georgia"/>
-                <a:sym typeface="Georgia"/>
-              </a:rPr>
-              <a:t> name,Rating along with their latitude and longitude.</a:t>
-            </a:r>
-            <a:endParaRPr>
+            <a:endParaRPr dirty="0">
               <a:solidFill>
                 <a:schemeClr val="dk1"/>
               </a:solidFill>
@@ -7279,7 +5886,7 @@
             </a:endParaRPr>
           </a:p>
           <a:p>
-            <a:pPr indent="-317500" lvl="0" marL="749300" rtl="0" algn="l">
+            <a:pPr marL="749300" lvl="0" indent="-317500" algn="l" rtl="0">
               <a:lnSpc>
                 <a:spcPct val="158000"/>
               </a:lnSpc>
@@ -7297,7 +5904,126 @@
               <a:buChar char="●"/>
             </a:pPr>
             <a:r>
-              <a:rPr lang="en-US">
+              <a:rPr lang="en-US" dirty="0">
+                <a:solidFill>
+                  <a:schemeClr val="dk1"/>
+                </a:solidFill>
+                <a:highlight>
+                  <a:srgbClr val="FFFFFF"/>
+                </a:highlight>
+                <a:latin typeface="Georgia"/>
+                <a:ea typeface="Georgia"/>
+                <a:cs typeface="Georgia"/>
+                <a:sym typeface="Georgia"/>
+              </a:rPr>
+              <a:t>Nearby places in each locality of </a:t>
+            </a:r>
+            <a:r>
+              <a:rPr lang="en-US" dirty="0" smtClean="0">
+                <a:solidFill>
+                  <a:schemeClr val="dk1"/>
+                </a:solidFill>
+                <a:highlight>
+                  <a:srgbClr val="FFFFFF"/>
+                </a:highlight>
+                <a:latin typeface="Georgia"/>
+                <a:ea typeface="Georgia"/>
+                <a:cs typeface="Georgia"/>
+                <a:sym typeface="Georgia"/>
+              </a:rPr>
+              <a:t>new York city.</a:t>
+            </a:r>
+          </a:p>
+          <a:p>
+            <a:pPr marL="749300" indent="-317500">
+              <a:lnSpc>
+                <a:spcPct val="158000"/>
+              </a:lnSpc>
+              <a:buClr>
+                <a:schemeClr val="dk1"/>
+              </a:buClr>
+              <a:buSzPts val="1400"/>
+              <a:buFont typeface="Georgia"/>
+              <a:buChar char="●"/>
+            </a:pPr>
+            <a:r>
+              <a:rPr lang="en-US" dirty="0">
+                <a:solidFill>
+                  <a:schemeClr val="dk1"/>
+                </a:solidFill>
+                <a:highlight>
+                  <a:srgbClr val="FFFFFF"/>
+                </a:highlight>
+                <a:latin typeface="Georgia"/>
+                <a:ea typeface="Georgia"/>
+                <a:cs typeface="Georgia"/>
+                <a:sym typeface="Georgia"/>
+              </a:rPr>
+              <a:t>Nearby places in each locality of </a:t>
+            </a:r>
+            <a:r>
+              <a:rPr lang="en-US" dirty="0" err="1" smtClean="0">
+                <a:solidFill>
+                  <a:schemeClr val="dk1"/>
+                </a:solidFill>
+                <a:highlight>
+                  <a:srgbClr val="FFFFFF"/>
+                </a:highlight>
+                <a:latin typeface="Georgia"/>
+                <a:ea typeface="Georgia"/>
+                <a:cs typeface="Georgia"/>
+                <a:sym typeface="Georgia"/>
+              </a:rPr>
+              <a:t>torotno</a:t>
+            </a:r>
+            <a:r>
+              <a:rPr lang="en-US" dirty="0" smtClean="0">
+                <a:solidFill>
+                  <a:schemeClr val="dk1"/>
+                </a:solidFill>
+                <a:highlight>
+                  <a:srgbClr val="FFFFFF"/>
+                </a:highlight>
+                <a:latin typeface="Georgia"/>
+                <a:ea typeface="Georgia"/>
+                <a:cs typeface="Georgia"/>
+                <a:sym typeface="Georgia"/>
+              </a:rPr>
+              <a:t> city.</a:t>
+            </a:r>
+            <a:endParaRPr dirty="0">
+              <a:solidFill>
+                <a:schemeClr val="dk1"/>
+              </a:solidFill>
+              <a:highlight>
+                <a:srgbClr val="FFFFFF"/>
+              </a:highlight>
+              <a:latin typeface="Georgia"/>
+              <a:ea typeface="Georgia"/>
+              <a:cs typeface="Georgia"/>
+              <a:sym typeface="Georgia"/>
+            </a:endParaRPr>
+          </a:p>
+          <a:p>
+            <a:pPr marL="749300" lvl="0" indent="-317500" algn="l" rtl="0">
+              <a:lnSpc>
+                <a:spcPct val="158000"/>
+              </a:lnSpc>
+              <a:spcBef>
+                <a:spcPts val="0"/>
+              </a:spcBef>
+              <a:spcAft>
+                <a:spcPts val="0"/>
+              </a:spcAft>
+              <a:buClr>
+                <a:schemeClr val="dk1"/>
+              </a:buClr>
+              <a:buSzPts val="1400"/>
+              <a:buFont typeface="Georgia"/>
+              <a:buChar char="●"/>
+            </a:pPr>
+            <a:r>
+              <a:rPr lang="en-US" dirty="0">
                 <a:solidFill>
                   <a:schemeClr val="dk1"/>
                 </a:solidFill>
@@ -7312,7 +6038,7 @@
               <a:t>Data source : </a:t>
             </a:r>
             <a:r>
-              <a:rPr lang="en-US">
+              <a:rPr lang="en-US" dirty="0" err="1">
                 <a:solidFill>
                   <a:schemeClr val="hlink"/>
                 </a:solidFill>
@@ -7328,9 +6054,28 @@
                 <a:sym typeface="Georgia"/>
                 <a:hlinkClick r:id="rId3"/>
               </a:rPr>
-              <a:t>Zomato kaggel dataset</a:t>
+              <a:t>Fousquare</a:t>
             </a:r>
-            <a:endParaRPr>
+            <a:r>
+              <a:rPr lang="en-US" dirty="0">
+                <a:solidFill>
+                  <a:schemeClr val="hlink"/>
+                </a:solidFill>
+                <a:highlight>
+                  <a:srgbClr val="FFFFFF"/>
+                </a:highlight>
+                <a:uFill>
+                  <a:noFill/>
+                </a:uFill>
+                <a:latin typeface="Georgia"/>
+                <a:ea typeface="Georgia"/>
+                <a:cs typeface="Georgia"/>
+                <a:sym typeface="Georgia"/>
+                <a:hlinkClick r:id="rId3"/>
+              </a:rPr>
+              <a:t> API</a:t>
+            </a:r>
+            <a:endParaRPr dirty="0">
               <a:solidFill>
                 <a:schemeClr val="hlink"/>
               </a:solidFill>
@@ -7344,7 +6089,7 @@
             </a:endParaRPr>
           </a:p>
           <a:p>
-            <a:pPr indent="-317500" lvl="0" marL="749300" rtl="0" algn="l">
+            <a:pPr marL="749300" lvl="0" indent="-317500" algn="l" rtl="0">
               <a:lnSpc>
                 <a:spcPct val="158000"/>
               </a:lnSpc>
@@ -7362,7 +6107,7 @@
               <a:buChar char="●"/>
             </a:pPr>
             <a:r>
-              <a:rPr lang="en-US">
+              <a:rPr lang="en-US" dirty="0">
                 <a:solidFill>
                   <a:schemeClr val="dk1"/>
                 </a:solidFill>
@@ -7374,9 +6119,39 @@
                 <a:cs typeface="Georgia"/>
                 <a:sym typeface="Georgia"/>
               </a:rPr>
-              <a:t>Description : This data set contains the required information. And we will use this data set to explore various locality of new delhi city.</a:t>
+              <a:t>Description : By using this </a:t>
             </a:r>
-            <a:endParaRPr>
+            <a:r>
+              <a:rPr lang="en-US" dirty="0" err="1">
+                <a:solidFill>
+                  <a:schemeClr val="dk1"/>
+                </a:solidFill>
+                <a:highlight>
+                  <a:srgbClr val="FFFFFF"/>
+                </a:highlight>
+                <a:latin typeface="Georgia"/>
+                <a:ea typeface="Georgia"/>
+                <a:cs typeface="Georgia"/>
+                <a:sym typeface="Georgia"/>
+              </a:rPr>
+              <a:t>api</a:t>
+            </a:r>
+            <a:r>
+              <a:rPr lang="en-US" dirty="0">
+                <a:solidFill>
+                  <a:schemeClr val="dk1"/>
+                </a:solidFill>
+                <a:highlight>
+                  <a:srgbClr val="FFFFFF"/>
+                </a:highlight>
+                <a:latin typeface="Georgia"/>
+                <a:ea typeface="Georgia"/>
+                <a:cs typeface="Georgia"/>
+                <a:sym typeface="Georgia"/>
+              </a:rPr>
+              <a:t> we will get all the venues in each neighborhood.</a:t>
+            </a:r>
+            <a:endParaRPr dirty="0">
               <a:solidFill>
                 <a:schemeClr val="dk1"/>
               </a:solidFill>
@@ -7390,176 +6165,16 @@
             </a:endParaRPr>
           </a:p>
           <a:p>
-            <a:pPr indent="-317500" lvl="0" marL="749300" rtl="0" algn="l">
-              <a:lnSpc>
-                <a:spcPct val="158000"/>
-              </a:lnSpc>
-              <a:spcBef>
-                <a:spcPts val="0"/>
-              </a:spcBef>
-              <a:spcAft>
-                <a:spcPts val="0"/>
-              </a:spcAft>
-              <a:buClr>
-                <a:schemeClr val="dk1"/>
-              </a:buClr>
-              <a:buSzPts val="1400"/>
-              <a:buFont typeface="Georgia"/>
-              <a:buChar char="●"/>
+            <a:pPr marL="0" lvl="0" indent="0" algn="l" rtl="0">
+              <a:spcBef>
+                <a:spcPts val="0"/>
+              </a:spcBef>
+              <a:spcAft>
+                <a:spcPts val="0"/>
+              </a:spcAft>
+              <a:buNone/>
             </a:pPr>
-            <a:r>
-              <a:rPr lang="en-US">
-                <a:solidFill>
-                  <a:schemeClr val="dk1"/>
-                </a:solidFill>
-                <a:highlight>
-                  <a:srgbClr val="FFFFFF"/>
-                </a:highlight>
-                <a:latin typeface="Georgia"/>
-                <a:ea typeface="Georgia"/>
-                <a:cs typeface="Georgia"/>
-                <a:sym typeface="Georgia"/>
-              </a:rPr>
-              <a:t>Nearby places in each locality of new delhi city.</a:t>
-            </a:r>
-            <a:endParaRPr>
-              <a:solidFill>
-                <a:schemeClr val="dk1"/>
-              </a:solidFill>
-              <a:highlight>
-                <a:srgbClr val="FFFFFF"/>
-              </a:highlight>
-              <a:latin typeface="Georgia"/>
-              <a:ea typeface="Georgia"/>
-              <a:cs typeface="Georgia"/>
-              <a:sym typeface="Georgia"/>
-            </a:endParaRPr>
-          </a:p>
-          <a:p>
-            <a:pPr indent="-317500" lvl="0" marL="749300" rtl="0" algn="l">
-              <a:lnSpc>
-                <a:spcPct val="158000"/>
-              </a:lnSpc>
-              <a:spcBef>
-                <a:spcPts val="0"/>
-              </a:spcBef>
-              <a:spcAft>
-                <a:spcPts val="0"/>
-              </a:spcAft>
-              <a:buClr>
-                <a:schemeClr val="dk1"/>
-              </a:buClr>
-              <a:buSzPts val="1400"/>
-              <a:buFont typeface="Georgia"/>
-              <a:buChar char="●"/>
-            </a:pPr>
-            <a:r>
-              <a:rPr lang="en-US">
-                <a:solidFill>
-                  <a:schemeClr val="dk1"/>
-                </a:solidFill>
-                <a:highlight>
-                  <a:srgbClr val="FFFFFF"/>
-                </a:highlight>
-                <a:latin typeface="Georgia"/>
-                <a:ea typeface="Georgia"/>
-                <a:cs typeface="Georgia"/>
-                <a:sym typeface="Georgia"/>
-              </a:rPr>
-              <a:t>Data source : </a:t>
-            </a:r>
-            <a:r>
-              <a:rPr lang="en-US">
-                <a:solidFill>
-                  <a:schemeClr val="hlink"/>
-                </a:solidFill>
-                <a:highlight>
-                  <a:srgbClr val="FFFFFF"/>
-                </a:highlight>
-                <a:uFill>
-                  <a:noFill/>
-                </a:uFill>
-                <a:latin typeface="Georgia"/>
-                <a:ea typeface="Georgia"/>
-                <a:cs typeface="Georgia"/>
-                <a:sym typeface="Georgia"/>
-                <a:hlinkClick r:id="rId4"/>
-              </a:rPr>
-              <a:t>Fousquare API</a:t>
-            </a:r>
-            <a:endParaRPr>
-              <a:solidFill>
-                <a:schemeClr val="hlink"/>
-              </a:solidFill>
-              <a:highlight>
-                <a:srgbClr val="FFFFFF"/>
-              </a:highlight>
-              <a:latin typeface="Georgia"/>
-              <a:ea typeface="Georgia"/>
-              <a:cs typeface="Georgia"/>
-              <a:sym typeface="Georgia"/>
-            </a:endParaRPr>
-          </a:p>
-          <a:p>
-            <a:pPr indent="-317500" lvl="0" marL="749300" rtl="0" algn="l">
-              <a:lnSpc>
-                <a:spcPct val="158000"/>
-              </a:lnSpc>
-              <a:spcBef>
-                <a:spcPts val="0"/>
-              </a:spcBef>
-              <a:spcAft>
-                <a:spcPts val="0"/>
-              </a:spcAft>
-              <a:buClr>
-                <a:schemeClr val="dk1"/>
-              </a:buClr>
-              <a:buSzPts val="1400"/>
-              <a:buFont typeface="Georgia"/>
-              <a:buChar char="●"/>
-            </a:pPr>
-            <a:r>
-              <a:rPr lang="en-US">
-                <a:solidFill>
-                  <a:schemeClr val="dk1"/>
-                </a:solidFill>
-                <a:highlight>
-                  <a:srgbClr val="FFFFFF"/>
-                </a:highlight>
-                <a:latin typeface="Georgia"/>
-                <a:ea typeface="Georgia"/>
-                <a:cs typeface="Georgia"/>
-                <a:sym typeface="Georgia"/>
-              </a:rPr>
-              <a:t>Description : By using this api we will get all the venues in each neighborhood.</a:t>
-            </a:r>
-            <a:endParaRPr>
-              <a:solidFill>
-                <a:schemeClr val="dk1"/>
-              </a:solidFill>
-              <a:highlight>
-                <a:srgbClr val="FFFFFF"/>
-              </a:highlight>
-              <a:latin typeface="Georgia"/>
-              <a:ea typeface="Georgia"/>
-              <a:cs typeface="Georgia"/>
-              <a:sym typeface="Georgia"/>
-            </a:endParaRPr>
-          </a:p>
-          <a:p>
-            <a:pPr indent="0" lvl="0" marL="0" rtl="0" algn="l">
-              <a:spcBef>
-                <a:spcPts val="0"/>
-              </a:spcBef>
-              <a:spcAft>
-                <a:spcPts val="0"/>
-              </a:spcAft>
-              <a:buNone/>
-            </a:pPr>
-            <a:r>
-              <a:t/>
-            </a:r>
-            <a:endParaRPr>
+            <a:endParaRPr dirty="0">
               <a:latin typeface="Calibri"/>
               <a:ea typeface="Calibri"/>
               <a:cs typeface="Calibri"/>
@@ -7577,11 +6192,11 @@
 </file>
 
 <file path=ppt/slides/slide5.xml><?xml version="1.0" encoding="utf-8"?>
-<p:sld xmlns:a="http://schemas.openxmlformats.org/drawingml/2006/main" xmlns:r="http://schemas.openxmlformats.org/officeDocument/2006/relationships" xmlns:mc="http://schemas.openxmlformats.org/markup-compatibility/2006" xmlns:mv="urn:schemas-microsoft-com:mac:vml" xmlns:p="http://schemas.openxmlformats.org/presentationml/2006/main" xmlns:c="http://schemas.openxmlformats.org/drawingml/2006/chart" xmlns:dgm="http://schemas.openxmlformats.org/drawingml/2006/diagram" xmlns:o="urn:schemas-microsoft-com:office:office" xmlns:v="urn:schemas-microsoft-com:vml" xmlns:pvml="urn:schemas-microsoft-com:office:powerpoint" xmlns:com="http://schemas.openxmlformats.org/drawingml/2006/compatibility" xmlns:p14="http://schemas.microsoft.com/office/powerpoint/2010/main" xmlns:p15="http://schemas.microsoft.com/office/powerpoint/2012/main" showMasterSp="0">
+<p:sld xmlns:a="http://schemas.openxmlformats.org/drawingml/2006/main" xmlns:r="http://schemas.openxmlformats.org/officeDocument/2006/relationships" xmlns:p="http://schemas.openxmlformats.org/presentationml/2006/main" showMasterSp="0">
   <p:cSld>
     <p:spTree>
       <p:nvGrpSpPr>
-        <p:cNvPr id="44" name="Shape 44"/>
+        <p:cNvPr id="1" name="Shape 44"/>
         <p:cNvGrpSpPr/>
         <p:nvPr/>
       </p:nvGrpSpPr>
@@ -7613,12 +6228,12 @@
           </a:ln>
         </p:spPr>
         <p:txBody>
-          <a:bodyPr anchorCtr="0" anchor="t" bIns="0" lIns="0" spcFirstLastPara="1" rIns="0" wrap="square" tIns="0">
+          <a:bodyPr spcFirstLastPara="1" wrap="square" lIns="0" tIns="0" rIns="0" bIns="0" anchor="t" anchorCtr="0">
             <a:noAutofit/>
           </a:bodyPr>
           <a:lstStyle/>
           <a:p>
-            <a:pPr indent="0" lvl="0" marL="0" marR="0" rtl="0" algn="ctr">
+            <a:pPr marL="0" marR="0" lvl="0" indent="0" algn="ctr" rtl="0">
               <a:lnSpc>
                 <a:spcPct val="104166"/>
               </a:lnSpc>
@@ -7666,21 +6281,18 @@
           </a:ln>
         </p:spPr>
         <p:txBody>
-          <a:bodyPr anchorCtr="0" anchor="t" bIns="91425" lIns="91425" spcFirstLastPara="1" rIns="91425" wrap="square" tIns="91425">
+          <a:bodyPr spcFirstLastPara="1" wrap="square" lIns="91425" tIns="91425" rIns="91425" bIns="91425" anchor="t" anchorCtr="0">
             <a:noAutofit/>
           </a:bodyPr>
           <a:lstStyle/>
           <a:p>
-            <a:pPr indent="-330200" lvl="0" marL="749300" rtl="0" algn="l">
+            <a:pPr marL="749300" lvl="0" indent="-330200">
               <a:lnSpc>
                 <a:spcPct val="158000"/>
               </a:lnSpc>
               <a:spcBef>
                 <a:spcPts val="1400"/>
               </a:spcBef>
-              <a:spcAft>
-                <a:spcPts val="0"/>
-              </a:spcAft>
               <a:buClr>
                 <a:schemeClr val="dk1"/>
               </a:buClr>
@@ -7689,7 +6301,7 @@
               <a:buChar char="●"/>
             </a:pPr>
             <a:r>
-              <a:rPr lang="en-US" sz="1600">
+              <a:rPr lang="en-US" sz="1600" dirty="0">
                 <a:solidFill>
                   <a:schemeClr val="dk1"/>
                 </a:solidFill>
@@ -7701,28 +6313,54 @@
                 <a:cs typeface="Georgia"/>
                 <a:sym typeface="Georgia"/>
               </a:rPr>
-              <a:t>Collect the new delhi city data from </a:t>
+              <a:t>Collect the new </a:t>
             </a:r>
             <a:r>
-              <a:rPr lang="en-US" sz="1600">
+              <a:rPr lang="en-US" sz="1600" dirty="0" err="1">
                 <a:solidFill>
-                  <a:schemeClr val="hlink"/>
+                  <a:schemeClr val="dk1"/>
                 </a:solidFill>
                 <a:highlight>
                   <a:srgbClr val="FFFFFF"/>
                 </a:highlight>
-                <a:uFill>
-                  <a:noFill/>
-                </a:uFill>
                 <a:latin typeface="Georgia"/>
                 <a:ea typeface="Georgia"/>
                 <a:cs typeface="Georgia"/>
                 <a:sym typeface="Georgia"/>
-                <a:hlinkClick r:id="rId3"/>
               </a:rPr>
-              <a:t>Zomato kaggel dataset</a:t>
+              <a:t>delhi</a:t>
             </a:r>
-            <a:endParaRPr sz="1600">
+            <a:r>
+              <a:rPr lang="en-US" sz="1600" dirty="0">
+                <a:solidFill>
+                  <a:schemeClr val="dk1"/>
+                </a:solidFill>
+                <a:highlight>
+                  <a:srgbClr val="FFFFFF"/>
+                </a:highlight>
+                <a:latin typeface="Georgia"/>
+                <a:ea typeface="Georgia"/>
+                <a:cs typeface="Georgia"/>
+                <a:sym typeface="Georgia"/>
+              </a:rPr>
+              <a:t> city data from </a:t>
+            </a:r>
+            <a:r>
+              <a:rPr lang="en-US" sz="1600" dirty="0" smtClean="0">
+                <a:solidFill>
+                  <a:schemeClr val="dk1"/>
+                </a:solidFill>
+                <a:highlight>
+                  <a:srgbClr val="FFFFFF"/>
+                </a:highlight>
+                <a:latin typeface="Georgia"/>
+                <a:ea typeface="Georgia"/>
+                <a:cs typeface="Georgia"/>
+                <a:sym typeface="Georgia"/>
+              </a:rPr>
+              <a:t>FourSquare.cm</a:t>
+            </a:r>
+            <a:endParaRPr sz="1600" dirty="0">
               <a:solidFill>
                 <a:schemeClr val="hlink"/>
               </a:solidFill>
@@ -7736,7 +6374,7 @@
             </a:endParaRPr>
           </a:p>
           <a:p>
-            <a:pPr indent="-330200" lvl="0" marL="749300" rtl="0" algn="l">
+            <a:pPr marL="749300" lvl="0" indent="-330200" algn="l" rtl="0">
               <a:lnSpc>
                 <a:spcPct val="158000"/>
               </a:lnSpc>
@@ -7754,7 +6392,7 @@
               <a:buChar char="●"/>
             </a:pPr>
             <a:r>
-              <a:rPr lang="en-US" sz="1600">
+              <a:rPr lang="en-US" sz="1600" dirty="0">
                 <a:solidFill>
                   <a:schemeClr val="dk1"/>
                 </a:solidFill>
@@ -7766,9 +6404,39 @@
                 <a:cs typeface="Georgia"/>
                 <a:sym typeface="Georgia"/>
               </a:rPr>
-              <a:t>Using FourSquare API we will find all venues for each neighborhood.</a:t>
+              <a:t>Using </a:t>
             </a:r>
-            <a:endParaRPr sz="1600">
+            <a:r>
+              <a:rPr lang="en-US" sz="1600" dirty="0" err="1">
+                <a:solidFill>
+                  <a:schemeClr val="dk1"/>
+                </a:solidFill>
+                <a:highlight>
+                  <a:srgbClr val="FFFFFF"/>
+                </a:highlight>
+                <a:latin typeface="Georgia"/>
+                <a:ea typeface="Georgia"/>
+                <a:cs typeface="Georgia"/>
+                <a:sym typeface="Georgia"/>
+              </a:rPr>
+              <a:t>FourSquare</a:t>
+            </a:r>
+            <a:r>
+              <a:rPr lang="en-US" sz="1600" dirty="0">
+                <a:solidFill>
+                  <a:schemeClr val="dk1"/>
+                </a:solidFill>
+                <a:highlight>
+                  <a:srgbClr val="FFFFFF"/>
+                </a:highlight>
+                <a:latin typeface="Georgia"/>
+                <a:ea typeface="Georgia"/>
+                <a:cs typeface="Georgia"/>
+                <a:sym typeface="Georgia"/>
+              </a:rPr>
+              <a:t> API we will find all venues for each neighborhood.</a:t>
+            </a:r>
+            <a:endParaRPr sz="1600" dirty="0">
               <a:solidFill>
                 <a:schemeClr val="dk1"/>
               </a:solidFill>
@@ -7782,7 +6450,7 @@
             </a:endParaRPr>
           </a:p>
           <a:p>
-            <a:pPr indent="-330200" lvl="0" marL="749300" rtl="0" algn="l">
+            <a:pPr marL="749300" lvl="0" indent="-330200" algn="l" rtl="0">
               <a:lnSpc>
                 <a:spcPct val="158000"/>
               </a:lnSpc>
@@ -7800,7 +6468,7 @@
               <a:buChar char="●"/>
             </a:pPr>
             <a:r>
-              <a:rPr lang="en-US" sz="1600">
+              <a:rPr lang="en-US" sz="1600" dirty="0">
                 <a:solidFill>
                   <a:schemeClr val="dk1"/>
                 </a:solidFill>
@@ -7814,7 +6482,7 @@
               </a:rPr>
               <a:t>Filter out all venues that are nearby by locality.</a:t>
             </a:r>
-            <a:endParaRPr sz="1600">
+            <a:endParaRPr sz="1600" dirty="0">
               <a:solidFill>
                 <a:schemeClr val="dk1"/>
               </a:solidFill>
@@ -7828,7 +6496,7 @@
             </a:endParaRPr>
           </a:p>
           <a:p>
-            <a:pPr indent="-330200" lvl="0" marL="749300" rtl="0" algn="l">
+            <a:pPr marL="749300" lvl="0" indent="-330200" algn="l" rtl="0">
               <a:lnSpc>
                 <a:spcPct val="158000"/>
               </a:lnSpc>
@@ -7846,7 +6514,7 @@
               <a:buChar char="●"/>
             </a:pPr>
             <a:r>
-              <a:rPr lang="en-US" sz="1600">
+              <a:rPr lang="en-US" sz="1600" dirty="0">
                 <a:solidFill>
                   <a:schemeClr val="dk1"/>
                 </a:solidFill>
@@ -7858,9 +6526,39 @@
                 <a:cs typeface="Georgia"/>
                 <a:sym typeface="Georgia"/>
               </a:rPr>
-              <a:t>Using aggregative rating for each resturant to find the best places.</a:t>
+              <a:t>Using aggregative rating for each </a:t>
             </a:r>
-            <a:endParaRPr sz="1600">
+            <a:r>
+              <a:rPr lang="en-US" sz="1600" dirty="0" err="1">
+                <a:solidFill>
+                  <a:schemeClr val="dk1"/>
+                </a:solidFill>
+                <a:highlight>
+                  <a:srgbClr val="FFFFFF"/>
+                </a:highlight>
+                <a:latin typeface="Georgia"/>
+                <a:ea typeface="Georgia"/>
+                <a:cs typeface="Georgia"/>
+                <a:sym typeface="Georgia"/>
+              </a:rPr>
+              <a:t>resturant</a:t>
+            </a:r>
+            <a:r>
+              <a:rPr lang="en-US" sz="1600" dirty="0">
+                <a:solidFill>
+                  <a:schemeClr val="dk1"/>
+                </a:solidFill>
+                <a:highlight>
+                  <a:srgbClr val="FFFFFF"/>
+                </a:highlight>
+                <a:latin typeface="Georgia"/>
+                <a:ea typeface="Georgia"/>
+                <a:cs typeface="Georgia"/>
+                <a:sym typeface="Georgia"/>
+              </a:rPr>
+              <a:t> to find the best places.</a:t>
+            </a:r>
+            <a:endParaRPr sz="1600" dirty="0">
               <a:solidFill>
                 <a:schemeClr val="dk1"/>
               </a:solidFill>
@@ -7874,7 +6572,7 @@
             </a:endParaRPr>
           </a:p>
           <a:p>
-            <a:pPr indent="-330200" lvl="0" marL="749300" rtl="0" algn="l">
+            <a:pPr marL="749300" lvl="0" indent="-330200" algn="l" rtl="0">
               <a:lnSpc>
                 <a:spcPct val="158000"/>
               </a:lnSpc>
@@ -7892,7 +6590,7 @@
               <a:buChar char="●"/>
             </a:pPr>
             <a:r>
-              <a:rPr lang="en-US" sz="1600">
+              <a:rPr lang="en-US" sz="1600" dirty="0">
                 <a:solidFill>
                   <a:schemeClr val="dk1"/>
                 </a:solidFill>
@@ -7906,7 +6604,7 @@
               </a:rPr>
               <a:t>Visualize the Ranking of neighborhoods using folium library(python)</a:t>
             </a:r>
-            <a:endParaRPr sz="1600">
+            <a:endParaRPr sz="1600" dirty="0">
               <a:solidFill>
                 <a:schemeClr val="dk1"/>
               </a:solidFill>
@@ -7920,7 +6618,7 @@
             </a:endParaRPr>
           </a:p>
           <a:p>
-            <a:pPr indent="0" lvl="0" marL="0" rtl="0" algn="l">
+            <a:pPr marL="0" lvl="0" indent="0" algn="l" rtl="0">
               <a:spcBef>
                 <a:spcPts val="0"/>
               </a:spcBef>
@@ -7929,10 +6627,7 @@
               </a:spcAft>
               <a:buNone/>
             </a:pPr>
-            <a:r>
-              <a:t/>
-            </a:r>
-            <a:endParaRPr>
+            <a:endParaRPr dirty="0">
               <a:solidFill>
                 <a:schemeClr val="dk1"/>
               </a:solidFill>
@@ -7956,11 +6651,11 @@
 </file>
 
 <file path=ppt/slides/slide6.xml><?xml version="1.0" encoding="utf-8"?>
-<p:sld xmlns:a="http://schemas.openxmlformats.org/drawingml/2006/main" xmlns:r="http://schemas.openxmlformats.org/officeDocument/2006/relationships" xmlns:mc="http://schemas.openxmlformats.org/markup-compatibility/2006" xmlns:mv="urn:schemas-microsoft-com:mac:vml" xmlns:p="http://schemas.openxmlformats.org/presentationml/2006/main" xmlns:c="http://schemas.openxmlformats.org/drawingml/2006/chart" xmlns:dgm="http://schemas.openxmlformats.org/drawingml/2006/diagram" xmlns:o="urn:schemas-microsoft-com:office:office" xmlns:v="urn:schemas-microsoft-com:vml" xmlns:pvml="urn:schemas-microsoft-com:office:powerpoint" xmlns:com="http://schemas.openxmlformats.org/drawingml/2006/compatibility" xmlns:p14="http://schemas.microsoft.com/office/powerpoint/2010/main" xmlns:p15="http://schemas.microsoft.com/office/powerpoint/2012/main" showMasterSp="0">
+<p:sld xmlns:a="http://schemas.openxmlformats.org/drawingml/2006/main" xmlns:r="http://schemas.openxmlformats.org/officeDocument/2006/relationships" xmlns:p="http://schemas.openxmlformats.org/presentationml/2006/main" showMasterSp="0">
   <p:cSld>
     <p:spTree>
       <p:nvGrpSpPr>
-        <p:cNvPr id="50" name="Shape 50"/>
+        <p:cNvPr id="1" name="Shape 50"/>
         <p:cNvGrpSpPr/>
         <p:nvPr/>
       </p:nvGrpSpPr>
@@ -7992,12 +6687,12 @@
           </a:ln>
         </p:spPr>
         <p:txBody>
-          <a:bodyPr anchorCtr="0" anchor="t" bIns="0" lIns="0" spcFirstLastPara="1" rIns="0" wrap="square" tIns="0">
+          <a:bodyPr spcFirstLastPara="1" wrap="square" lIns="0" tIns="0" rIns="0" bIns="0" anchor="t" anchorCtr="0">
             <a:noAutofit/>
           </a:bodyPr>
           <a:lstStyle/>
           <a:p>
-            <a:pPr indent="0" lvl="0" marL="0" marR="0" rtl="0" algn="ctr">
+            <a:pPr marL="0" marR="0" lvl="0" indent="0" algn="ctr" rtl="0">
               <a:lnSpc>
                 <a:spcPct val="104166"/>
               </a:lnSpc>
@@ -8009,9 +6704,6 @@
               </a:spcAft>
               <a:buNone/>
             </a:pPr>
-            <a:r>
-              <a:t/>
-            </a:r>
             <a:endParaRPr sz="3000">
               <a:solidFill>
                 <a:srgbClr val="2A3990"/>
@@ -8023,7 +6715,7 @@
             </a:endParaRPr>
           </a:p>
           <a:p>
-            <a:pPr indent="0" lvl="0" marL="0" marR="0" rtl="0" algn="ctr">
+            <a:pPr marL="0" marR="0" lvl="0" indent="0" algn="ctr" rtl="0">
               <a:lnSpc>
                 <a:spcPct val="104166"/>
               </a:lnSpc>
@@ -8035,9 +6727,6 @@
               </a:spcAft>
               <a:buNone/>
             </a:pPr>
-            <a:r>
-              <a:t/>
-            </a:r>
             <a:endParaRPr sz="3000">
               <a:solidFill>
                 <a:srgbClr val="2A3990"/>
@@ -8049,7 +6738,7 @@
             </a:endParaRPr>
           </a:p>
           <a:p>
-            <a:pPr indent="0" lvl="0" marL="0" marR="0" rtl="0" algn="ctr">
+            <a:pPr marL="0" marR="0" lvl="0" indent="0" algn="ctr" rtl="0">
               <a:lnSpc>
                 <a:spcPct val="104166"/>
               </a:lnSpc>
@@ -8061,9 +6750,6 @@
               </a:spcAft>
               <a:buNone/>
             </a:pPr>
-            <a:r>
-              <a:t/>
-            </a:r>
             <a:endParaRPr sz="3000">
               <a:solidFill>
                 <a:srgbClr val="2A3990"/>
@@ -8075,7 +6761,7 @@
             </a:endParaRPr>
           </a:p>
           <a:p>
-            <a:pPr indent="0" lvl="0" marL="0" marR="0" rtl="0" algn="ctr">
+            <a:pPr marL="0" marR="0" lvl="0" indent="0" algn="ctr" rtl="0">
               <a:lnSpc>
                 <a:spcPct val="104166"/>
               </a:lnSpc>
@@ -8112,11 +6798,11 @@
 </file>
 
 <file path=ppt/slides/slide7.xml><?xml version="1.0" encoding="utf-8"?>
-<p:sld xmlns:a="http://schemas.openxmlformats.org/drawingml/2006/main" xmlns:r="http://schemas.openxmlformats.org/officeDocument/2006/relationships" xmlns:mc="http://schemas.openxmlformats.org/markup-compatibility/2006" xmlns:mv="urn:schemas-microsoft-com:mac:vml" xmlns:p="http://schemas.openxmlformats.org/presentationml/2006/main" xmlns:c="http://schemas.openxmlformats.org/drawingml/2006/chart" xmlns:dgm="http://schemas.openxmlformats.org/drawingml/2006/diagram" xmlns:o="urn:schemas-microsoft-com:office:office" xmlns:v="urn:schemas-microsoft-com:vml" xmlns:pvml="urn:schemas-microsoft-com:office:powerpoint" xmlns:com="http://schemas.openxmlformats.org/drawingml/2006/compatibility" xmlns:p14="http://schemas.microsoft.com/office/powerpoint/2010/main" xmlns:p15="http://schemas.microsoft.com/office/powerpoint/2012/main">
+<p:sld xmlns:a="http://schemas.openxmlformats.org/drawingml/2006/main" xmlns:r="http://schemas.openxmlformats.org/officeDocument/2006/relationships" xmlns:p="http://schemas.openxmlformats.org/presentationml/2006/main">
   <p:cSld>
     <p:spTree>
       <p:nvGrpSpPr>
-        <p:cNvPr id="55" name="Shape 55"/>
+        <p:cNvPr id="1" name="Shape 55"/>
         <p:cNvGrpSpPr/>
         <p:nvPr/>
       </p:nvGrpSpPr>
@@ -8130,30 +6816,24 @@
       </p:grpSpPr>
       <p:pic>
         <p:nvPicPr>
-          <p:cNvPr id="56" name="Google Shape;56;p9"/>
-          <p:cNvPicPr preferRelativeResize="0"/>
+          <p:cNvPr id="3" name="Picture 2"/>
+          <p:cNvPicPr/>
           <p:nvPr/>
         </p:nvPicPr>
         <p:blipFill>
-          <a:blip r:embed="rId3">
-            <a:alphaModFix/>
-          </a:blip>
+          <a:blip r:embed="rId3"/>
           <a:stretch>
             <a:fillRect/>
           </a:stretch>
         </p:blipFill>
         <p:spPr>
           <a:xfrm>
-            <a:off x="0" y="0"/>
-            <a:ext cx="9143999" cy="5143500"/>
+            <a:off x="101600" y="90311"/>
+            <a:ext cx="9042400" cy="4730045"/>
           </a:xfrm>
           <a:prstGeom prst="rect">
             <a:avLst/>
           </a:prstGeom>
-          <a:noFill/>
-          <a:ln>
-            <a:noFill/>
-          </a:ln>
         </p:spPr>
       </p:pic>
     </p:spTree>
@@ -8165,11 +6845,11 @@
 </file>
 
 <file path=ppt/slides/slide8.xml><?xml version="1.0" encoding="utf-8"?>
-<p:sld xmlns:a="http://schemas.openxmlformats.org/drawingml/2006/main" xmlns:r="http://schemas.openxmlformats.org/officeDocument/2006/relationships" xmlns:mc="http://schemas.openxmlformats.org/markup-compatibility/2006" xmlns:mv="urn:schemas-microsoft-com:mac:vml" xmlns:p="http://schemas.openxmlformats.org/presentationml/2006/main" xmlns:c="http://schemas.openxmlformats.org/drawingml/2006/chart" xmlns:dgm="http://schemas.openxmlformats.org/drawingml/2006/diagram" xmlns:o="urn:schemas-microsoft-com:office:office" xmlns:v="urn:schemas-microsoft-com:vml" xmlns:pvml="urn:schemas-microsoft-com:office:powerpoint" xmlns:com="http://schemas.openxmlformats.org/drawingml/2006/compatibility" xmlns:p14="http://schemas.microsoft.com/office/powerpoint/2010/main" xmlns:p15="http://schemas.microsoft.com/office/powerpoint/2012/main">
+<p:sld xmlns:a="http://schemas.openxmlformats.org/drawingml/2006/main" xmlns:r="http://schemas.openxmlformats.org/officeDocument/2006/relationships" xmlns:p="http://schemas.openxmlformats.org/presentationml/2006/main" showMasterSp="0">
   <p:cSld>
     <p:spTree>
       <p:nvGrpSpPr>
-        <p:cNvPr id="60" name="Shape 60"/>
+        <p:cNvPr id="1" name="Shape 85"/>
         <p:cNvGrpSpPr/>
         <p:nvPr/>
       </p:nvGrpSpPr>
@@ -8181,24 +6861,16 @@
           <a:chExt cx="0" cy="0"/>
         </a:xfrm>
       </p:grpSpPr>
-      <p:pic>
-        <p:nvPicPr>
-          <p:cNvPr id="61" name="Google Shape;61;p10"/>
-          <p:cNvPicPr preferRelativeResize="0"/>
+      <p:sp>
+        <p:nvSpPr>
+          <p:cNvPr id="86" name="Google Shape;86;p15"/>
+          <p:cNvSpPr txBox="1"/>
           <p:nvPr/>
-        </p:nvPicPr>
-        <p:blipFill>
-          <a:blip r:embed="rId3">
-            <a:alphaModFix/>
-          </a:blip>
-          <a:stretch>
-            <a:fillRect/>
-          </a:stretch>
-        </p:blipFill>
+        </p:nvSpPr>
         <p:spPr>
           <a:xfrm>
-            <a:off x="0" y="0"/>
-            <a:ext cx="9144000" cy="5143500"/>
+            <a:off x="-505686" y="542250"/>
+            <a:ext cx="8031300" cy="639600"/>
           </a:xfrm>
           <a:prstGeom prst="rect">
             <a:avLst/>
@@ -8207,6 +6879,129 @@
           <a:ln>
             <a:noFill/>
           </a:ln>
+        </p:spPr>
+        <p:txBody>
+          <a:bodyPr spcFirstLastPara="1" wrap="square" lIns="0" tIns="0" rIns="0" bIns="0" anchor="t" anchorCtr="0">
+            <a:noAutofit/>
+          </a:bodyPr>
+          <a:lstStyle/>
+          <a:p>
+            <a:pPr marL="0" marR="0" lvl="0" indent="0" algn="ctr" rtl="0">
+              <a:lnSpc>
+                <a:spcPct val="104166"/>
+              </a:lnSpc>
+              <a:spcBef>
+                <a:spcPts val="0"/>
+              </a:spcBef>
+              <a:spcAft>
+                <a:spcPts val="0"/>
+              </a:spcAft>
+              <a:buNone/>
+            </a:pPr>
+            <a:r>
+              <a:rPr lang="en-US" sz="3000" dirty="0" smtClean="0">
+                <a:solidFill>
+                  <a:srgbClr val="2A3990"/>
+                </a:solidFill>
+                <a:latin typeface="Roboto"/>
+                <a:ea typeface="Roboto"/>
+                <a:cs typeface="Roboto"/>
+                <a:sym typeface="Roboto"/>
+              </a:rPr>
+              <a:t>Map :</a:t>
+            </a:r>
+            <a:endParaRPr dirty="0"/>
+          </a:p>
+        </p:txBody>
+      </p:sp>
+      <p:sp>
+        <p:nvSpPr>
+          <p:cNvPr id="88" name="Google Shape;88;p15"/>
+          <p:cNvSpPr txBox="1"/>
+          <p:nvPr/>
+        </p:nvSpPr>
+        <p:spPr>
+          <a:xfrm>
+            <a:off x="2700170" y="1222521"/>
+            <a:ext cx="9144000" cy="964200"/>
+          </a:xfrm>
+          <a:prstGeom prst="rect">
+            <a:avLst/>
+          </a:prstGeom>
+          <a:noFill/>
+          <a:ln>
+            <a:noFill/>
+          </a:ln>
+        </p:spPr>
+        <p:txBody>
+          <a:bodyPr spcFirstLastPara="1" wrap="square" lIns="91425" tIns="91425" rIns="91425" bIns="91425" anchor="t" anchorCtr="0">
+            <a:noAutofit/>
+          </a:bodyPr>
+          <a:lstStyle/>
+          <a:p>
+            <a:pPr marL="0" lvl="0" indent="0" algn="l" rtl="0">
+              <a:spcBef>
+                <a:spcPts val="0"/>
+              </a:spcBef>
+              <a:spcAft>
+                <a:spcPts val="0"/>
+              </a:spcAft>
+              <a:buNone/>
+            </a:pPr>
+            <a:r>
+              <a:rPr lang="en-US" sz="2000" dirty="0" smtClean="0">
+                <a:ln w="0"/>
+                <a:solidFill>
+                  <a:schemeClr val="accent1"/>
+                </a:solidFill>
+                <a:effectLst>
+                  <a:outerShdw blurRad="38100" dist="25400" dir="5400000" algn="ctr" rotWithShape="0">
+                    <a:srgbClr val="6E747A">
+                      <a:alpha val="43000"/>
+                    </a:srgbClr>
+                  </a:outerShdw>
+                </a:effectLst>
+              </a:rPr>
+              <a:t>Clustered restaurant </a:t>
+            </a:r>
+            <a:endParaRPr sz="2000" dirty="0">
+              <a:ln w="0"/>
+              <a:solidFill>
+                <a:schemeClr val="accent1"/>
+              </a:solidFill>
+              <a:effectLst>
+                <a:outerShdw blurRad="38100" dist="25400" dir="5400000" algn="ctr" rotWithShape="0">
+                  <a:srgbClr val="6E747A">
+                    <a:alpha val="43000"/>
+                  </a:srgbClr>
+                </a:outerShdw>
+              </a:effectLst>
+            </a:endParaRPr>
+          </a:p>
+        </p:txBody>
+      </p:sp>
+      <p:pic>
+        <p:nvPicPr>
+          <p:cNvPr id="3" name="Picture 2"/>
+          <p:cNvPicPr>
+            <a:picLocks noChangeAspect="1"/>
+          </p:cNvPicPr>
+          <p:nvPr/>
+        </p:nvPicPr>
+        <p:blipFill>
+          <a:blip r:embed="rId3"/>
+          <a:stretch>
+            <a:fillRect/>
+          </a:stretch>
+        </p:blipFill>
+        <p:spPr>
+          <a:xfrm>
+            <a:off x="397426" y="1704621"/>
+            <a:ext cx="6874744" cy="2912535"/>
+          </a:xfrm>
+          <a:prstGeom prst="rect">
+            <a:avLst/>
+          </a:prstGeom>
         </p:spPr>
       </p:pic>
     </p:spTree>
@@ -8218,11 +7013,11 @@
 </file>
 
 <file path=ppt/slides/slide9.xml><?xml version="1.0" encoding="utf-8"?>
-<p:sld xmlns:a="http://schemas.openxmlformats.org/drawingml/2006/main" xmlns:r="http://schemas.openxmlformats.org/officeDocument/2006/relationships" xmlns:mc="http://schemas.openxmlformats.org/markup-compatibility/2006" xmlns:mv="urn:schemas-microsoft-com:mac:vml" xmlns:p="http://schemas.openxmlformats.org/presentationml/2006/main" xmlns:c="http://schemas.openxmlformats.org/drawingml/2006/chart" xmlns:dgm="http://schemas.openxmlformats.org/drawingml/2006/diagram" xmlns:o="urn:schemas-microsoft-com:office:office" xmlns:v="urn:schemas-microsoft-com:vml" xmlns:pvml="urn:schemas-microsoft-com:office:powerpoint" xmlns:com="http://schemas.openxmlformats.org/drawingml/2006/compatibility" xmlns:p14="http://schemas.microsoft.com/office/powerpoint/2010/main" xmlns:p15="http://schemas.microsoft.com/office/powerpoint/2012/main">
+<p:sld xmlns:a="http://schemas.openxmlformats.org/drawingml/2006/main" xmlns:r="http://schemas.openxmlformats.org/officeDocument/2006/relationships" xmlns:p="http://schemas.openxmlformats.org/presentationml/2006/main" showMasterSp="0">
   <p:cSld>
     <p:spTree>
       <p:nvGrpSpPr>
-        <p:cNvPr id="65" name="Shape 65"/>
+        <p:cNvPr id="1" name="Shape 92"/>
         <p:cNvGrpSpPr/>
         <p:nvPr/>
       </p:nvGrpSpPr>
@@ -8234,24 +7029,16 @@
           <a:chExt cx="0" cy="0"/>
         </a:xfrm>
       </p:grpSpPr>
-      <p:pic>
-        <p:nvPicPr>
-          <p:cNvPr id="66" name="Google Shape;66;p11"/>
-          <p:cNvPicPr preferRelativeResize="0"/>
+      <p:sp>
+        <p:nvSpPr>
+          <p:cNvPr id="93" name="Google Shape;93;p16"/>
+          <p:cNvSpPr txBox="1"/>
           <p:nvPr/>
-        </p:nvPicPr>
-        <p:blipFill>
-          <a:blip r:embed="rId3">
-            <a:alphaModFix/>
-          </a:blip>
-          <a:stretch>
-            <a:fillRect/>
-          </a:stretch>
-        </p:blipFill>
+        </p:nvSpPr>
         <p:spPr>
           <a:xfrm>
-            <a:off x="0" y="0"/>
-            <a:ext cx="9144000" cy="5143500"/>
+            <a:off x="397425" y="542250"/>
+            <a:ext cx="8031300" cy="639600"/>
           </a:xfrm>
           <a:prstGeom prst="rect">
             <a:avLst/>
@@ -8260,6 +7047,173 @@
           <a:ln>
             <a:noFill/>
           </a:ln>
+        </p:spPr>
+        <p:txBody>
+          <a:bodyPr spcFirstLastPara="1" wrap="square" lIns="0" tIns="0" rIns="0" bIns="0" anchor="t" anchorCtr="0">
+            <a:noAutofit/>
+          </a:bodyPr>
+          <a:lstStyle/>
+          <a:p>
+            <a:pPr marL="0" marR="0" lvl="0" indent="0" algn="ctr" rtl="0">
+              <a:lnSpc>
+                <a:spcPct val="104166"/>
+              </a:lnSpc>
+              <a:spcBef>
+                <a:spcPts val="0"/>
+              </a:spcBef>
+              <a:spcAft>
+                <a:spcPts val="0"/>
+              </a:spcAft>
+              <a:buNone/>
+            </a:pPr>
+            <a:r>
+              <a:rPr lang="en-US" sz="3000" dirty="0">
+                <a:solidFill>
+                  <a:srgbClr val="2A3990"/>
+                </a:solidFill>
+                <a:latin typeface="Roboto"/>
+                <a:ea typeface="Roboto"/>
+                <a:cs typeface="Roboto"/>
+                <a:sym typeface="Roboto"/>
+              </a:rPr>
+              <a:t>Cluster </a:t>
+            </a:r>
+            <a:r>
+              <a:rPr lang="en-US" sz="3000" dirty="0" smtClean="0">
+                <a:solidFill>
+                  <a:srgbClr val="2A3990"/>
+                </a:solidFill>
+                <a:latin typeface="Roboto"/>
+                <a:ea typeface="Roboto"/>
+                <a:cs typeface="Roboto"/>
+                <a:sym typeface="Roboto"/>
+              </a:rPr>
+              <a:t>1:</a:t>
+            </a:r>
+            <a:endParaRPr dirty="0"/>
+          </a:p>
+        </p:txBody>
+      </p:sp>
+      <p:sp>
+        <p:nvSpPr>
+          <p:cNvPr id="94" name="Google Shape;94;p16"/>
+          <p:cNvSpPr txBox="1"/>
+          <p:nvPr/>
+        </p:nvSpPr>
+        <p:spPr>
+          <a:xfrm>
+            <a:off x="530578" y="1181850"/>
+            <a:ext cx="8613422" cy="964200"/>
+          </a:xfrm>
+          <a:prstGeom prst="rect">
+            <a:avLst/>
+          </a:prstGeom>
+          <a:noFill/>
+          <a:ln>
+            <a:noFill/>
+          </a:ln>
+        </p:spPr>
+        <p:txBody>
+          <a:bodyPr spcFirstLastPara="1" wrap="square" lIns="91425" tIns="91425" rIns="91425" bIns="91425" anchor="t" anchorCtr="0">
+            <a:noAutofit/>
+          </a:bodyPr>
+          <a:lstStyle/>
+          <a:p>
+            <a:pPr marL="0" lvl="0" indent="0" algn="l" rtl="0">
+              <a:spcBef>
+                <a:spcPts val="0"/>
+              </a:spcBef>
+              <a:spcAft>
+                <a:spcPts val="0"/>
+              </a:spcAft>
+              <a:buNone/>
+            </a:pPr>
+            <a:r>
+              <a:rPr lang="en-US" sz="1600" dirty="0">
+                <a:solidFill>
+                  <a:schemeClr val="dk1"/>
+                </a:solidFill>
+                <a:highlight>
+                  <a:srgbClr val="FFFFFF"/>
+                </a:highlight>
+                <a:latin typeface="Georgia"/>
+                <a:ea typeface="Georgia"/>
+                <a:cs typeface="Georgia"/>
+                <a:sym typeface="Georgia"/>
+              </a:rPr>
+              <a:t>It is recommended for </a:t>
+            </a:r>
+            <a:r>
+              <a:rPr lang="en-US" sz="1600" dirty="0" smtClean="0">
+                <a:solidFill>
+                  <a:schemeClr val="dk1"/>
+                </a:solidFill>
+                <a:highlight>
+                  <a:srgbClr val="FFFFFF"/>
+                </a:highlight>
+                <a:latin typeface="Georgia"/>
+                <a:ea typeface="Georgia"/>
+                <a:cs typeface="Georgia"/>
+                <a:sym typeface="Georgia"/>
+              </a:rPr>
+              <a:t>venues </a:t>
+            </a:r>
+            <a:r>
+              <a:rPr lang="en-US" sz="1600" dirty="0">
+                <a:solidFill>
+                  <a:schemeClr val="dk1"/>
+                </a:solidFill>
+                <a:highlight>
+                  <a:srgbClr val="FFFFFF"/>
+                </a:highlight>
+                <a:latin typeface="Georgia"/>
+                <a:ea typeface="Georgia"/>
+                <a:cs typeface="Georgia"/>
+                <a:sym typeface="Georgia"/>
+              </a:rPr>
+              <a:t>areas</a:t>
+            </a:r>
+            <a:r>
+              <a:rPr lang="en-US" sz="1600" dirty="0" smtClean="0">
+                <a:solidFill>
+                  <a:schemeClr val="dk1"/>
+                </a:solidFill>
+                <a:highlight>
+                  <a:srgbClr val="FFFFFF"/>
+                </a:highlight>
+                <a:latin typeface="Georgia"/>
+                <a:ea typeface="Georgia"/>
+                <a:cs typeface="Georgia"/>
+                <a:sym typeface="Georgia"/>
+              </a:rPr>
+              <a:t>: sushi </a:t>
+            </a:r>
+            <a:endParaRPr dirty="0"/>
+          </a:p>
+        </p:txBody>
+      </p:sp>
+      <p:pic>
+        <p:nvPicPr>
+          <p:cNvPr id="2" name="Picture 1"/>
+          <p:cNvPicPr>
+            <a:picLocks noChangeAspect="1"/>
+          </p:cNvPicPr>
+          <p:nvPr/>
+        </p:nvPicPr>
+        <p:blipFill>
+          <a:blip r:embed="rId3"/>
+          <a:stretch>
+            <a:fillRect/>
+          </a:stretch>
+        </p:blipFill>
+        <p:spPr>
+          <a:xfrm>
+            <a:off x="107260" y="1569155"/>
+            <a:ext cx="9036740" cy="4003619"/>
+          </a:xfrm>
+          <a:prstGeom prst="rect">
+            <a:avLst/>
+          </a:prstGeom>
         </p:spPr>
       </p:pic>
     </p:spTree>
@@ -8271,7 +7225,288 @@
 </file>
 
 <file path=ppt/theme/theme1.xml><?xml version="1.0" encoding="utf-8"?>
-<a:theme xmlns:a="http://schemas.openxmlformats.org/drawingml/2006/main" xmlns:r="http://schemas.openxmlformats.org/officeDocument/2006/relationships">
+<a:theme xmlns:a="http://schemas.openxmlformats.org/drawingml/2006/main" name="Theme Office">
+  <a:themeElements>
+    <a:clrScheme name="Standard">
+      <a:dk1>
+        <a:srgbClr val="000000"/>
+      </a:dk1>
+      <a:lt1>
+        <a:srgbClr val="FFFFFF"/>
+      </a:lt1>
+      <a:dk2>
+        <a:srgbClr val="1F497D"/>
+      </a:dk2>
+      <a:lt2>
+        <a:srgbClr val="EEECE1"/>
+      </a:lt2>
+      <a:accent1>
+        <a:srgbClr val="4F81BD"/>
+      </a:accent1>
+      <a:accent2>
+        <a:srgbClr val="C0504D"/>
+      </a:accent2>
+      <a:accent3>
+        <a:srgbClr val="9BBB59"/>
+      </a:accent3>
+      <a:accent4>
+        <a:srgbClr val="8064A2"/>
+      </a:accent4>
+      <a:accent5>
+        <a:srgbClr val="4BACC6"/>
+      </a:accent5>
+      <a:accent6>
+        <a:srgbClr val="F79646"/>
+      </a:accent6>
+      <a:hlink>
+        <a:srgbClr val="0000FF"/>
+      </a:hlink>
+      <a:folHlink>
+        <a:srgbClr val="800080"/>
+      </a:folHlink>
+    </a:clrScheme>
+    <a:fontScheme name="Office">
+      <a:majorFont>
+        <a:latin typeface="Arial"/>
+        <a:ea typeface=""/>
+        <a:cs typeface=""/>
+        <a:font script="Jpan" typeface="ＭＳ Ｐゴシック"/>
+        <a:font script="Hang" typeface="맑은 고딕"/>
+        <a:font script="Hans" typeface="宋体"/>
+        <a:font script="Hant" typeface="新細明體"/>
+        <a:font script="Arab" typeface="Times New Roman"/>
+        <a:font script="Hebr" typeface="Times New Roman"/>
+        <a:font script="Thai" typeface="Angsana New"/>
+        <a:font script="Ethi" typeface="Nyala"/>
+        <a:font script="Beng" typeface="Vrinda"/>
+        <a:font script="Gujr" typeface="Shruti"/>
+        <a:font script="Khmr" typeface="MoolBoran"/>
+        <a:font script="Knda" typeface="Tunga"/>
+        <a:font script="Guru" typeface="Raavi"/>
+        <a:font script="Cans" typeface="Euphemia"/>
+        <a:font script="Cher" typeface="Plantagenet Cherokee"/>
+        <a:font script="Yiii" typeface="Microsoft Yi Baiti"/>
+        <a:font script="Tibt" typeface="Microsoft Himalaya"/>
+        <a:font script="Thaa" typeface="MV Boli"/>
+        <a:font script="Deva" typeface="Mangal"/>
+        <a:font script="Telu" typeface="Gautami"/>
+        <a:font script="Taml" typeface="Latha"/>
+        <a:font script="Syrc" typeface="Estrangelo Edessa"/>
+        <a:font script="Orya" typeface="Kalinga"/>
+        <a:font script="Mlym" typeface="Kartika"/>
+        <a:font script="Laoo" typeface="DokChampa"/>
+        <a:font script="Sinh" typeface="Iskoola Pota"/>
+        <a:font script="Mong" typeface="Mongolian Baiti"/>
+        <a:font script="Viet" typeface="Times New Roman"/>
+        <a:font script="Uigh" typeface="Microsoft Uighur"/>
+        <a:font script="Geor" typeface="Sylfaen"/>
+      </a:majorFont>
+      <a:minorFont>
+        <a:latin typeface="Arial"/>
+        <a:ea typeface=""/>
+        <a:cs typeface=""/>
+        <a:font script="Jpan" typeface="ＭＳ Ｐゴシック"/>
+        <a:font script="Hang" typeface="맑은 고딕"/>
+        <a:font script="Hans" typeface="宋体"/>
+        <a:font script="Hant" typeface="新細明體"/>
+        <a:font script="Arab" typeface="Arial"/>
+        <a:font script="Hebr" typeface="Arial"/>
+        <a:font script="Thai" typeface="Cordia New"/>
+        <a:font script="Ethi" typeface="Nyala"/>
+        <a:font script="Beng" typeface="Vrinda"/>
+        <a:font script="Gujr" typeface="Shruti"/>
+        <a:font script="Khmr" typeface="DaunPenh"/>
+        <a:font script="Knda" typeface="Tunga"/>
+        <a:font script="Guru" typeface="Raavi"/>
+        <a:font script="Cans" typeface="Euphemia"/>
+        <a:font script="Cher" typeface="Plantagenet Cherokee"/>
+        <a:font script="Yiii" typeface="Microsoft Yi Baiti"/>
+        <a:font script="Tibt" typeface="Microsoft Himalaya"/>
+        <a:font script="Thaa" typeface="MV Boli"/>
+        <a:font script="Deva" typeface="Mangal"/>
+        <a:font script="Telu" typeface="Gautami"/>
+        <a:font script="Taml" typeface="Latha"/>
+        <a:font script="Syrc" typeface="Estrangelo Edessa"/>
+        <a:font script="Orya" typeface="Kalinga"/>
+        <a:font script="Mlym" typeface="Kartika"/>
+        <a:font script="Laoo" typeface="DokChampa"/>
+        <a:font script="Sinh" typeface="Iskoola Pota"/>
+        <a:font script="Mong" typeface="Mongolian Baiti"/>
+        <a:font script="Viet" typeface="Arial"/>
+        <a:font script="Uigh" typeface="Microsoft Uighur"/>
+        <a:font script="Geor" typeface="Sylfaen"/>
+      </a:minorFont>
+    </a:fontScheme>
+    <a:fmtScheme name="Office">
+      <a:fillStyleLst>
+        <a:solidFill>
+          <a:schemeClr val="phClr"/>
+        </a:solidFill>
+        <a:gradFill rotWithShape="1">
+          <a:gsLst>
+            <a:gs pos="0">
+              <a:schemeClr val="phClr">
+                <a:tint val="50000"/>
+                <a:satMod val="300000"/>
+              </a:schemeClr>
+            </a:gs>
+            <a:gs pos="35000">
+              <a:schemeClr val="phClr">
+                <a:tint val="37000"/>
+                <a:satMod val="300000"/>
+              </a:schemeClr>
+            </a:gs>
+            <a:gs pos="100000">
+              <a:schemeClr val="phClr">
+                <a:tint val="15000"/>
+                <a:satMod val="350000"/>
+              </a:schemeClr>
+            </a:gs>
+          </a:gsLst>
+          <a:lin ang="16200000" scaled="1"/>
+        </a:gradFill>
+        <a:gradFill rotWithShape="1">
+          <a:gsLst>
+            <a:gs pos="0">
+              <a:schemeClr val="phClr">
+                <a:tint val="100000"/>
+                <a:shade val="100000"/>
+                <a:satMod val="130000"/>
+              </a:schemeClr>
+            </a:gs>
+            <a:gs pos="100000">
+              <a:schemeClr val="phClr">
+                <a:tint val="50000"/>
+                <a:shade val="100000"/>
+                <a:satMod val="350000"/>
+              </a:schemeClr>
+            </a:gs>
+          </a:gsLst>
+          <a:lin ang="16200000" scaled="0"/>
+        </a:gradFill>
+      </a:fillStyleLst>
+      <a:lnStyleLst>
+        <a:ln w="9525" cap="flat" cmpd="sng" algn="ctr">
+          <a:solidFill>
+            <a:schemeClr val="phClr">
+              <a:shade val="95000"/>
+              <a:satMod val="105000"/>
+            </a:schemeClr>
+          </a:solidFill>
+          <a:prstDash val="solid"/>
+        </a:ln>
+        <a:ln w="25400" cap="flat" cmpd="sng" algn="ctr">
+          <a:solidFill>
+            <a:schemeClr val="phClr"/>
+          </a:solidFill>
+          <a:prstDash val="solid"/>
+        </a:ln>
+        <a:ln w="38100" cap="flat" cmpd="sng" algn="ctr">
+          <a:solidFill>
+            <a:schemeClr val="phClr"/>
+          </a:solidFill>
+          <a:prstDash val="solid"/>
+        </a:ln>
+      </a:lnStyleLst>
+      <a:effectStyleLst>
+        <a:effectStyle>
+          <a:effectLst>
+            <a:outerShdw blurRad="40000" dist="20000" dir="5400000" rotWithShape="0">
+              <a:srgbClr val="000000">
+                <a:alpha val="38000"/>
+              </a:srgbClr>
+            </a:outerShdw>
+          </a:effectLst>
+        </a:effectStyle>
+        <a:effectStyle>
+          <a:effectLst>
+            <a:outerShdw blurRad="40000" dist="23000" dir="5400000" rotWithShape="0">
+              <a:srgbClr val="000000">
+                <a:alpha val="35000"/>
+              </a:srgbClr>
+            </a:outerShdw>
+          </a:effectLst>
+        </a:effectStyle>
+        <a:effectStyle>
+          <a:effectLst>
+            <a:outerShdw blurRad="40000" dist="23000" dir="5400000" rotWithShape="0">
+              <a:srgbClr val="000000">
+                <a:alpha val="35000"/>
+              </a:srgbClr>
+            </a:outerShdw>
+          </a:effectLst>
+          <a:scene3d>
+            <a:camera prst="orthographicFront">
+              <a:rot lat="0" lon="0" rev="0"/>
+            </a:camera>
+            <a:lightRig rig="threePt" dir="t">
+              <a:rot lat="0" lon="0" rev="1200000"/>
+            </a:lightRig>
+          </a:scene3d>
+          <a:sp3d>
+            <a:bevelT w="63500" h="25400"/>
+          </a:sp3d>
+        </a:effectStyle>
+      </a:effectStyleLst>
+      <a:bgFillStyleLst>
+        <a:solidFill>
+          <a:schemeClr val="phClr"/>
+        </a:solidFill>
+        <a:gradFill rotWithShape="1">
+          <a:gsLst>
+            <a:gs pos="0">
+              <a:schemeClr val="phClr">
+                <a:tint val="40000"/>
+                <a:satMod val="350000"/>
+              </a:schemeClr>
+            </a:gs>
+            <a:gs pos="40000">
+              <a:schemeClr val="phClr">
+                <a:tint val="45000"/>
+                <a:shade val="99000"/>
+                <a:satMod val="350000"/>
+              </a:schemeClr>
+            </a:gs>
+            <a:gs pos="100000">
+              <a:schemeClr val="phClr">
+                <a:shade val="20000"/>
+                <a:satMod val="255000"/>
+              </a:schemeClr>
+            </a:gs>
+          </a:gsLst>
+          <a:path path="circle">
+            <a:fillToRect l="50000" t="-80000" r="50000" b="180000"/>
+          </a:path>
+        </a:gradFill>
+        <a:gradFill rotWithShape="1">
+          <a:gsLst>
+            <a:gs pos="0">
+              <a:schemeClr val="phClr">
+                <a:tint val="80000"/>
+                <a:satMod val="300000"/>
+              </a:schemeClr>
+            </a:gs>
+            <a:gs pos="100000">
+              <a:schemeClr val="phClr">
+                <a:shade val="30000"/>
+                <a:satMod val="200000"/>
+              </a:schemeClr>
+            </a:gs>
+          </a:gsLst>
+          <a:path path="circle">
+            <a:fillToRect l="50000" t="50000" r="50000" b="50000"/>
+          </a:path>
+        </a:gradFill>
+      </a:bgFillStyleLst>
+    </a:fmtScheme>
+  </a:themeElements>
+  <a:objectDefaults/>
+  <a:extraClrSchemeLst/>
+</a:theme>
+</file>
+
+<file path=ppt/theme/theme2.xml><?xml version="1.0" encoding="utf-8"?>
+<a:theme xmlns:a="http://schemas.openxmlformats.org/drawingml/2006/main">
   <a:themeElements>
     <a:clrScheme name="Default">
       <a:dk1>
@@ -8546,284 +7781,7 @@
       </a:bgFillStyleLst>
     </a:fmtScheme>
   </a:themeElements>
-</a:theme>
-</file>
-
-<file path=ppt/theme/theme2.xml><?xml version="1.0" encoding="utf-8"?>
-<a:theme xmlns:a="http://schemas.openxmlformats.org/drawingml/2006/main" xmlns:r="http://schemas.openxmlformats.org/officeDocument/2006/relationships" name="Theme Office">
-  <a:themeElements>
-    <a:clrScheme name="Standard">
-      <a:dk1>
-        <a:srgbClr val="000000"/>
-      </a:dk1>
-      <a:lt1>
-        <a:srgbClr val="FFFFFF"/>
-      </a:lt1>
-      <a:dk2>
-        <a:srgbClr val="1F497D"/>
-      </a:dk2>
-      <a:lt2>
-        <a:srgbClr val="EEECE1"/>
-      </a:lt2>
-      <a:accent1>
-        <a:srgbClr val="4F81BD"/>
-      </a:accent1>
-      <a:accent2>
-        <a:srgbClr val="C0504D"/>
-      </a:accent2>
-      <a:accent3>
-        <a:srgbClr val="9BBB59"/>
-      </a:accent3>
-      <a:accent4>
-        <a:srgbClr val="8064A2"/>
-      </a:accent4>
-      <a:accent5>
-        <a:srgbClr val="4BACC6"/>
-      </a:accent5>
-      <a:accent6>
-        <a:srgbClr val="F79646"/>
-      </a:accent6>
-      <a:hlink>
-        <a:srgbClr val="0000FF"/>
-      </a:hlink>
-      <a:folHlink>
-        <a:srgbClr val="800080"/>
-      </a:folHlink>
-    </a:clrScheme>
-    <a:fontScheme name="Office">
-      <a:majorFont>
-        <a:latin typeface="Arial"/>
-        <a:ea typeface=""/>
-        <a:cs typeface=""/>
-        <a:font script="Jpan" typeface="ＭＳ Ｐゴシック"/>
-        <a:font script="Hang" typeface="맑은 고딕"/>
-        <a:font script="Hans" typeface="宋体"/>
-        <a:font script="Hant" typeface="新細明體"/>
-        <a:font script="Arab" typeface="Times New Roman"/>
-        <a:font script="Hebr" typeface="Times New Roman"/>
-        <a:font script="Thai" typeface="Angsana New"/>
-        <a:font script="Ethi" typeface="Nyala"/>
-        <a:font script="Beng" typeface="Vrinda"/>
-        <a:font script="Gujr" typeface="Shruti"/>
-        <a:font script="Khmr" typeface="MoolBoran"/>
-        <a:font script="Knda" typeface="Tunga"/>
-        <a:font script="Guru" typeface="Raavi"/>
-        <a:font script="Cans" typeface="Euphemia"/>
-        <a:font script="Cher" typeface="Plantagenet Cherokee"/>
-        <a:font script="Yiii" typeface="Microsoft Yi Baiti"/>
-        <a:font script="Tibt" typeface="Microsoft Himalaya"/>
-        <a:font script="Thaa" typeface="MV Boli"/>
-        <a:font script="Deva" typeface="Mangal"/>
-        <a:font script="Telu" typeface="Gautami"/>
-        <a:font script="Taml" typeface="Latha"/>
-        <a:font script="Syrc" typeface="Estrangelo Edessa"/>
-        <a:font script="Orya" typeface="Kalinga"/>
-        <a:font script="Mlym" typeface="Kartika"/>
-        <a:font script="Laoo" typeface="DokChampa"/>
-        <a:font script="Sinh" typeface="Iskoola Pota"/>
-        <a:font script="Mong" typeface="Mongolian Baiti"/>
-        <a:font script="Viet" typeface="Times New Roman"/>
-        <a:font script="Uigh" typeface="Microsoft Uighur"/>
-        <a:font script="Geor" typeface="Sylfaen"/>
-      </a:majorFont>
-      <a:minorFont>
-        <a:latin typeface="Arial"/>
-        <a:ea typeface=""/>
-        <a:cs typeface=""/>
-        <a:font script="Jpan" typeface="ＭＳ Ｐゴシック"/>
-        <a:font script="Hang" typeface="맑은 고딕"/>
-        <a:font script="Hans" typeface="宋体"/>
-        <a:font script="Hant" typeface="新細明體"/>
-        <a:font script="Arab" typeface="Arial"/>
-        <a:font script="Hebr" typeface="Arial"/>
-        <a:font script="Thai" typeface="Cordia New"/>
-        <a:font script="Ethi" typeface="Nyala"/>
-        <a:font script="Beng" typeface="Vrinda"/>
-        <a:font script="Gujr" typeface="Shruti"/>
-        <a:font script="Khmr" typeface="DaunPenh"/>
-        <a:font script="Knda" typeface="Tunga"/>
-        <a:font script="Guru" typeface="Raavi"/>
-        <a:font script="Cans" typeface="Euphemia"/>
-        <a:font script="Cher" typeface="Plantagenet Cherokee"/>
-        <a:font script="Yiii" typeface="Microsoft Yi Baiti"/>
-        <a:font script="Tibt" typeface="Microsoft Himalaya"/>
-        <a:font script="Thaa" typeface="MV Boli"/>
-        <a:font script="Deva" typeface="Mangal"/>
-        <a:font script="Telu" typeface="Gautami"/>
-        <a:font script="Taml" typeface="Latha"/>
-        <a:font script="Syrc" typeface="Estrangelo Edessa"/>
-        <a:font script="Orya" typeface="Kalinga"/>
-        <a:font script="Mlym" typeface="Kartika"/>
-        <a:font script="Laoo" typeface="DokChampa"/>
-        <a:font script="Sinh" typeface="Iskoola Pota"/>
-        <a:font script="Mong" typeface="Mongolian Baiti"/>
-        <a:font script="Viet" typeface="Arial"/>
-        <a:font script="Uigh" typeface="Microsoft Uighur"/>
-        <a:font script="Geor" typeface="Sylfaen"/>
-      </a:minorFont>
-    </a:fontScheme>
-    <a:fmtScheme name="Office">
-      <a:fillStyleLst>
-        <a:solidFill>
-          <a:schemeClr val="phClr"/>
-        </a:solidFill>
-        <a:gradFill rotWithShape="1">
-          <a:gsLst>
-            <a:gs pos="0">
-              <a:schemeClr val="phClr">
-                <a:tint val="50000"/>
-                <a:satMod val="300000"/>
-              </a:schemeClr>
-            </a:gs>
-            <a:gs pos="35000">
-              <a:schemeClr val="phClr">
-                <a:tint val="37000"/>
-                <a:satMod val="300000"/>
-              </a:schemeClr>
-            </a:gs>
-            <a:gs pos="100000">
-              <a:schemeClr val="phClr">
-                <a:tint val="15000"/>
-                <a:satMod val="350000"/>
-              </a:schemeClr>
-            </a:gs>
-          </a:gsLst>
-          <a:lin ang="16200000" scaled="1"/>
-        </a:gradFill>
-        <a:gradFill rotWithShape="1">
-          <a:gsLst>
-            <a:gs pos="0">
-              <a:schemeClr val="phClr">
-                <a:tint val="100000"/>
-                <a:shade val="100000"/>
-                <a:satMod val="130000"/>
-              </a:schemeClr>
-            </a:gs>
-            <a:gs pos="100000">
-              <a:schemeClr val="phClr">
-                <a:tint val="50000"/>
-                <a:shade val="100000"/>
-                <a:satMod val="350000"/>
-              </a:schemeClr>
-            </a:gs>
-          </a:gsLst>
-          <a:lin ang="16200000" scaled="0"/>
-        </a:gradFill>
-      </a:fillStyleLst>
-      <a:lnStyleLst>
-        <a:ln w="9525" cap="flat" cmpd="sng" algn="ctr">
-          <a:solidFill>
-            <a:schemeClr val="phClr">
-              <a:shade val="95000"/>
-              <a:satMod val="105000"/>
-            </a:schemeClr>
-          </a:solidFill>
-          <a:prstDash val="solid"/>
-        </a:ln>
-        <a:ln w="25400" cap="flat" cmpd="sng" algn="ctr">
-          <a:solidFill>
-            <a:schemeClr val="phClr"/>
-          </a:solidFill>
-          <a:prstDash val="solid"/>
-        </a:ln>
-        <a:ln w="38100" cap="flat" cmpd="sng" algn="ctr">
-          <a:solidFill>
-            <a:schemeClr val="phClr"/>
-          </a:solidFill>
-          <a:prstDash val="solid"/>
-        </a:ln>
-      </a:lnStyleLst>
-      <a:effectStyleLst>
-        <a:effectStyle>
-          <a:effectLst>
-            <a:outerShdw blurRad="40000" dist="20000" dir="5400000" rotWithShape="0">
-              <a:srgbClr val="000000">
-                <a:alpha val="38000"/>
-              </a:srgbClr>
-            </a:outerShdw>
-          </a:effectLst>
-        </a:effectStyle>
-        <a:effectStyle>
-          <a:effectLst>
-            <a:outerShdw blurRad="40000" dist="23000" dir="5400000" rotWithShape="0">
-              <a:srgbClr val="000000">
-                <a:alpha val="35000"/>
-              </a:srgbClr>
-            </a:outerShdw>
-          </a:effectLst>
-        </a:effectStyle>
-        <a:effectStyle>
-          <a:effectLst>
-            <a:outerShdw blurRad="40000" dist="23000" dir="5400000" rotWithShape="0">
-              <a:srgbClr val="000000">
-                <a:alpha val="35000"/>
-              </a:srgbClr>
-            </a:outerShdw>
-          </a:effectLst>
-          <a:scene3d>
-            <a:camera prst="orthographicFront">
-              <a:rot lat="0" lon="0" rev="0"/>
-            </a:camera>
-            <a:lightRig rig="threePt" dir="t">
-              <a:rot lat="0" lon="0" rev="1200000"/>
-            </a:lightRig>
-          </a:scene3d>
-          <a:sp3d>
-            <a:bevelT w="63500" h="25400"/>
-          </a:sp3d>
-        </a:effectStyle>
-      </a:effectStyleLst>
-      <a:bgFillStyleLst>
-        <a:solidFill>
-          <a:schemeClr val="phClr"/>
-        </a:solidFill>
-        <a:gradFill rotWithShape="1">
-          <a:gsLst>
-            <a:gs pos="0">
-              <a:schemeClr val="phClr">
-                <a:tint val="40000"/>
-                <a:satMod val="350000"/>
-              </a:schemeClr>
-            </a:gs>
-            <a:gs pos="40000">
-              <a:schemeClr val="phClr">
-                <a:tint val="45000"/>
-                <a:shade val="99000"/>
-                <a:satMod val="350000"/>
-              </a:schemeClr>
-            </a:gs>
-            <a:gs pos="100000">
-              <a:schemeClr val="phClr">
-                <a:shade val="20000"/>
-                <a:satMod val="255000"/>
-              </a:schemeClr>
-            </a:gs>
-          </a:gsLst>
-          <a:path path="circle">
-            <a:fillToRect l="50000" t="-80000" r="50000" b="180000"/>
-          </a:path>
-        </a:gradFill>
-        <a:gradFill rotWithShape="1">
-          <a:gsLst>
-            <a:gs pos="0">
-              <a:schemeClr val="phClr">
-                <a:tint val="80000"/>
-                <a:satMod val="300000"/>
-              </a:schemeClr>
-            </a:gs>
-            <a:gs pos="100000">
-              <a:schemeClr val="phClr">
-                <a:shade val="30000"/>
-                <a:satMod val="200000"/>
-              </a:schemeClr>
-            </a:gs>
-          </a:gsLst>
-          <a:path path="circle">
-            <a:fillToRect l="50000" t="50000" r="50000" b="50000"/>
-          </a:path>
-        </a:gradFill>
-      </a:bgFillStyleLst>
-    </a:fmtScheme>
-  </a:themeElements>
+  <a:objectDefaults/>
+  <a:extraClrSchemeLst/>
 </a:theme>
 </file>